--- a/Presentations/starting_work.pptx
+++ b/Presentations/starting_work.pptx
@@ -108,6 +108,11 @@
       </a:defRPr>
     </a:lvl9pPr>
   </p:defaultTextStyle>
+  <p:extLst>
+    <p:ext uri="{EFAFB233-063F-42B5-8137-9DF3F51BA10A}">
+      <p15:sldGuideLst xmlns:p15="http://schemas.microsoft.com/office/powerpoint/2012/main"/>
+    </p:ext>
+  </p:extLst>
 </p:presentation>
 </file>
 
@@ -647,7 +652,7 @@
           <a:bodyPr/>
           <a:lstStyle/>
           <a:p>
-            <a:fld id="{07640F70-5917-4781-BEF2-990B2170D6A4}" type="datetime1">
+            <a:fld id="{73B1E2BD-2D4C-4365-A05B-3F8037A66EF3}" type="datetime1">
               <a:rPr lang="en-US" smtClean="0"/>
               <a:t>8/28/2017</a:t>
             </a:fld>
@@ -981,7 +986,7 @@
           <a:bodyPr/>
           <a:lstStyle/>
           <a:p>
-            <a:fld id="{D04323E0-EF21-474D-A5A4-6E0A5D6B791C}" type="datetime1">
+            <a:fld id="{0D35DDC7-E354-4AAB-86C2-03C1BD879FBE}" type="datetime1">
               <a:rPr lang="en-US" smtClean="0"/>
               <a:t>8/28/2017</a:t>
             </a:fld>
@@ -1378,7 +1383,7 @@
           <a:bodyPr/>
           <a:lstStyle/>
           <a:p>
-            <a:fld id="{31A32CA8-D984-46F2-AE66-7B3B1BBF7607}" type="datetime1">
+            <a:fld id="{72218E86-B5C7-4D8E-8B3E-3F1A6476A55A}" type="datetime1">
               <a:rPr lang="en-US" smtClean="0"/>
               <a:t>8/28/2017</a:t>
             </a:fld>
@@ -1710,7 +1715,7 @@
           <a:bodyPr/>
           <a:lstStyle/>
           <a:p>
-            <a:fld id="{2B2364EA-B63D-4C44-97CE-FF582378AF76}" type="datetime1">
+            <a:fld id="{1D6070BF-0CE7-4C99-80F8-7BB9A7882004}" type="datetime1">
               <a:rPr lang="en-US" smtClean="0"/>
               <a:t>8/28/2017</a:t>
             </a:fld>
@@ -2026,7 +2031,7 @@
           <a:bodyPr/>
           <a:lstStyle/>
           <a:p>
-            <a:fld id="{5186095C-5F7E-4D3F-9197-39C5516F1EBB}" type="datetime1">
+            <a:fld id="{74A83D2D-62A4-472F-B056-8E3615585778}" type="datetime1">
               <a:rPr lang="en-US" smtClean="0"/>
               <a:t>8/28/2017</a:t>
             </a:fld>
@@ -2418,7 +2423,7 @@
           <a:bodyPr/>
           <a:lstStyle/>
           <a:p>
-            <a:fld id="{276ACA9C-B2F9-433E-BCDB-FDB4BC149648}" type="datetime1">
+            <a:fld id="{BA28D961-FC1F-4443-8BA9-EA4859F51DB0}" type="datetime1">
               <a:rPr lang="en-US" smtClean="0"/>
               <a:t>8/28/2017</a:t>
             </a:fld>
@@ -2671,7 +2676,7 @@
           <a:bodyPr/>
           <a:lstStyle/>
           <a:p>
-            <a:fld id="{959FD649-672E-49D7-82FF-646DAFFBF761}" type="datetime1">
+            <a:fld id="{48E2DA31-7CDF-4FB1-9681-482AE50494F6}" type="datetime1">
               <a:rPr lang="en-US" smtClean="0"/>
               <a:t>8/28/2017</a:t>
             </a:fld>
@@ -2929,7 +2934,7 @@
           <a:bodyPr/>
           <a:lstStyle/>
           <a:p>
-            <a:fld id="{C7D0BD4F-C533-40EF-B4E0-9A8385F19E82}" type="datetime1">
+            <a:fld id="{0510E30D-A13F-493C-B2FE-834158BBC05B}" type="datetime1">
               <a:rPr lang="en-US" smtClean="0"/>
               <a:t>8/28/2017</a:t>
             </a:fld>
@@ -3187,7 +3192,7 @@
           <a:bodyPr/>
           <a:lstStyle/>
           <a:p>
-            <a:fld id="{4FE9B12B-FD0E-45DA-A431-9F25020919C3}" type="datetime1">
+            <a:fld id="{A01FC02B-687E-4F46-8B5A-7AD2318CCB3B}" type="datetime1">
               <a:rPr lang="en-US" smtClean="0"/>
               <a:t>8/28/2017</a:t>
             </a:fld>
@@ -3512,7 +3517,7 @@
           <a:bodyPr/>
           <a:lstStyle/>
           <a:p>
-            <a:fld id="{2B4F2F47-FB67-41E0-9C4C-56DE1A68D2CE}" type="datetime1">
+            <a:fld id="{8031ABD4-8422-4C87-83DB-D8315500EE01}" type="datetime1">
               <a:rPr lang="en-US" smtClean="0"/>
               <a:t>8/28/2017</a:t>
             </a:fld>
@@ -3831,7 +3836,7 @@
           <a:bodyPr/>
           <a:lstStyle/>
           <a:p>
-            <a:fld id="{1FBEB38B-5AE5-406E-A0B0-8A18419FCE94}" type="datetime1">
+            <a:fld id="{7328A5CC-E27C-4001-AFC1-4367D1F81078}" type="datetime1">
               <a:rPr lang="en-US" smtClean="0"/>
               <a:t>8/28/2017</a:t>
             </a:fld>
@@ -4284,7 +4289,7 @@
           <a:bodyPr/>
           <a:lstStyle/>
           <a:p>
-            <a:fld id="{1074CBF7-0968-4C23-AC83-DEECB734947A}" type="datetime1">
+            <a:fld id="{AF9E9591-9136-46FB-AD15-59162C18D235}" type="datetime1">
               <a:rPr lang="en-US" smtClean="0"/>
               <a:t>8/28/2017</a:t>
             </a:fld>
@@ -4485,7 +4490,7 @@
           <a:bodyPr/>
           <a:lstStyle/>
           <a:p>
-            <a:fld id="{9AA95566-D90E-4C99-8D90-565A27976465}" type="datetime1">
+            <a:fld id="{12191FC7-19EF-4F51-9163-C09600C88C2F}" type="datetime1">
               <a:rPr lang="en-US" smtClean="0"/>
               <a:t>8/28/2017</a:t>
             </a:fld>
@@ -4658,7 +4663,7 @@
           <a:bodyPr/>
           <a:lstStyle/>
           <a:p>
-            <a:fld id="{2D7EDC11-2F82-487D-8D10-016E9215CE2E}" type="datetime1">
+            <a:fld id="{0BA71F16-0FAD-4520-9844-B9CD2E8EBEBC}" type="datetime1">
               <a:rPr lang="en-US" smtClean="0"/>
               <a:t>8/28/2017</a:t>
             </a:fld>
@@ -4987,7 +4992,7 @@
           <a:bodyPr/>
           <a:lstStyle/>
           <a:p>
-            <a:fld id="{FBA2D3F6-B1E3-449C-A7BE-2A4F2F57436B}" type="datetime1">
+            <a:fld id="{8255DE45-0AF2-476B-9D6D-782F27A19F52}" type="datetime1">
               <a:rPr lang="en-US" smtClean="0"/>
               <a:t>8/28/2017</a:t>
             </a:fld>
@@ -5328,7 +5333,7 @@
           <a:bodyPr/>
           <a:lstStyle/>
           <a:p>
-            <a:fld id="{6914C7AF-0D2E-42E1-98A4-A302DCF3C7AE}" type="datetime1">
+            <a:fld id="{D871A11F-4446-4913-875F-BE2E81E327AE}" type="datetime1">
               <a:rPr lang="en-US" smtClean="0"/>
               <a:t>8/28/2017</a:t>
             </a:fld>
@@ -7441,7 +7446,7 @@
             </a:lvl1pPr>
           </a:lstStyle>
           <a:p>
-            <a:fld id="{64F65012-CDF8-45C3-BA16-B5F9A63FCF2C}" type="datetime1">
+            <a:fld id="{B3FE156D-CAA6-4157-B7E0-3D324BB69E01}" type="datetime1">
               <a:rPr lang="en-US" smtClean="0"/>
               <a:t>8/28/2017</a:t>
             </a:fld>
@@ -7547,7 +7552,7 @@
     <p:sldLayoutId id="2147483658" r:id="rId15"/>
     <p:sldLayoutId id="2147483659" r:id="rId16"/>
   </p:sldLayoutIdLst>
-  <p:hf hdr="0"/>
+  <p:hf hdr="0" ftr="0"/>
   <p:txStyles>
     <p:titleStyle>
       <a:lvl1pPr algn="l" defTabSz="457200" rtl="0" eaLnBrk="1" latinLnBrk="0" hangingPunct="1">
@@ -8016,6 +8021,13 @@
   <p:clrMapOvr>
     <a:masterClrMapping/>
   </p:clrMapOvr>
+  <p:timing>
+    <p:tnLst>
+      <p:par>
+        <p:cTn id="1" dur="indefinite" restart="never" nodeType="tmRoot"/>
+      </p:par>
+    </p:tnLst>
+  </p:timing>
 </p:sld>
 </file>
 
@@ -8079,9 +8091,88 @@
           <a:bodyPr/>
           <a:lstStyle/>
           <a:p>
+            <a:pPr algn="just"/>
             <a:r>
               <a:rPr lang="en-US" dirty="0" smtClean="0"/>
-              <a:t>Classifiers learns a mapping between inputs and set of classes.</a:t>
+              <a:t>Classifiers learns a mapping between inputs and set of classes</a:t>
+            </a:r>
+            <a:r>
+              <a:rPr lang="en-US" dirty="0" smtClean="0"/>
+              <a:t>.</a:t>
+            </a:r>
+          </a:p>
+          <a:p>
+            <a:pPr lvl="1" algn="just"/>
+            <a:r>
+              <a:rPr lang="en-SG" dirty="0" smtClean="0"/>
+              <a:t>A </a:t>
+            </a:r>
+            <a:r>
+              <a:rPr lang="en-SG" dirty="0"/>
+              <a:t>malware </a:t>
+            </a:r>
+            <a:r>
+              <a:rPr lang="en-SG" dirty="0" smtClean="0"/>
+              <a:t>detector is </a:t>
+            </a:r>
+            <a:r>
+              <a:rPr lang="en-SG" dirty="0"/>
+              <a:t>a </a:t>
+            </a:r>
+            <a:r>
+              <a:rPr lang="en-SG" dirty="0" smtClean="0"/>
+              <a:t>classifier </a:t>
+            </a:r>
+            <a:r>
+              <a:rPr lang="en-SG" dirty="0"/>
+              <a:t>taking executables as inputs and assigning </a:t>
+            </a:r>
+            <a:r>
+              <a:rPr lang="en-SG" dirty="0" smtClean="0"/>
+              <a:t>them to </a:t>
+            </a:r>
+            <a:r>
+              <a:rPr lang="en-SG" dirty="0"/>
+              <a:t>the benign or malware class.</a:t>
+            </a:r>
+            <a:endParaRPr lang="en-US" dirty="0"/>
+          </a:p>
+          <a:p>
+            <a:pPr algn="just"/>
+            <a:endParaRPr lang="en-US" dirty="0" smtClean="0"/>
+          </a:p>
+          <a:p>
+            <a:pPr algn="just"/>
+            <a:endParaRPr lang="en-US" dirty="0"/>
+          </a:p>
+          <a:p>
+            <a:pPr algn="just"/>
+            <a:endParaRPr lang="en-US" dirty="0" smtClean="0"/>
+          </a:p>
+          <a:p>
+            <a:pPr algn="just"/>
+            <a:endParaRPr lang="en-US" dirty="0" smtClean="0"/>
+          </a:p>
+          <a:p>
+            <a:pPr algn="just"/>
+            <a:r>
+              <a:rPr lang="en-US" dirty="0" smtClean="0"/>
+              <a:t>Adversarial examples can compromise the integrity of a classifier.</a:t>
+            </a:r>
+          </a:p>
+          <a:p>
+            <a:pPr lvl="1" algn="just"/>
+            <a:r>
+              <a:rPr lang="en-US" dirty="0" smtClean="0"/>
+              <a:t>To humans, the images appear to be same. But, forces a particular DNN to classify it as a </a:t>
+            </a:r>
+            <a:r>
+              <a:rPr lang="en-US" i="1" dirty="0" smtClean="0"/>
+              <a:t>yield sign</a:t>
+            </a:r>
+            <a:r>
+              <a:rPr lang="en-US" dirty="0" smtClean="0"/>
+              <a:t>.</a:t>
             </a:r>
             <a:endParaRPr lang="en-US" dirty="0"/>
           </a:p>
@@ -8095,7 +8186,7 @@
         </p:nvGrpSpPr>
         <p:grpSpPr>
           <a:xfrm>
-            <a:off x="5292927" y="1571910"/>
+            <a:off x="5342803" y="2288003"/>
             <a:ext cx="3507970" cy="1557467"/>
             <a:chOff x="5054138" y="2998216"/>
             <a:chExt cx="3507970" cy="1557467"/>
@@ -8465,29 +8556,10 @@
           <a:bodyPr/>
           <a:lstStyle/>
           <a:p>
-            <a:fld id="{5048BD6A-42F8-4120-92F0-7BFBC2DB2AF5}" type="datetime1">
+            <a:fld id="{2EFB6F28-65EE-44D6-BFFE-56AB02E1ABA6}" type="datetime1">
               <a:rPr lang="en-US" smtClean="0"/>
               <a:t>8/28/2017</a:t>
             </a:fld>
-            <a:endParaRPr lang="en-US" dirty="0"/>
-          </a:p>
-        </p:txBody>
-      </p:sp>
-      <p:sp>
-        <p:nvSpPr>
-          <p:cNvPr id="25" name="Footer Placeholder 24"/>
-          <p:cNvSpPr>
-            <a:spLocks noGrp="1"/>
-          </p:cNvSpPr>
-          <p:nvPr>
-            <p:ph type="ftr" sz="quarter" idx="11"/>
-          </p:nvPr>
-        </p:nvSpPr>
-        <p:spPr/>
-        <p:txBody>
-          <a:bodyPr/>
-          <a:lstStyle/>
-          <a:p>
             <a:endParaRPr lang="en-US" dirty="0"/>
           </a:p>
         </p:txBody>
@@ -8516,6 +8588,168 @@
           </a:p>
         </p:txBody>
       </p:sp>
+      <p:grpSp>
+        <p:nvGrpSpPr>
+          <p:cNvPr id="14" name="Group 13"/>
+          <p:cNvGrpSpPr/>
+          <p:nvPr/>
+        </p:nvGrpSpPr>
+        <p:grpSpPr>
+          <a:xfrm>
+            <a:off x="6000017" y="4807493"/>
+            <a:ext cx="2135353" cy="1424403"/>
+            <a:chOff x="5956681" y="4262713"/>
+            <a:chExt cx="2135353" cy="1424403"/>
+          </a:xfrm>
+        </p:grpSpPr>
+        <p:grpSp>
+          <p:nvGrpSpPr>
+            <p:cNvPr id="10" name="Group 9"/>
+            <p:cNvGrpSpPr/>
+            <p:nvPr/>
+          </p:nvGrpSpPr>
+          <p:grpSpPr>
+            <a:xfrm>
+              <a:off x="5956682" y="4262713"/>
+              <a:ext cx="2135351" cy="906700"/>
+              <a:chOff x="4385656" y="3751694"/>
+              <a:chExt cx="2135351" cy="906700"/>
+            </a:xfrm>
+          </p:grpSpPr>
+          <p:pic>
+            <p:nvPicPr>
+              <p:cNvPr id="5" name="Picture 4"/>
+              <p:cNvPicPr>
+                <a:picLocks noChangeAspect="1"/>
+              </p:cNvPicPr>
+              <p:nvPr/>
+            </p:nvPicPr>
+            <p:blipFill>
+              <a:blip r:embed="rId2">
+                <a:clrChange>
+                  <a:clrFrom>
+                    <a:srgbClr val="FFFFFF"/>
+                  </a:clrFrom>
+                  <a:clrTo>
+                    <a:srgbClr val="FFFFFF">
+                      <a:alpha val="0"/>
+                    </a:srgbClr>
+                  </a:clrTo>
+                </a:clrChange>
+              </a:blip>
+              <a:stretch>
+                <a:fillRect/>
+              </a:stretch>
+            </p:blipFill>
+            <p:spPr>
+              <a:xfrm>
+                <a:off x="4385656" y="3752462"/>
+                <a:ext cx="907271" cy="905932"/>
+              </a:xfrm>
+              <a:prstGeom prst="rect">
+                <a:avLst/>
+              </a:prstGeom>
+            </p:spPr>
+          </p:pic>
+          <p:pic>
+            <p:nvPicPr>
+              <p:cNvPr id="7" name="Picture 6"/>
+              <p:cNvPicPr>
+                <a:picLocks noChangeAspect="1"/>
+              </p:cNvPicPr>
+              <p:nvPr/>
+            </p:nvPicPr>
+            <p:blipFill>
+              <a:blip r:embed="rId3">
+                <a:clrChange>
+                  <a:clrFrom>
+                    <a:srgbClr val="FFFFFF"/>
+                  </a:clrFrom>
+                  <a:clrTo>
+                    <a:srgbClr val="FFFFFF">
+                      <a:alpha val="0"/>
+                    </a:srgbClr>
+                  </a:clrTo>
+                </a:clrChange>
+              </a:blip>
+              <a:stretch>
+                <a:fillRect/>
+              </a:stretch>
+            </p:blipFill>
+            <p:spPr>
+              <a:xfrm>
+                <a:off x="5612967" y="3751694"/>
+                <a:ext cx="908040" cy="906700"/>
+              </a:xfrm>
+              <a:prstGeom prst="rect">
+                <a:avLst/>
+              </a:prstGeom>
+            </p:spPr>
+          </p:pic>
+        </p:grpSp>
+        <p:sp>
+          <p:nvSpPr>
+            <p:cNvPr id="13" name="TextBox 12"/>
+            <p:cNvSpPr txBox="1"/>
+            <p:nvPr/>
+          </p:nvSpPr>
+          <p:spPr>
+            <a:xfrm>
+              <a:off x="5956681" y="5102341"/>
+              <a:ext cx="907271" cy="338554"/>
+            </a:xfrm>
+            <a:prstGeom prst="rect">
+              <a:avLst/>
+            </a:prstGeom>
+            <a:noFill/>
+          </p:spPr>
+          <p:txBody>
+            <a:bodyPr wrap="square" rtlCol="0">
+              <a:spAutoFit/>
+            </a:bodyPr>
+            <a:lstStyle/>
+            <a:p>
+              <a:pPr algn="ctr"/>
+              <a:r>
+                <a:rPr lang="en-US" sz="800" dirty="0" smtClean="0"/>
+                <a:t>Ordinary Stop Sign</a:t>
+              </a:r>
+              <a:endParaRPr lang="en-US" sz="800" dirty="0"/>
+            </a:p>
+          </p:txBody>
+        </p:sp>
+        <p:sp>
+          <p:nvSpPr>
+            <p:cNvPr id="27" name="TextBox 26"/>
+            <p:cNvSpPr txBox="1"/>
+            <p:nvPr/>
+          </p:nvSpPr>
+          <p:spPr>
+            <a:xfrm>
+              <a:off x="7183994" y="5102341"/>
+              <a:ext cx="908040" cy="584775"/>
+            </a:xfrm>
+            <a:prstGeom prst="rect">
+              <a:avLst/>
+            </a:prstGeom>
+            <a:noFill/>
+          </p:spPr>
+          <p:txBody>
+            <a:bodyPr wrap="square" rtlCol="0">
+              <a:spAutoFit/>
+            </a:bodyPr>
+            <a:lstStyle/>
+            <a:p>
+              <a:pPr algn="ctr"/>
+              <a:r>
+                <a:rPr lang="en-US" sz="800" dirty="0" smtClean="0"/>
+                <a:t>Image produced after precise perturbation</a:t>
+              </a:r>
+              <a:endParaRPr lang="en-US" sz="800" dirty="0"/>
+            </a:p>
+          </p:txBody>
+        </p:sp>
+      </p:grpSp>
     </p:spTree>
     <p:extLst>
       <p:ext uri="{BB962C8B-B14F-4D97-AF65-F5344CB8AC3E}">
@@ -8526,6 +8760,13 @@
   <p:clrMapOvr>
     <a:masterClrMapping/>
   </p:clrMapOvr>
+  <p:timing>
+    <p:tnLst>
+      <p:par>
+        <p:cTn id="1" dur="indefinite" restart="never" nodeType="tmRoot"/>
+      </p:par>
+    </p:tnLst>
+  </p:timing>
 </p:sld>
 </file>
 

--- a/Presentations/starting_work.pptx
+++ b/Presentations/starting_work.pptx
@@ -5,11 +5,20 @@
     <p:sldMasterId id="2147483648" r:id="rId1"/>
   </p:sldMasterIdLst>
   <p:notesMasterIdLst>
-    <p:notesMasterId r:id="rId4"/>
+    <p:notesMasterId r:id="rId13"/>
   </p:notesMasterIdLst>
   <p:sldIdLst>
     <p:sldId id="256" r:id="rId2"/>
-    <p:sldId id="257" r:id="rId3"/>
+    <p:sldId id="258" r:id="rId3"/>
+    <p:sldId id="259" r:id="rId4"/>
+    <p:sldId id="260" r:id="rId5"/>
+    <p:sldId id="261" r:id="rId6"/>
+    <p:sldId id="262" r:id="rId7"/>
+    <p:sldId id="263" r:id="rId8"/>
+    <p:sldId id="264" r:id="rId9"/>
+    <p:sldId id="265" r:id="rId10"/>
+    <p:sldId id="267" r:id="rId11"/>
+    <p:sldId id="266" r:id="rId12"/>
   </p:sldIdLst>
   <p:sldSz cx="12192000" cy="6858000"/>
   <p:notesSz cx="6858000" cy="9144000"/>
@@ -198,7 +207,7 @@
           <a:p>
             <a:fld id="{7741470C-1BC6-42BA-A2D7-46EB472F757C}" type="datetimeFigureOut">
               <a:rPr lang="en-US" smtClean="0"/>
-              <a:t>8/28/2017</a:t>
+              <a:t>9/4/2017</a:t>
             </a:fld>
             <a:endParaRPr lang="en-US"/>
           </a:p>
@@ -654,7 +663,7 @@
           <a:p>
             <a:fld id="{73B1E2BD-2D4C-4365-A05B-3F8037A66EF3}" type="datetime1">
               <a:rPr lang="en-US" smtClean="0"/>
-              <a:t>8/28/2017</a:t>
+              <a:t>9/4/2017</a:t>
             </a:fld>
             <a:endParaRPr lang="en-US" dirty="0"/>
           </a:p>
@@ -988,7 +997,7 @@
           <a:p>
             <a:fld id="{0D35DDC7-E354-4AAB-86C2-03C1BD879FBE}" type="datetime1">
               <a:rPr lang="en-US" smtClean="0"/>
-              <a:t>8/28/2017</a:t>
+              <a:t>9/4/2017</a:t>
             </a:fld>
             <a:endParaRPr lang="en-US" dirty="0"/>
           </a:p>
@@ -1385,7 +1394,7 @@
           <a:p>
             <a:fld id="{72218E86-B5C7-4D8E-8B3E-3F1A6476A55A}" type="datetime1">
               <a:rPr lang="en-US" smtClean="0"/>
-              <a:t>8/28/2017</a:t>
+              <a:t>9/4/2017</a:t>
             </a:fld>
             <a:endParaRPr lang="en-US" dirty="0"/>
           </a:p>
@@ -1717,7 +1726,7 @@
           <a:p>
             <a:fld id="{1D6070BF-0CE7-4C99-80F8-7BB9A7882004}" type="datetime1">
               <a:rPr lang="en-US" smtClean="0"/>
-              <a:t>8/28/2017</a:t>
+              <a:t>9/4/2017</a:t>
             </a:fld>
             <a:endParaRPr lang="en-US" dirty="0"/>
           </a:p>
@@ -2033,7 +2042,7 @@
           <a:p>
             <a:fld id="{74A83D2D-62A4-472F-B056-8E3615585778}" type="datetime1">
               <a:rPr lang="en-US" smtClean="0"/>
-              <a:t>8/28/2017</a:t>
+              <a:t>9/4/2017</a:t>
             </a:fld>
             <a:endParaRPr lang="en-US" dirty="0"/>
           </a:p>
@@ -2425,7 +2434,7 @@
           <a:p>
             <a:fld id="{BA28D961-FC1F-4443-8BA9-EA4859F51DB0}" type="datetime1">
               <a:rPr lang="en-US" smtClean="0"/>
-              <a:t>8/28/2017</a:t>
+              <a:t>9/4/2017</a:t>
             </a:fld>
             <a:endParaRPr lang="en-US" dirty="0"/>
           </a:p>
@@ -2678,7 +2687,7 @@
           <a:p>
             <a:fld id="{48E2DA31-7CDF-4FB1-9681-482AE50494F6}" type="datetime1">
               <a:rPr lang="en-US" smtClean="0"/>
-              <a:t>8/28/2017</a:t>
+              <a:t>9/4/2017</a:t>
             </a:fld>
             <a:endParaRPr lang="en-US" dirty="0"/>
           </a:p>
@@ -2936,7 +2945,7 @@
           <a:p>
             <a:fld id="{0510E30D-A13F-493C-B2FE-834158BBC05B}" type="datetime1">
               <a:rPr lang="en-US" smtClean="0"/>
-              <a:t>8/28/2017</a:t>
+              <a:t>9/4/2017</a:t>
             </a:fld>
             <a:endParaRPr lang="en-US" dirty="0"/>
           </a:p>
@@ -3194,7 +3203,7 @@
           <a:p>
             <a:fld id="{A01FC02B-687E-4F46-8B5A-7AD2318CCB3B}" type="datetime1">
               <a:rPr lang="en-US" smtClean="0"/>
-              <a:t>8/28/2017</a:t>
+              <a:t>9/4/2017</a:t>
             </a:fld>
             <a:endParaRPr lang="en-US" dirty="0"/>
           </a:p>
@@ -3519,7 +3528,7 @@
           <a:p>
             <a:fld id="{8031ABD4-8422-4C87-83DB-D8315500EE01}" type="datetime1">
               <a:rPr lang="en-US" smtClean="0"/>
-              <a:t>8/28/2017</a:t>
+              <a:t>9/4/2017</a:t>
             </a:fld>
             <a:endParaRPr lang="en-US" dirty="0"/>
           </a:p>
@@ -3838,7 +3847,7 @@
           <a:p>
             <a:fld id="{7328A5CC-E27C-4001-AFC1-4367D1F81078}" type="datetime1">
               <a:rPr lang="en-US" smtClean="0"/>
-              <a:t>8/28/2017</a:t>
+              <a:t>9/4/2017</a:t>
             </a:fld>
             <a:endParaRPr lang="en-US" dirty="0"/>
           </a:p>
@@ -4291,7 +4300,7 @@
           <a:p>
             <a:fld id="{AF9E9591-9136-46FB-AD15-59162C18D235}" type="datetime1">
               <a:rPr lang="en-US" smtClean="0"/>
-              <a:t>8/28/2017</a:t>
+              <a:t>9/4/2017</a:t>
             </a:fld>
             <a:endParaRPr lang="en-US" dirty="0"/>
           </a:p>
@@ -4492,7 +4501,7 @@
           <a:p>
             <a:fld id="{12191FC7-19EF-4F51-9163-C09600C88C2F}" type="datetime1">
               <a:rPr lang="en-US" smtClean="0"/>
-              <a:t>8/28/2017</a:t>
+              <a:t>9/4/2017</a:t>
             </a:fld>
             <a:endParaRPr lang="en-US" dirty="0"/>
           </a:p>
@@ -4665,7 +4674,7 @@
           <a:p>
             <a:fld id="{0BA71F16-0FAD-4520-9844-B9CD2E8EBEBC}" type="datetime1">
               <a:rPr lang="en-US" smtClean="0"/>
-              <a:t>8/28/2017</a:t>
+              <a:t>9/4/2017</a:t>
             </a:fld>
             <a:endParaRPr lang="en-US" dirty="0"/>
           </a:p>
@@ -4994,7 +5003,7 @@
           <a:p>
             <a:fld id="{8255DE45-0AF2-476B-9D6D-782F27A19F52}" type="datetime1">
               <a:rPr lang="en-US" smtClean="0"/>
-              <a:t>8/28/2017</a:t>
+              <a:t>9/4/2017</a:t>
             </a:fld>
             <a:endParaRPr lang="en-US" dirty="0"/>
           </a:p>
@@ -5335,7 +5344,7 @@
           <a:p>
             <a:fld id="{D871A11F-4446-4913-875F-BE2E81E327AE}" type="datetime1">
               <a:rPr lang="en-US" smtClean="0"/>
-              <a:t>8/28/2017</a:t>
+              <a:t>9/4/2017</a:t>
             </a:fld>
             <a:endParaRPr lang="en-US" dirty="0"/>
           </a:p>
@@ -7448,7 +7457,7 @@
           <a:p>
             <a:fld id="{B3FE156D-CAA6-4157-B7E0-3D324BB69E01}" type="datetime1">
               <a:rPr lang="en-US" smtClean="0"/>
-              <a:t>8/28/2017</a:t>
+              <a:t>9/4/2017</a:t>
             </a:fld>
             <a:endParaRPr lang="en-US" dirty="0"/>
           </a:p>
@@ -7975,26 +7984,360 @@
         <p:spPr/>
         <p:txBody>
           <a:bodyPr>
-            <a:normAutofit fontScale="90000"/>
+            <a:normAutofit/>
           </a:bodyPr>
           <a:lstStyle/>
           <a:p>
             <a:r>
               <a:rPr lang="en-US" dirty="0" smtClean="0"/>
-              <a:t>Practical Black-Box Attack against Machine Learning</a:t>
+              <a:t>Black-Box </a:t>
+            </a:r>
+            <a:r>
+              <a:rPr lang="en-US" dirty="0" smtClean="0"/>
+              <a:t>Attack against Machine Learning</a:t>
             </a:r>
             <a:endParaRPr lang="en-US" dirty="0"/>
           </a:p>
         </p:txBody>
       </p:sp>
-      <p:sp>
-        <p:nvSpPr>
-          <p:cNvPr id="3" name="Subtitle 2"/>
+    </p:spTree>
+    <p:extLst>
+      <p:ext uri="{BB962C8B-B14F-4D97-AF65-F5344CB8AC3E}">
+        <p14:creationId xmlns:p14="http://schemas.microsoft.com/office/powerpoint/2010/main" val="1489168451"/>
+      </p:ext>
+    </p:extLst>
+  </p:cSld>
+  <p:clrMapOvr>
+    <a:masterClrMapping/>
+  </p:clrMapOvr>
+  <p:timing>
+    <p:tnLst>
+      <p:par>
+        <p:cTn id="1" dur="indefinite" restart="never" nodeType="tmRoot"/>
+      </p:par>
+    </p:tnLst>
+  </p:timing>
+</p:sld>
+</file>
+
+<file path=ppt/slides/slide10.xml><?xml version="1.0" encoding="utf-8"?>
+<p:sld xmlns:a="http://schemas.openxmlformats.org/drawingml/2006/main" xmlns:r="http://schemas.openxmlformats.org/officeDocument/2006/relationships" xmlns:p="http://schemas.openxmlformats.org/presentationml/2006/main">
+  <p:cSld>
+    <p:spTree>
+      <p:nvGrpSpPr>
+        <p:cNvPr id="1" name=""/>
+        <p:cNvGrpSpPr/>
+        <p:nvPr/>
+      </p:nvGrpSpPr>
+      <p:grpSpPr>
+        <a:xfrm>
+          <a:off x="0" y="0"/>
+          <a:ext cx="0" cy="0"/>
+          <a:chOff x="0" y="0"/>
+          <a:chExt cx="0" cy="0"/>
+        </a:xfrm>
+      </p:grpSpPr>
+      <p:sp>
+        <p:nvSpPr>
+          <p:cNvPr id="2" name="Title 1"/>
           <p:cNvSpPr>
             <a:spLocks noGrp="1"/>
           </p:cNvSpPr>
           <p:nvPr>
-            <p:ph type="subTitle" idx="1"/>
+            <p:ph type="title"/>
+          </p:nvPr>
+        </p:nvSpPr>
+        <p:spPr>
+          <a:xfrm>
+            <a:off x="2592925" y="624110"/>
+            <a:ext cx="8911687" cy="650300"/>
+          </a:xfrm>
+        </p:spPr>
+        <p:txBody>
+          <a:bodyPr/>
+          <a:lstStyle/>
+          <a:p>
+            <a:r>
+              <a:rPr lang="en-US" dirty="0" smtClean="0"/>
+              <a:t>Black-Box Attack Strategy</a:t>
+            </a:r>
+            <a:endParaRPr lang="en-US" dirty="0"/>
+          </a:p>
+        </p:txBody>
+      </p:sp>
+      <mc:AlternateContent xmlns:mc="http://schemas.openxmlformats.org/markup-compatibility/2006">
+        <mc:Choice xmlns:a14="http://schemas.microsoft.com/office/drawing/2010/main" Requires="a14">
+          <p:sp>
+            <p:nvSpPr>
+              <p:cNvPr id="3" name="Content Placeholder 2"/>
+              <p:cNvSpPr>
+                <a:spLocks noGrp="1"/>
+              </p:cNvSpPr>
+              <p:nvPr>
+                <p:ph idx="1"/>
+              </p:nvPr>
+            </p:nvSpPr>
+            <p:spPr>
+              <a:xfrm>
+                <a:off x="2589212" y="1274410"/>
+                <a:ext cx="8915400" cy="4636812"/>
+              </a:xfrm>
+            </p:spPr>
+            <p:txBody>
+              <a:bodyPr>
+                <a:normAutofit/>
+              </a:bodyPr>
+              <a:lstStyle/>
+              <a:p>
+                <a:pPr algn="just"/>
+                <a:r>
+                  <a:rPr lang="en-SG" b="1" u="sng" dirty="0" smtClean="0"/>
+                  <a:t>Substitute Model Training</a:t>
+                </a:r>
+              </a:p>
+              <a:p>
+                <a:pPr lvl="1" algn="just"/>
+                <a:r>
+                  <a:rPr lang="en-SG" dirty="0"/>
+                  <a:t>Generating a Synthetic </a:t>
+                </a:r>
+                <a:r>
+                  <a:rPr lang="en-SG" dirty="0" smtClean="0"/>
+                  <a:t>Dataset</a:t>
+                </a:r>
+              </a:p>
+              <a:p>
+                <a:pPr lvl="2" algn="just"/>
+                <a:r>
+                  <a:rPr lang="en-SG" dirty="0" smtClean="0"/>
+                  <a:t>An adversary </a:t>
+                </a:r>
+                <a:r>
+                  <a:rPr lang="en-SG" dirty="0"/>
+                  <a:t>could </a:t>
+                </a:r>
+                <a:r>
+                  <a:rPr lang="en-SG" dirty="0" smtClean="0"/>
+                  <a:t>potentially make </a:t>
+                </a:r>
+                <a:r>
+                  <a:rPr lang="en-SG" dirty="0"/>
+                  <a:t>an </a:t>
+                </a:r>
+                <a:r>
+                  <a:rPr lang="en-SG" dirty="0" smtClean="0"/>
+                  <a:t>infinite </a:t>
+                </a:r>
+                <a:r>
+                  <a:rPr lang="en-SG" dirty="0"/>
+                  <a:t>number of queries to obtain the </a:t>
+                </a:r>
+                <a:r>
+                  <a:rPr lang="en-SG" dirty="0" smtClean="0"/>
+                  <a:t>oracle's output </a:t>
+                </a:r>
+                <a14:m>
+                  <m:oMath xmlns:m="http://schemas.openxmlformats.org/officeDocument/2006/math">
+                    <m:acc>
+                      <m:accPr>
+                        <m:chr m:val="̃"/>
+                        <m:ctrlPr>
+                          <a:rPr lang="en-US" i="1">
+                            <a:latin typeface="Cambria Math" panose="02040503050406030204" pitchFamily="18" charset="0"/>
+                          </a:rPr>
+                        </m:ctrlPr>
+                      </m:accPr>
+                      <m:e>
+                        <m:r>
+                          <a:rPr lang="en-US" i="1">
+                            <a:latin typeface="Cambria Math" panose="02040503050406030204" pitchFamily="18" charset="0"/>
+                          </a:rPr>
+                          <m:t>𝑂</m:t>
+                        </m:r>
+                      </m:e>
+                    </m:acc>
+                    <m:r>
+                      <a:rPr lang="en-US" i="1">
+                        <a:latin typeface="Cambria Math" panose="02040503050406030204" pitchFamily="18" charset="0"/>
+                      </a:rPr>
+                      <m:t>(</m:t>
+                    </m:r>
+                    <m:acc>
+                      <m:accPr>
+                        <m:chr m:val="⃗"/>
+                        <m:ctrlPr>
+                          <a:rPr lang="en-US" i="1">
+                            <a:latin typeface="Cambria Math" panose="02040503050406030204" pitchFamily="18" charset="0"/>
+                          </a:rPr>
+                        </m:ctrlPr>
+                      </m:accPr>
+                      <m:e>
+                        <m:r>
+                          <m:rPr>
+                            <m:sty m:val="p"/>
+                          </m:rPr>
+                          <a:rPr lang="en-US">
+                            <a:latin typeface="Cambria Math" panose="02040503050406030204" pitchFamily="18" charset="0"/>
+                          </a:rPr>
+                          <m:t>x</m:t>
+                        </m:r>
+                      </m:e>
+                    </m:acc>
+                    <m:r>
+                      <a:rPr lang="en-US" i="1">
+                        <a:latin typeface="Cambria Math" panose="02040503050406030204" pitchFamily="18" charset="0"/>
+                      </a:rPr>
+                      <m:t>)</m:t>
+                    </m:r>
+                  </m:oMath>
+                </a14:m>
+                <a:r>
+                  <a:rPr lang="en-SG" dirty="0" smtClean="0"/>
+                  <a:t> </a:t>
+                </a:r>
+                <a:r>
+                  <a:rPr lang="en-SG" dirty="0"/>
+                  <a:t>for any input </a:t>
+                </a:r>
+                <a14:m>
+                  <m:oMath xmlns:m="http://schemas.openxmlformats.org/officeDocument/2006/math">
+                    <m:acc>
+                      <m:accPr>
+                        <m:chr m:val="⃗"/>
+                        <m:ctrlPr>
+                          <a:rPr lang="en-US" i="1">
+                            <a:latin typeface="Cambria Math" panose="02040503050406030204" pitchFamily="18" charset="0"/>
+                          </a:rPr>
+                        </m:ctrlPr>
+                      </m:accPr>
+                      <m:e>
+                        <m:r>
+                          <m:rPr>
+                            <m:sty m:val="p"/>
+                          </m:rPr>
+                          <a:rPr lang="en-US">
+                            <a:latin typeface="Cambria Math" panose="02040503050406030204" pitchFamily="18" charset="0"/>
+                          </a:rPr>
+                          <m:t>x</m:t>
+                        </m:r>
+                      </m:e>
+                    </m:acc>
+                  </m:oMath>
+                </a14:m>
+                <a:r>
+                  <a:rPr lang="en-SG" dirty="0"/>
+                  <a:t> belonging to the input </a:t>
+                </a:r>
+                <a:r>
+                  <a:rPr lang="en-SG" dirty="0" smtClean="0"/>
+                  <a:t>domain. This </a:t>
+                </a:r>
+                <a:r>
+                  <a:rPr lang="en-SG" dirty="0"/>
+                  <a:t>would </a:t>
+                </a:r>
+                <a:r>
+                  <a:rPr lang="en-SG" dirty="0" smtClean="0"/>
+                  <a:t>provide a </a:t>
+                </a:r>
+                <a:r>
+                  <a:rPr lang="en-SG" dirty="0"/>
+                  <a:t>copy of the oracle. </a:t>
+                </a:r>
+                <a:r>
+                  <a:rPr lang="en-SG" dirty="0" smtClean="0"/>
+                  <a:t>However, this </a:t>
+                </a:r>
+                <a:r>
+                  <a:rPr lang="en-SG" dirty="0"/>
+                  <a:t>is simply not </a:t>
+                </a:r>
+                <a:r>
+                  <a:rPr lang="en-SG" dirty="0" smtClean="0"/>
+                  <a:t>tractable.</a:t>
+                </a:r>
+              </a:p>
+              <a:p>
+                <a:pPr lvl="2" algn="just"/>
+                <a:r>
+                  <a:rPr lang="en-SG" dirty="0"/>
+                  <a:t>Furthermore, making a large </a:t>
+                </a:r>
+                <a:r>
+                  <a:rPr lang="en-SG" dirty="0" smtClean="0"/>
+                  <a:t>number of </a:t>
+                </a:r>
+                <a:r>
+                  <a:rPr lang="en-SG" dirty="0"/>
+                  <a:t>queries renders the </a:t>
+                </a:r>
+                <a:r>
+                  <a:rPr lang="en-SG"/>
+                  <a:t>adversarial </a:t>
+                </a:r>
+                <a:r>
+                  <a:rPr lang="en-SG" smtClean="0"/>
+                  <a:t>behaviour </a:t>
+                </a:r>
+                <a:r>
+                  <a:rPr lang="en-SG" dirty="0"/>
+                  <a:t>easy to detect.</a:t>
+                </a:r>
+                <a:endParaRPr lang="en-SG" dirty="0" smtClean="0"/>
+              </a:p>
+              <a:p>
+                <a:pPr algn="just"/>
+                <a:endParaRPr lang="en-SG" dirty="0" smtClean="0"/>
+              </a:p>
+            </p:txBody>
+          </p:sp>
+        </mc:Choice>
+        <mc:Fallback>
+          <p:sp>
+            <p:nvSpPr>
+              <p:cNvPr id="3" name="Content Placeholder 2"/>
+              <p:cNvSpPr>
+                <a:spLocks noGrp="1" noRot="1" noChangeAspect="1" noMove="1" noResize="1" noEditPoints="1" noAdjustHandles="1" noChangeArrowheads="1" noChangeShapeType="1" noTextEdit="1"/>
+              </p:cNvSpPr>
+              <p:nvPr>
+                <p:ph idx="1"/>
+              </p:nvPr>
+            </p:nvSpPr>
+            <p:spPr>
+              <a:xfrm>
+                <a:off x="2589212" y="1274410"/>
+                <a:ext cx="8915400" cy="4636812"/>
+              </a:xfrm>
+              <a:blipFill>
+                <a:blip r:embed="rId2"/>
+                <a:stretch>
+                  <a:fillRect l="-479" t="-657" r="-205"/>
+                </a:stretch>
+              </a:blipFill>
+            </p:spPr>
+            <p:txBody>
+              <a:bodyPr/>
+              <a:lstStyle/>
+              <a:p>
+                <a:r>
+                  <a:rPr lang="en-US">
+                    <a:noFill/>
+                  </a:rPr>
+                  <a:t> </a:t>
+                </a:r>
+              </a:p>
+            </p:txBody>
+          </p:sp>
+        </mc:Fallback>
+      </mc:AlternateContent>
+      <p:sp>
+        <p:nvSpPr>
+          <p:cNvPr id="24" name="Date Placeholder 23"/>
+          <p:cNvSpPr>
+            <a:spLocks noGrp="1"/>
+          </p:cNvSpPr>
+          <p:nvPr>
+            <p:ph type="dt" sz="half" idx="10"/>
           </p:nvPr>
         </p:nvSpPr>
         <p:spPr/>
@@ -8002,19 +8345,411 @@
           <a:bodyPr/>
           <a:lstStyle/>
           <a:p>
-            <a:pPr algn="r"/>
-            <a:r>
-              <a:rPr lang="en-US" dirty="0" smtClean="0"/>
-              <a:t>Papernot et. al.</a:t>
-            </a:r>
+            <a:fld id="{2EFB6F28-65EE-44D6-BFFE-56AB02E1ABA6}" type="datetime1">
+              <a:rPr lang="en-US" smtClean="0"/>
+              <a:t>9/4/2017</a:t>
+            </a:fld>
             <a:endParaRPr lang="en-US" dirty="0"/>
+          </a:p>
+        </p:txBody>
+      </p:sp>
+      <p:sp>
+        <p:nvSpPr>
+          <p:cNvPr id="26" name="Slide Number Placeholder 25"/>
+          <p:cNvSpPr>
+            <a:spLocks noGrp="1"/>
+          </p:cNvSpPr>
+          <p:nvPr>
+            <p:ph type="sldNum" sz="quarter" idx="12"/>
+          </p:nvPr>
+        </p:nvSpPr>
+        <p:spPr/>
+        <p:txBody>
+          <a:bodyPr/>
+          <a:lstStyle/>
+          <a:p>
+            <a:fld id="{D57F1E4F-1CFF-5643-939E-217C01CDF565}" type="slidenum">
+              <a:rPr lang="en-US" smtClean="0"/>
+              <a:pPr/>
+              <a:t>10</a:t>
+            </a:fld>
+            <a:endParaRPr lang="en-US" dirty="0"/>
+          </a:p>
+        </p:txBody>
+      </p:sp>
+      <p:sp>
+        <p:nvSpPr>
+          <p:cNvPr id="17" name="TextBox 16"/>
+          <p:cNvSpPr txBox="1"/>
+          <p:nvPr/>
+        </p:nvSpPr>
+        <p:spPr>
+          <a:xfrm>
+            <a:off x="2589212" y="6465498"/>
+            <a:ext cx="8915400" cy="272415"/>
+          </a:xfrm>
+          <a:prstGeom prst="roundRect">
+            <a:avLst/>
+          </a:prstGeom>
+          <a:solidFill>
+            <a:srgbClr val="2E5369"/>
+          </a:solidFill>
+        </p:spPr>
+        <p:txBody>
+          <a:bodyPr wrap="square" rtlCol="0">
+            <a:spAutoFit/>
+          </a:bodyPr>
+          <a:lstStyle/>
+          <a:p>
+            <a:pPr algn="ctr"/>
+            <a:r>
+              <a:rPr lang="en-SG" sz="1000" dirty="0">
+                <a:solidFill>
+                  <a:schemeClr val="bg1"/>
+                </a:solidFill>
+              </a:rPr>
+              <a:t>Practical Black-Box Attacks against Machine </a:t>
+            </a:r>
+            <a:r>
+              <a:rPr lang="en-SG" sz="1000" dirty="0" smtClean="0">
+                <a:solidFill>
+                  <a:schemeClr val="bg1"/>
+                </a:solidFill>
+              </a:rPr>
+              <a:t>Learning – </a:t>
+            </a:r>
+            <a:r>
+              <a:rPr lang="en-US" sz="1000" dirty="0" smtClean="0">
+                <a:solidFill>
+                  <a:schemeClr val="bg1"/>
+                </a:solidFill>
+              </a:rPr>
+              <a:t>Papernot et. al., ASIA CCS ‘17</a:t>
+            </a:r>
+            <a:endParaRPr lang="en-US" sz="1000" dirty="0">
+              <a:solidFill>
+                <a:schemeClr val="bg1"/>
+              </a:solidFill>
+            </a:endParaRPr>
           </a:p>
         </p:txBody>
       </p:sp>
     </p:spTree>
     <p:extLst>
       <p:ext uri="{BB962C8B-B14F-4D97-AF65-F5344CB8AC3E}">
-        <p14:creationId xmlns:p14="http://schemas.microsoft.com/office/powerpoint/2010/main" val="1489168451"/>
+        <p14:creationId xmlns:p14="http://schemas.microsoft.com/office/powerpoint/2010/main" val="2986803832"/>
+      </p:ext>
+    </p:extLst>
+  </p:cSld>
+  <p:clrMapOvr>
+    <a:masterClrMapping/>
+  </p:clrMapOvr>
+  <p:timing>
+    <p:tnLst>
+      <p:par>
+        <p:cTn id="1" dur="indefinite" restart="never" nodeType="tmRoot"/>
+      </p:par>
+    </p:tnLst>
+  </p:timing>
+</p:sld>
+</file>
+
+<file path=ppt/slides/slide11.xml><?xml version="1.0" encoding="utf-8"?>
+<p:sld xmlns:a="http://schemas.openxmlformats.org/drawingml/2006/main" xmlns:r="http://schemas.openxmlformats.org/officeDocument/2006/relationships" xmlns:p="http://schemas.openxmlformats.org/presentationml/2006/main">
+  <p:cSld>
+    <p:spTree>
+      <p:nvGrpSpPr>
+        <p:cNvPr id="1" name=""/>
+        <p:cNvGrpSpPr/>
+        <p:nvPr/>
+      </p:nvGrpSpPr>
+      <p:grpSpPr>
+        <a:xfrm>
+          <a:off x="0" y="0"/>
+          <a:ext cx="0" cy="0"/>
+          <a:chOff x="0" y="0"/>
+          <a:chExt cx="0" cy="0"/>
+        </a:xfrm>
+      </p:grpSpPr>
+      <p:sp>
+        <p:nvSpPr>
+          <p:cNvPr id="2" name="Title 1"/>
+          <p:cNvSpPr>
+            <a:spLocks noGrp="1"/>
+          </p:cNvSpPr>
+          <p:nvPr>
+            <p:ph type="title"/>
+          </p:nvPr>
+        </p:nvSpPr>
+        <p:spPr>
+          <a:xfrm>
+            <a:off x="2592925" y="624110"/>
+            <a:ext cx="8911687" cy="650300"/>
+          </a:xfrm>
+        </p:spPr>
+        <p:txBody>
+          <a:bodyPr/>
+          <a:lstStyle/>
+          <a:p>
+            <a:r>
+              <a:rPr lang="en-US" dirty="0" smtClean="0"/>
+              <a:t>Black-Box Attack Strategy</a:t>
+            </a:r>
+            <a:endParaRPr lang="en-US" dirty="0"/>
+          </a:p>
+        </p:txBody>
+      </p:sp>
+      <mc:AlternateContent xmlns:mc="http://schemas.openxmlformats.org/markup-compatibility/2006">
+        <mc:Choice xmlns:a14="http://schemas.microsoft.com/office/drawing/2010/main" Requires="a14">
+          <p:sp>
+            <p:nvSpPr>
+              <p:cNvPr id="3" name="Content Placeholder 2"/>
+              <p:cNvSpPr>
+                <a:spLocks noGrp="1"/>
+              </p:cNvSpPr>
+              <p:nvPr>
+                <p:ph idx="1"/>
+              </p:nvPr>
+            </p:nvSpPr>
+            <p:spPr>
+              <a:xfrm>
+                <a:off x="2589212" y="1274410"/>
+                <a:ext cx="8915400" cy="4636812"/>
+              </a:xfrm>
+            </p:spPr>
+            <p:txBody>
+              <a:bodyPr>
+                <a:normAutofit/>
+              </a:bodyPr>
+              <a:lstStyle/>
+              <a:p>
+                <a:pPr algn="just"/>
+                <a:r>
+                  <a:rPr lang="en-SG" b="1" u="sng" dirty="0" smtClean="0"/>
+                  <a:t>Adversial Sample Crafting</a:t>
+                </a:r>
+              </a:p>
+              <a:p>
+                <a:pPr lvl="1" algn="just"/>
+                <a:r>
+                  <a:rPr lang="en-SG" dirty="0" smtClean="0"/>
+                  <a:t>The </a:t>
+                </a:r>
+                <a:r>
+                  <a:rPr lang="en-SG" dirty="0"/>
+                  <a:t>attacker </a:t>
+                </a:r>
+                <a:r>
+                  <a:rPr lang="en-SG" dirty="0" smtClean="0"/>
+                  <a:t>uses substitute </a:t>
+                </a:r>
+                <a:r>
+                  <a:rPr lang="en-SG" dirty="0"/>
+                  <a:t>network </a:t>
+                </a:r>
+                <a14:m>
+                  <m:oMath xmlns:m="http://schemas.openxmlformats.org/officeDocument/2006/math">
+                    <m:r>
+                      <a:rPr lang="en-SG" i="1" dirty="0" smtClean="0">
+                        <a:latin typeface="Cambria Math" panose="02040503050406030204" pitchFamily="18" charset="0"/>
+                      </a:rPr>
+                      <m:t>𝐹</m:t>
+                    </m:r>
+                  </m:oMath>
+                </a14:m>
+                <a:r>
+                  <a:rPr lang="en-SG" dirty="0"/>
+                  <a:t> to craft adversarial samples, </a:t>
+                </a:r>
+                <a:r>
+                  <a:rPr lang="en-SG" dirty="0" smtClean="0"/>
+                  <a:t>which are </a:t>
+                </a:r>
+                <a:r>
+                  <a:rPr lang="en-SG" dirty="0"/>
+                  <a:t>then </a:t>
+                </a:r>
+                <a:r>
+                  <a:rPr lang="en-SG" dirty="0" smtClean="0"/>
+                  <a:t>misclassified </a:t>
+                </a:r>
+                <a:r>
+                  <a:rPr lang="en-SG" dirty="0"/>
+                  <a:t>by oracle </a:t>
+                </a:r>
+                <a14:m>
+                  <m:oMath xmlns:m="http://schemas.openxmlformats.org/officeDocument/2006/math">
+                    <m:r>
+                      <a:rPr lang="en-SG" i="1" dirty="0" smtClean="0">
+                        <a:latin typeface="Cambria Math" panose="02040503050406030204" pitchFamily="18" charset="0"/>
+                      </a:rPr>
+                      <m:t>𝑂</m:t>
+                    </m:r>
+                  </m:oMath>
+                </a14:m>
+                <a:r>
+                  <a:rPr lang="en-SG" dirty="0"/>
+                  <a:t> due to the </a:t>
+                </a:r>
+                <a:r>
+                  <a:rPr lang="en-SG" dirty="0" smtClean="0"/>
+                  <a:t>transferability of </a:t>
+                </a:r>
+                <a:r>
+                  <a:rPr lang="en-SG" dirty="0"/>
+                  <a:t>adversarial samples.</a:t>
+                </a:r>
+                <a:endParaRPr lang="en-SG" dirty="0" smtClean="0"/>
+              </a:p>
+            </p:txBody>
+          </p:sp>
+        </mc:Choice>
+        <mc:Fallback>
+          <p:sp>
+            <p:nvSpPr>
+              <p:cNvPr id="3" name="Content Placeholder 2"/>
+              <p:cNvSpPr>
+                <a:spLocks noGrp="1" noRot="1" noChangeAspect="1" noMove="1" noResize="1" noEditPoints="1" noAdjustHandles="1" noChangeArrowheads="1" noChangeShapeType="1" noTextEdit="1"/>
+              </p:cNvSpPr>
+              <p:nvPr>
+                <p:ph idx="1"/>
+              </p:nvPr>
+            </p:nvSpPr>
+            <p:spPr>
+              <a:xfrm>
+                <a:off x="2589212" y="1274410"/>
+                <a:ext cx="8915400" cy="4636812"/>
+              </a:xfrm>
+              <a:blipFill>
+                <a:blip r:embed="rId2"/>
+                <a:stretch>
+                  <a:fillRect l="-479" t="-657" r="-342"/>
+                </a:stretch>
+              </a:blipFill>
+            </p:spPr>
+            <p:txBody>
+              <a:bodyPr/>
+              <a:lstStyle/>
+              <a:p>
+                <a:r>
+                  <a:rPr lang="en-US">
+                    <a:noFill/>
+                  </a:rPr>
+                  <a:t> </a:t>
+                </a:r>
+              </a:p>
+            </p:txBody>
+          </p:sp>
+        </mc:Fallback>
+      </mc:AlternateContent>
+      <p:sp>
+        <p:nvSpPr>
+          <p:cNvPr id="24" name="Date Placeholder 23"/>
+          <p:cNvSpPr>
+            <a:spLocks noGrp="1"/>
+          </p:cNvSpPr>
+          <p:nvPr>
+            <p:ph type="dt" sz="half" idx="10"/>
+          </p:nvPr>
+        </p:nvSpPr>
+        <p:spPr/>
+        <p:txBody>
+          <a:bodyPr/>
+          <a:lstStyle/>
+          <a:p>
+            <a:fld id="{2EFB6F28-65EE-44D6-BFFE-56AB02E1ABA6}" type="datetime1">
+              <a:rPr lang="en-US" smtClean="0"/>
+              <a:t>9/4/2017</a:t>
+            </a:fld>
+            <a:endParaRPr lang="en-US" dirty="0"/>
+          </a:p>
+        </p:txBody>
+      </p:sp>
+      <p:sp>
+        <p:nvSpPr>
+          <p:cNvPr id="26" name="Slide Number Placeholder 25"/>
+          <p:cNvSpPr>
+            <a:spLocks noGrp="1"/>
+          </p:cNvSpPr>
+          <p:nvPr>
+            <p:ph type="sldNum" sz="quarter" idx="12"/>
+          </p:nvPr>
+        </p:nvSpPr>
+        <p:spPr/>
+        <p:txBody>
+          <a:bodyPr/>
+          <a:lstStyle/>
+          <a:p>
+            <a:fld id="{D57F1E4F-1CFF-5643-939E-217C01CDF565}" type="slidenum">
+              <a:rPr lang="en-US" smtClean="0"/>
+              <a:pPr/>
+              <a:t>11</a:t>
+            </a:fld>
+            <a:endParaRPr lang="en-US" dirty="0"/>
+          </a:p>
+        </p:txBody>
+      </p:sp>
+      <p:sp>
+        <p:nvSpPr>
+          <p:cNvPr id="17" name="TextBox 16"/>
+          <p:cNvSpPr txBox="1"/>
+          <p:nvPr/>
+        </p:nvSpPr>
+        <p:spPr>
+          <a:xfrm>
+            <a:off x="2589212" y="6465498"/>
+            <a:ext cx="8915400" cy="272415"/>
+          </a:xfrm>
+          <a:prstGeom prst="roundRect">
+            <a:avLst/>
+          </a:prstGeom>
+          <a:solidFill>
+            <a:srgbClr val="2E5369"/>
+          </a:solidFill>
+        </p:spPr>
+        <p:txBody>
+          <a:bodyPr wrap="square" rtlCol="0">
+            <a:spAutoFit/>
+          </a:bodyPr>
+          <a:lstStyle/>
+          <a:p>
+            <a:pPr algn="ctr"/>
+            <a:r>
+              <a:rPr lang="en-SG" sz="1000" dirty="0">
+                <a:solidFill>
+                  <a:schemeClr val="bg1"/>
+                </a:solidFill>
+              </a:rPr>
+              <a:t>Practical Black-Box Attacks against Machine </a:t>
+            </a:r>
+            <a:r>
+              <a:rPr lang="en-SG" sz="1000" dirty="0" smtClean="0">
+                <a:solidFill>
+                  <a:schemeClr val="bg1"/>
+                </a:solidFill>
+              </a:rPr>
+              <a:t>Learning – </a:t>
+            </a:r>
+            <a:r>
+              <a:rPr lang="en-US" sz="1000" dirty="0" smtClean="0">
+                <a:solidFill>
+                  <a:schemeClr val="bg1"/>
+                </a:solidFill>
+              </a:rPr>
+              <a:t>Papernot et. al., ASIA CCS ‘17</a:t>
+            </a:r>
+            <a:endParaRPr lang="en-US" sz="1000" dirty="0">
+              <a:solidFill>
+                <a:schemeClr val="bg1"/>
+              </a:solidFill>
+            </a:endParaRPr>
+          </a:p>
+        </p:txBody>
+      </p:sp>
+    </p:spTree>
+    <p:extLst>
+      <p:ext uri="{BB962C8B-B14F-4D97-AF65-F5344CB8AC3E}">
+        <p14:creationId xmlns:p14="http://schemas.microsoft.com/office/powerpoint/2010/main" val="783067880"/>
       </p:ext>
     </p:extLst>
   </p:cSld>
@@ -8058,7 +8793,12 @@
             <p:ph type="title"/>
           </p:nvPr>
         </p:nvSpPr>
-        <p:spPr/>
+        <p:spPr>
+          <a:xfrm>
+            <a:off x="2592925" y="624110"/>
+            <a:ext cx="8911687" cy="650300"/>
+          </a:xfrm>
+        </p:spPr>
         <p:txBody>
           <a:bodyPr/>
           <a:lstStyle/>
@@ -8094,11 +8834,7 @@
             <a:pPr algn="just"/>
             <a:r>
               <a:rPr lang="en-US" dirty="0" smtClean="0"/>
-              <a:t>Classifiers learns a mapping between inputs and set of classes</a:t>
-            </a:r>
-            <a:r>
-              <a:rPr lang="en-US" dirty="0" smtClean="0"/>
-              <a:t>.</a:t>
+              <a:t>Classifiers learns a mapping between inputs and set of classes.</a:t>
             </a:r>
           </a:p>
           <a:p>
@@ -8156,8 +8892,12 @@
           <a:p>
             <a:pPr algn="just"/>
             <a:r>
+              <a:rPr lang="en-US" i="1" u="sng" dirty="0" smtClean="0"/>
+              <a:t>Adversarial examples</a:t>
+            </a:r>
+            <a:r>
               <a:rPr lang="en-US" dirty="0" smtClean="0"/>
-              <a:t>Adversarial examples can compromise the integrity of a classifier.</a:t>
+              <a:t> can compromise the integrity of a classifier.</a:t>
             </a:r>
           </a:p>
           <a:p>
@@ -8558,7 +9298,7 @@
           <a:p>
             <a:fld id="{2EFB6F28-65EE-44D6-BFFE-56AB02E1ABA6}" type="datetime1">
               <a:rPr lang="en-US" smtClean="0"/>
-              <a:t>8/28/2017</a:t>
+              <a:t>9/4/2017</a:t>
             </a:fld>
             <a:endParaRPr lang="en-US" dirty="0"/>
           </a:p>
@@ -8590,7 +9330,7 @@
       </p:sp>
       <p:grpSp>
         <p:nvGrpSpPr>
-          <p:cNvPr id="14" name="Group 13"/>
+          <p:cNvPr id="38" name="Group 37"/>
           <p:cNvGrpSpPr/>
           <p:nvPr/>
         </p:nvGrpSpPr>
@@ -8598,7 +9338,7 @@
           <a:xfrm>
             <a:off x="6000017" y="4807493"/>
             <a:ext cx="2135353" cy="1424403"/>
-            <a:chOff x="5956681" y="4262713"/>
+            <a:chOff x="6000017" y="4807493"/>
             <a:chExt cx="2135353" cy="1424403"/>
           </a:xfrm>
         </p:grpSpPr>
@@ -8610,7 +9350,7 @@
           </p:nvGrpSpPr>
           <p:grpSpPr>
             <a:xfrm>
-              <a:off x="5956682" y="4262713"/>
+              <a:off x="6000018" y="4807493"/>
               <a:ext cx="2135351" cy="906700"/>
               <a:chOff x="4385656" y="3751694"/>
               <a:chExt cx="2135351" cy="906700"/>
@@ -8695,7 +9435,7 @@
           </p:nvSpPr>
           <p:spPr>
             <a:xfrm>
-              <a:off x="5956681" y="5102341"/>
+              <a:off x="6000017" y="5647121"/>
               <a:ext cx="907271" cy="338554"/>
             </a:xfrm>
             <a:prstGeom prst="rect">
@@ -8726,7 +9466,7 @@
           </p:nvSpPr>
           <p:spPr>
             <a:xfrm>
-              <a:off x="7183994" y="5102341"/>
+              <a:off x="7227330" y="5647121"/>
               <a:ext cx="908040" cy="584775"/>
             </a:xfrm>
             <a:prstGeom prst="rect">
@@ -8750,10 +9490,5350 @@
           </p:txBody>
         </p:sp>
       </p:grpSp>
+      <p:sp>
+        <p:nvSpPr>
+          <p:cNvPr id="17" name="TextBox 16"/>
+          <p:cNvSpPr txBox="1"/>
+          <p:nvPr/>
+        </p:nvSpPr>
+        <p:spPr>
+          <a:xfrm>
+            <a:off x="2589212" y="6465498"/>
+            <a:ext cx="8915400" cy="272415"/>
+          </a:xfrm>
+          <a:prstGeom prst="roundRect">
+            <a:avLst/>
+          </a:prstGeom>
+          <a:solidFill>
+            <a:srgbClr val="2E5369"/>
+          </a:solidFill>
+        </p:spPr>
+        <p:txBody>
+          <a:bodyPr wrap="square" rtlCol="0">
+            <a:spAutoFit/>
+          </a:bodyPr>
+          <a:lstStyle/>
+          <a:p>
+            <a:pPr algn="ctr"/>
+            <a:r>
+              <a:rPr lang="en-SG" sz="1000" dirty="0">
+                <a:solidFill>
+                  <a:schemeClr val="bg1"/>
+                </a:solidFill>
+              </a:rPr>
+              <a:t>Practical Black-Box Attacks against Machine </a:t>
+            </a:r>
+            <a:r>
+              <a:rPr lang="en-SG" sz="1000" dirty="0" smtClean="0">
+                <a:solidFill>
+                  <a:schemeClr val="bg1"/>
+                </a:solidFill>
+              </a:rPr>
+              <a:t>Learning – </a:t>
+            </a:r>
+            <a:r>
+              <a:rPr lang="en-US" sz="1000" dirty="0" smtClean="0">
+                <a:solidFill>
+                  <a:schemeClr val="bg1"/>
+                </a:solidFill>
+              </a:rPr>
+              <a:t>Papernot et. al., ASIA CCS ‘17</a:t>
+            </a:r>
+            <a:endParaRPr lang="en-US" sz="1000" dirty="0">
+              <a:solidFill>
+                <a:schemeClr val="bg1"/>
+              </a:solidFill>
+            </a:endParaRPr>
+          </a:p>
+        </p:txBody>
+      </p:sp>
+      <p:sp>
+        <p:nvSpPr>
+          <p:cNvPr id="19" name="TextBox 18"/>
+          <p:cNvSpPr txBox="1"/>
+          <p:nvPr/>
+        </p:nvSpPr>
+        <p:spPr>
+          <a:xfrm>
+            <a:off x="1179556" y="5247011"/>
+            <a:ext cx="2678530" cy="400110"/>
+          </a:xfrm>
+          <a:prstGeom prst="rect">
+            <a:avLst/>
+          </a:prstGeom>
+          <a:solidFill>
+            <a:schemeClr val="bg1"/>
+          </a:solidFill>
+          <a:ln>
+            <a:solidFill>
+              <a:schemeClr val="tx1"/>
+            </a:solidFill>
+          </a:ln>
+        </p:spPr>
+        <p:txBody>
+          <a:bodyPr wrap="square" rtlCol="0">
+            <a:spAutoFit/>
+          </a:bodyPr>
+          <a:lstStyle/>
+          <a:p>
+            <a:pPr algn="just"/>
+            <a:r>
+              <a:rPr lang="en-US" sz="1000" dirty="0" smtClean="0"/>
+              <a:t>Legitimate </a:t>
+            </a:r>
+            <a:r>
+              <a:rPr lang="en-SG" sz="1000" dirty="0" smtClean="0"/>
+              <a:t>inputs altered by adding small, often imperceptible, perturbations</a:t>
+            </a:r>
+            <a:endParaRPr lang="en-US" sz="1000" dirty="0"/>
+          </a:p>
+        </p:txBody>
+      </p:sp>
+      <p:cxnSp>
+        <p:nvCxnSpPr>
+          <p:cNvPr id="35" name="Straight Arrow Connector 34"/>
+          <p:cNvCxnSpPr>
+            <a:endCxn id="19" idx="0"/>
+          </p:cNvCxnSpPr>
+          <p:nvPr/>
+        </p:nvCxnSpPr>
+        <p:spPr>
+          <a:xfrm flipH="1">
+            <a:off x="2518821" y="4206240"/>
+            <a:ext cx="671720" cy="1040771"/>
+          </a:xfrm>
+          <a:prstGeom prst="straightConnector1">
+            <a:avLst/>
+          </a:prstGeom>
+          <a:ln>
+            <a:tailEnd type="triangle"/>
+          </a:ln>
+        </p:spPr>
+        <p:style>
+          <a:lnRef idx="1">
+            <a:schemeClr val="accent1"/>
+          </a:lnRef>
+          <a:fillRef idx="0">
+            <a:schemeClr val="accent1"/>
+          </a:fillRef>
+          <a:effectRef idx="0">
+            <a:schemeClr val="accent1"/>
+          </a:effectRef>
+          <a:fontRef idx="minor">
+            <a:schemeClr val="tx1"/>
+          </a:fontRef>
+        </p:style>
+      </p:cxnSp>
     </p:spTree>
     <p:extLst>
       <p:ext uri="{BB962C8B-B14F-4D97-AF65-F5344CB8AC3E}">
-        <p14:creationId xmlns:p14="http://schemas.microsoft.com/office/powerpoint/2010/main" val="71725770"/>
+        <p14:creationId xmlns:p14="http://schemas.microsoft.com/office/powerpoint/2010/main" val="828854247"/>
+      </p:ext>
+    </p:extLst>
+  </p:cSld>
+  <p:clrMapOvr>
+    <a:masterClrMapping/>
+  </p:clrMapOvr>
+  <p:timing>
+    <p:tnLst>
+      <p:par>
+        <p:cTn id="1" dur="indefinite" restart="never" nodeType="tmRoot"/>
+      </p:par>
+    </p:tnLst>
+  </p:timing>
+</p:sld>
+</file>
+
+<file path=ppt/slides/slide3.xml><?xml version="1.0" encoding="utf-8"?>
+<p:sld xmlns:a="http://schemas.openxmlformats.org/drawingml/2006/main" xmlns:r="http://schemas.openxmlformats.org/officeDocument/2006/relationships" xmlns:p="http://schemas.openxmlformats.org/presentationml/2006/main">
+  <p:cSld>
+    <p:spTree>
+      <p:nvGrpSpPr>
+        <p:cNvPr id="1" name=""/>
+        <p:cNvGrpSpPr/>
+        <p:nvPr/>
+      </p:nvGrpSpPr>
+      <p:grpSpPr>
+        <a:xfrm>
+          <a:off x="0" y="0"/>
+          <a:ext cx="0" cy="0"/>
+          <a:chOff x="0" y="0"/>
+          <a:chExt cx="0" cy="0"/>
+        </a:xfrm>
+      </p:grpSpPr>
+      <p:sp>
+        <p:nvSpPr>
+          <p:cNvPr id="2" name="Title 1"/>
+          <p:cNvSpPr>
+            <a:spLocks noGrp="1"/>
+          </p:cNvSpPr>
+          <p:nvPr>
+            <p:ph type="title"/>
+          </p:nvPr>
+        </p:nvSpPr>
+        <p:spPr>
+          <a:xfrm>
+            <a:off x="2592925" y="624110"/>
+            <a:ext cx="8911687" cy="650300"/>
+          </a:xfrm>
+        </p:spPr>
+        <p:txBody>
+          <a:bodyPr/>
+          <a:lstStyle/>
+          <a:p>
+            <a:r>
+              <a:rPr lang="en-US" dirty="0" smtClean="0"/>
+              <a:t>Introduction</a:t>
+            </a:r>
+            <a:endParaRPr lang="en-US" dirty="0"/>
+          </a:p>
+        </p:txBody>
+      </p:sp>
+      <p:sp>
+        <p:nvSpPr>
+          <p:cNvPr id="3" name="Content Placeholder 2"/>
+          <p:cNvSpPr>
+            <a:spLocks noGrp="1"/>
+          </p:cNvSpPr>
+          <p:nvPr>
+            <p:ph idx="1"/>
+          </p:nvPr>
+        </p:nvSpPr>
+        <p:spPr>
+          <a:xfrm>
+            <a:off x="2589212" y="1274410"/>
+            <a:ext cx="8915400" cy="4636812"/>
+          </a:xfrm>
+        </p:spPr>
+        <p:txBody>
+          <a:bodyPr>
+            <a:normAutofit fontScale="92500"/>
+          </a:bodyPr>
+          <a:lstStyle/>
+          <a:p>
+            <a:pPr algn="just"/>
+            <a:r>
+              <a:rPr lang="en-SG" dirty="0" smtClean="0"/>
+              <a:t>The paper first introduced the demonstration of practical real-world black-box </a:t>
+            </a:r>
+            <a:r>
+              <a:rPr lang="en-SG" dirty="0"/>
+              <a:t>attacks against DNN </a:t>
+            </a:r>
+            <a:r>
+              <a:rPr lang="en-SG" dirty="0" smtClean="0"/>
+              <a:t>classifiers.</a:t>
+            </a:r>
+          </a:p>
+          <a:p>
+            <a:pPr algn="just"/>
+            <a:r>
+              <a:rPr lang="en-SG" dirty="0"/>
+              <a:t>Assumptions</a:t>
+            </a:r>
+          </a:p>
+          <a:p>
+            <a:pPr lvl="1" algn="just"/>
+            <a:r>
+              <a:rPr lang="en-SG" dirty="0"/>
+              <a:t>The adversary has no information about the structure or parameters of the DNN.</a:t>
+            </a:r>
+          </a:p>
+          <a:p>
+            <a:pPr lvl="1" algn="just"/>
+            <a:r>
+              <a:rPr lang="en-SG" dirty="0"/>
+              <a:t>The adversary does not have access to any large training dataset.</a:t>
+            </a:r>
+          </a:p>
+          <a:p>
+            <a:pPr algn="just"/>
+            <a:r>
+              <a:rPr lang="en-SG" dirty="0" smtClean="0"/>
+              <a:t>Capability</a:t>
+            </a:r>
+          </a:p>
+          <a:p>
+            <a:pPr lvl="1" algn="just"/>
+            <a:r>
+              <a:rPr lang="en-SG" dirty="0"/>
+              <a:t>The adversary's </a:t>
+            </a:r>
+            <a:r>
+              <a:rPr lang="en-SG" dirty="0" smtClean="0"/>
+              <a:t>only capability </a:t>
+            </a:r>
+            <a:r>
+              <a:rPr lang="en-SG" dirty="0"/>
+              <a:t>is to observe labels assigned by the DNN for </a:t>
+            </a:r>
+            <a:r>
+              <a:rPr lang="en-SG" dirty="0" smtClean="0"/>
+              <a:t>chosen inputs</a:t>
+            </a:r>
+            <a:r>
+              <a:rPr lang="en-SG" dirty="0"/>
+              <a:t>, in a manner </a:t>
+            </a:r>
+            <a:r>
+              <a:rPr lang="en-SG" dirty="0" smtClean="0"/>
+              <a:t>analogous </a:t>
+            </a:r>
+            <a:r>
+              <a:rPr lang="en-SG" dirty="0"/>
+              <a:t>to a cryptographic oracle.</a:t>
+            </a:r>
+          </a:p>
+          <a:p>
+            <a:pPr algn="just"/>
+            <a:r>
+              <a:rPr lang="en-SG" dirty="0" smtClean="0"/>
+              <a:t>Strategy</a:t>
+            </a:r>
+          </a:p>
+          <a:p>
+            <a:pPr lvl="1" algn="just"/>
+            <a:r>
+              <a:rPr lang="en-SG" dirty="0" smtClean="0"/>
+              <a:t>Train </a:t>
+            </a:r>
+            <a:r>
+              <a:rPr lang="en-SG" dirty="0"/>
+              <a:t>a local </a:t>
+            </a:r>
+            <a:r>
+              <a:rPr lang="en-SG" dirty="0" smtClean="0"/>
+              <a:t>substitute DNN </a:t>
+            </a:r>
+            <a:r>
+              <a:rPr lang="en-SG" dirty="0"/>
+              <a:t>with a </a:t>
+            </a:r>
+            <a:r>
+              <a:rPr lang="en-SG" i="1" u="sng" dirty="0"/>
+              <a:t>synthetic </a:t>
+            </a:r>
+            <a:r>
+              <a:rPr lang="en-SG" i="1" u="sng" dirty="0" smtClean="0"/>
+              <a:t>dataset</a:t>
+            </a:r>
+            <a:r>
+              <a:rPr lang="en-SG" dirty="0" smtClean="0"/>
+              <a:t>.</a:t>
+            </a:r>
+          </a:p>
+          <a:p>
+            <a:pPr lvl="1" algn="just"/>
+            <a:r>
+              <a:rPr lang="en-SG" dirty="0"/>
+              <a:t>Adversarial examples are crafted using the substitute </a:t>
+            </a:r>
+            <a:r>
+              <a:rPr lang="en-SG" dirty="0" smtClean="0"/>
+              <a:t>parameters, which </a:t>
+            </a:r>
+            <a:r>
+              <a:rPr lang="en-SG" dirty="0"/>
+              <a:t>are </a:t>
+            </a:r>
+            <a:r>
+              <a:rPr lang="en-SG" dirty="0" smtClean="0"/>
+              <a:t>known.</a:t>
+            </a:r>
+          </a:p>
+          <a:p>
+            <a:pPr lvl="1" algn="just"/>
+            <a:r>
+              <a:rPr lang="en-SG" dirty="0" smtClean="0"/>
+              <a:t>They </a:t>
+            </a:r>
+            <a:r>
+              <a:rPr lang="en-SG" dirty="0"/>
+              <a:t>are not only </a:t>
+            </a:r>
+            <a:r>
+              <a:rPr lang="en-SG" dirty="0" smtClean="0"/>
+              <a:t>misclassified by </a:t>
+            </a:r>
+            <a:r>
+              <a:rPr lang="en-SG" dirty="0"/>
+              <a:t>the substitute but also by the target DNN, because </a:t>
+            </a:r>
+            <a:r>
+              <a:rPr lang="en-SG" dirty="0" smtClean="0"/>
+              <a:t>both models </a:t>
+            </a:r>
+            <a:r>
+              <a:rPr lang="en-SG" dirty="0"/>
+              <a:t>have similar decision </a:t>
+            </a:r>
+            <a:r>
+              <a:rPr lang="en-SG" dirty="0" smtClean="0"/>
+              <a:t>boundaries</a:t>
+            </a:r>
+            <a:r>
+              <a:rPr lang="en-SG" dirty="0"/>
+              <a:t> </a:t>
+            </a:r>
+            <a:r>
+              <a:rPr lang="en-SG" dirty="0" smtClean="0"/>
+              <a:t>due to </a:t>
+            </a:r>
+            <a:r>
+              <a:rPr lang="en-SG" i="1" u="sng" dirty="0" smtClean="0"/>
+              <a:t>transferability</a:t>
+            </a:r>
+            <a:r>
+              <a:rPr lang="en-SG" dirty="0" smtClean="0"/>
+              <a:t> between architectures.</a:t>
+            </a:r>
+          </a:p>
+        </p:txBody>
+      </p:sp>
+      <p:sp>
+        <p:nvSpPr>
+          <p:cNvPr id="24" name="Date Placeholder 23"/>
+          <p:cNvSpPr>
+            <a:spLocks noGrp="1"/>
+          </p:cNvSpPr>
+          <p:nvPr>
+            <p:ph type="dt" sz="half" idx="10"/>
+          </p:nvPr>
+        </p:nvSpPr>
+        <p:spPr/>
+        <p:txBody>
+          <a:bodyPr/>
+          <a:lstStyle/>
+          <a:p>
+            <a:fld id="{2EFB6F28-65EE-44D6-BFFE-56AB02E1ABA6}" type="datetime1">
+              <a:rPr lang="en-US" smtClean="0"/>
+              <a:t>9/4/2017</a:t>
+            </a:fld>
+            <a:endParaRPr lang="en-US" dirty="0"/>
+          </a:p>
+        </p:txBody>
+      </p:sp>
+      <p:sp>
+        <p:nvSpPr>
+          <p:cNvPr id="26" name="Slide Number Placeholder 25"/>
+          <p:cNvSpPr>
+            <a:spLocks noGrp="1"/>
+          </p:cNvSpPr>
+          <p:nvPr>
+            <p:ph type="sldNum" sz="quarter" idx="12"/>
+          </p:nvPr>
+        </p:nvSpPr>
+        <p:spPr/>
+        <p:txBody>
+          <a:bodyPr/>
+          <a:lstStyle/>
+          <a:p>
+            <a:fld id="{D57F1E4F-1CFF-5643-939E-217C01CDF565}" type="slidenum">
+              <a:rPr lang="en-US" smtClean="0"/>
+              <a:pPr/>
+              <a:t>3</a:t>
+            </a:fld>
+            <a:endParaRPr lang="en-US" dirty="0"/>
+          </a:p>
+        </p:txBody>
+      </p:sp>
+      <p:sp>
+        <p:nvSpPr>
+          <p:cNvPr id="17" name="TextBox 16"/>
+          <p:cNvSpPr txBox="1"/>
+          <p:nvPr/>
+        </p:nvSpPr>
+        <p:spPr>
+          <a:xfrm>
+            <a:off x="2589212" y="6465498"/>
+            <a:ext cx="8915400" cy="272415"/>
+          </a:xfrm>
+          <a:prstGeom prst="roundRect">
+            <a:avLst/>
+          </a:prstGeom>
+          <a:solidFill>
+            <a:srgbClr val="2E5369"/>
+          </a:solidFill>
+        </p:spPr>
+        <p:txBody>
+          <a:bodyPr wrap="square" rtlCol="0">
+            <a:spAutoFit/>
+          </a:bodyPr>
+          <a:lstStyle/>
+          <a:p>
+            <a:pPr algn="ctr"/>
+            <a:r>
+              <a:rPr lang="en-SG" sz="1000" dirty="0">
+                <a:solidFill>
+                  <a:schemeClr val="bg1"/>
+                </a:solidFill>
+              </a:rPr>
+              <a:t>Practical Black-Box Attacks against Machine </a:t>
+            </a:r>
+            <a:r>
+              <a:rPr lang="en-SG" sz="1000" dirty="0" smtClean="0">
+                <a:solidFill>
+                  <a:schemeClr val="bg1"/>
+                </a:solidFill>
+              </a:rPr>
+              <a:t>Learning – </a:t>
+            </a:r>
+            <a:r>
+              <a:rPr lang="en-US" sz="1000" dirty="0" smtClean="0">
+                <a:solidFill>
+                  <a:schemeClr val="bg1"/>
+                </a:solidFill>
+              </a:rPr>
+              <a:t>Papernot et. al., ASIA CCS ‘17</a:t>
+            </a:r>
+            <a:endParaRPr lang="en-US" sz="1000" dirty="0">
+              <a:solidFill>
+                <a:schemeClr val="bg1"/>
+              </a:solidFill>
+            </a:endParaRPr>
+          </a:p>
+        </p:txBody>
+      </p:sp>
+      <p:sp>
+        <p:nvSpPr>
+          <p:cNvPr id="14" name="TextBox 13"/>
+          <p:cNvSpPr txBox="1"/>
+          <p:nvPr/>
+        </p:nvSpPr>
+        <p:spPr>
+          <a:xfrm>
+            <a:off x="9900457" y="3841573"/>
+            <a:ext cx="2011681" cy="553998"/>
+          </a:xfrm>
+          <a:prstGeom prst="rect">
+            <a:avLst/>
+          </a:prstGeom>
+          <a:solidFill>
+            <a:schemeClr val="bg1"/>
+          </a:solidFill>
+          <a:ln>
+            <a:solidFill>
+              <a:schemeClr val="tx1"/>
+            </a:solidFill>
+          </a:ln>
+        </p:spPr>
+        <p:txBody>
+          <a:bodyPr wrap="square" rtlCol="0">
+            <a:spAutoFit/>
+          </a:bodyPr>
+          <a:lstStyle/>
+          <a:p>
+            <a:pPr algn="just"/>
+            <a:r>
+              <a:rPr lang="en-SG" sz="1000" dirty="0" smtClean="0"/>
+              <a:t>Generated </a:t>
+            </a:r>
+            <a:r>
+              <a:rPr lang="en-SG" sz="1000" dirty="0"/>
+              <a:t>by </a:t>
+            </a:r>
+            <a:r>
+              <a:rPr lang="en-SG" sz="1000" dirty="0" smtClean="0"/>
+              <a:t>the adversary, while the outputs are labels assigned by </a:t>
+            </a:r>
+            <a:r>
+              <a:rPr lang="en-SG" sz="1000" dirty="0"/>
+              <a:t>the target </a:t>
+            </a:r>
+            <a:r>
+              <a:rPr lang="en-SG" sz="1000" dirty="0" smtClean="0"/>
+              <a:t>DNN</a:t>
+            </a:r>
+            <a:endParaRPr lang="en-US" sz="1000" dirty="0"/>
+          </a:p>
+        </p:txBody>
+      </p:sp>
+      <p:cxnSp>
+        <p:nvCxnSpPr>
+          <p:cNvPr id="21" name="Straight Arrow Connector 20"/>
+          <p:cNvCxnSpPr>
+            <a:endCxn id="14" idx="1"/>
+          </p:cNvCxnSpPr>
+          <p:nvPr/>
+        </p:nvCxnSpPr>
+        <p:spPr>
+          <a:xfrm flipV="1">
+            <a:off x="8545484" y="4118572"/>
+            <a:ext cx="1354973" cy="276999"/>
+          </a:xfrm>
+          <a:prstGeom prst="straightConnector1">
+            <a:avLst/>
+          </a:prstGeom>
+          <a:ln>
+            <a:tailEnd type="triangle"/>
+          </a:ln>
+        </p:spPr>
+        <p:style>
+          <a:lnRef idx="1">
+            <a:schemeClr val="accent1"/>
+          </a:lnRef>
+          <a:fillRef idx="0">
+            <a:schemeClr val="accent1"/>
+          </a:fillRef>
+          <a:effectRef idx="0">
+            <a:schemeClr val="accent1"/>
+          </a:effectRef>
+          <a:fontRef idx="minor">
+            <a:schemeClr val="tx1"/>
+          </a:fontRef>
+        </p:style>
+      </p:cxnSp>
+    </p:spTree>
+    <p:extLst>
+      <p:ext uri="{BB962C8B-B14F-4D97-AF65-F5344CB8AC3E}">
+        <p14:creationId xmlns:p14="http://schemas.microsoft.com/office/powerpoint/2010/main" val="3884222662"/>
+      </p:ext>
+    </p:extLst>
+  </p:cSld>
+  <p:clrMapOvr>
+    <a:masterClrMapping/>
+  </p:clrMapOvr>
+  <p:timing>
+    <p:tnLst>
+      <p:par>
+        <p:cTn id="1" dur="indefinite" restart="never" nodeType="tmRoot"/>
+      </p:par>
+    </p:tnLst>
+  </p:timing>
+</p:sld>
+</file>
+
+<file path=ppt/slides/slide4.xml><?xml version="1.0" encoding="utf-8"?>
+<p:sld xmlns:a="http://schemas.openxmlformats.org/drawingml/2006/main" xmlns:r="http://schemas.openxmlformats.org/officeDocument/2006/relationships" xmlns:p="http://schemas.openxmlformats.org/presentationml/2006/main">
+  <p:cSld>
+    <p:spTree>
+      <p:nvGrpSpPr>
+        <p:cNvPr id="1" name=""/>
+        <p:cNvGrpSpPr/>
+        <p:nvPr/>
+      </p:nvGrpSpPr>
+      <p:grpSpPr>
+        <a:xfrm>
+          <a:off x="0" y="0"/>
+          <a:ext cx="0" cy="0"/>
+          <a:chOff x="0" y="0"/>
+          <a:chExt cx="0" cy="0"/>
+        </a:xfrm>
+      </p:grpSpPr>
+      <p:sp>
+        <p:nvSpPr>
+          <p:cNvPr id="2" name="Title 1"/>
+          <p:cNvSpPr>
+            <a:spLocks noGrp="1"/>
+          </p:cNvSpPr>
+          <p:nvPr>
+            <p:ph type="title"/>
+          </p:nvPr>
+        </p:nvSpPr>
+        <p:spPr>
+          <a:xfrm>
+            <a:off x="2592925" y="624110"/>
+            <a:ext cx="8911687" cy="650300"/>
+          </a:xfrm>
+        </p:spPr>
+        <p:txBody>
+          <a:bodyPr/>
+          <a:lstStyle/>
+          <a:p>
+            <a:r>
+              <a:rPr lang="en-US" dirty="0" smtClean="0"/>
+              <a:t>Introduction</a:t>
+            </a:r>
+            <a:endParaRPr lang="en-US" dirty="0"/>
+          </a:p>
+        </p:txBody>
+      </p:sp>
+      <p:sp>
+        <p:nvSpPr>
+          <p:cNvPr id="3" name="Content Placeholder 2"/>
+          <p:cNvSpPr>
+            <a:spLocks noGrp="1"/>
+          </p:cNvSpPr>
+          <p:nvPr>
+            <p:ph idx="1"/>
+          </p:nvPr>
+        </p:nvSpPr>
+        <p:spPr>
+          <a:xfrm>
+            <a:off x="2589212" y="1274410"/>
+            <a:ext cx="8915400" cy="4636812"/>
+          </a:xfrm>
+        </p:spPr>
+        <p:txBody>
+          <a:bodyPr>
+            <a:normAutofit fontScale="92500" lnSpcReduction="10000"/>
+          </a:bodyPr>
+          <a:lstStyle/>
+          <a:p>
+            <a:pPr algn="just"/>
+            <a:r>
+              <a:rPr lang="en-SG" dirty="0" smtClean="0"/>
+              <a:t>Advantages</a:t>
+            </a:r>
+          </a:p>
+          <a:p>
+            <a:pPr lvl="1" algn="just"/>
+            <a:r>
+              <a:rPr lang="en-SG" dirty="0" smtClean="0"/>
+              <a:t>In comparison to previous works</a:t>
+            </a:r>
+          </a:p>
+          <a:p>
+            <a:pPr lvl="2" algn="just"/>
+            <a:r>
+              <a:rPr lang="en-SG" dirty="0" smtClean="0"/>
+              <a:t>Detailed knowledge of the DNN architecture and parameters.</a:t>
+            </a:r>
+          </a:p>
+          <a:p>
+            <a:pPr lvl="3" algn="just"/>
+            <a:r>
+              <a:rPr lang="en-SG" i="1" dirty="0" smtClean="0"/>
+              <a:t>Learning a substitute - gives the benefit of having full access to the model and apply previous adversarial example crafting methods.</a:t>
+            </a:r>
+          </a:p>
+          <a:p>
+            <a:pPr lvl="2" algn="just"/>
+            <a:r>
+              <a:rPr lang="en-SG" dirty="0" smtClean="0"/>
+              <a:t>An independently collected training set to fit an auxiliary model.</a:t>
+            </a:r>
+          </a:p>
+          <a:p>
+            <a:pPr lvl="3" algn="just"/>
+            <a:r>
+              <a:rPr lang="en-SG" i="1" dirty="0" smtClean="0"/>
+              <a:t>Replacing with a synthetic dataset constructed by the adversary with synthetic inputs and labelled by observing the target DNN's output.</a:t>
+            </a:r>
+          </a:p>
+          <a:p>
+            <a:pPr lvl="1" algn="just"/>
+            <a:r>
+              <a:rPr lang="en-SG" dirty="0" smtClean="0"/>
+              <a:t>Corresponds to the real-world scenario of users interacting with classifiers hosted remotely by a third-party keeping the model internals secret.</a:t>
+            </a:r>
+          </a:p>
+          <a:p>
+            <a:pPr lvl="2" algn="just"/>
+            <a:r>
+              <a:rPr lang="en-SG" dirty="0" smtClean="0"/>
+              <a:t>Classifiers automatically trained by MetaMind, Amazon, and Google.</a:t>
+            </a:r>
+          </a:p>
+          <a:p>
+            <a:pPr algn="just"/>
+            <a:r>
+              <a:rPr lang="en-SG" dirty="0" smtClean="0"/>
+              <a:t>Applicability</a:t>
+            </a:r>
+          </a:p>
+          <a:p>
+            <a:pPr lvl="1"/>
+            <a:r>
+              <a:rPr lang="en-US" dirty="0" smtClean="0"/>
+              <a:t>The capabilities required </a:t>
+            </a:r>
+            <a:r>
+              <a:rPr lang="en-SG" dirty="0" smtClean="0"/>
+              <a:t>are limited to observing output class labels only.</a:t>
+            </a:r>
+          </a:p>
+          <a:p>
+            <a:pPr lvl="1"/>
+            <a:r>
+              <a:rPr lang="en-SG" dirty="0" smtClean="0"/>
+              <a:t>The number of labels queried are limited.</a:t>
+            </a:r>
+          </a:p>
+          <a:p>
+            <a:pPr lvl="1"/>
+            <a:r>
+              <a:rPr lang="en-SG" dirty="0" smtClean="0"/>
+              <a:t>Scales </a:t>
+            </a:r>
+            <a:r>
+              <a:rPr lang="en-SG" dirty="0"/>
+              <a:t>to </a:t>
+            </a:r>
+            <a:r>
+              <a:rPr lang="en-SG" dirty="0" smtClean="0"/>
+              <a:t>different </a:t>
+            </a:r>
+            <a:r>
+              <a:rPr lang="en-SG" dirty="0"/>
+              <a:t>ML </a:t>
+            </a:r>
+            <a:r>
+              <a:rPr lang="en-SG" dirty="0" smtClean="0"/>
+              <a:t>classifier types in </a:t>
+            </a:r>
+            <a:r>
+              <a:rPr lang="en-SG" dirty="0"/>
+              <a:t>addition to state-of-the-art </a:t>
+            </a:r>
+            <a:r>
+              <a:rPr lang="en-SG" dirty="0" smtClean="0"/>
+              <a:t>DNNs.</a:t>
+            </a:r>
+          </a:p>
+        </p:txBody>
+      </p:sp>
+      <p:sp>
+        <p:nvSpPr>
+          <p:cNvPr id="24" name="Date Placeholder 23"/>
+          <p:cNvSpPr>
+            <a:spLocks noGrp="1"/>
+          </p:cNvSpPr>
+          <p:nvPr>
+            <p:ph type="dt" sz="half" idx="10"/>
+          </p:nvPr>
+        </p:nvSpPr>
+        <p:spPr/>
+        <p:txBody>
+          <a:bodyPr/>
+          <a:lstStyle/>
+          <a:p>
+            <a:fld id="{2EFB6F28-65EE-44D6-BFFE-56AB02E1ABA6}" type="datetime1">
+              <a:rPr lang="en-US" smtClean="0"/>
+              <a:t>9/4/2017</a:t>
+            </a:fld>
+            <a:endParaRPr lang="en-US" dirty="0"/>
+          </a:p>
+        </p:txBody>
+      </p:sp>
+      <p:sp>
+        <p:nvSpPr>
+          <p:cNvPr id="26" name="Slide Number Placeholder 25"/>
+          <p:cNvSpPr>
+            <a:spLocks noGrp="1"/>
+          </p:cNvSpPr>
+          <p:nvPr>
+            <p:ph type="sldNum" sz="quarter" idx="12"/>
+          </p:nvPr>
+        </p:nvSpPr>
+        <p:spPr/>
+        <p:txBody>
+          <a:bodyPr/>
+          <a:lstStyle/>
+          <a:p>
+            <a:fld id="{D57F1E4F-1CFF-5643-939E-217C01CDF565}" type="slidenum">
+              <a:rPr lang="en-US" smtClean="0"/>
+              <a:pPr/>
+              <a:t>4</a:t>
+            </a:fld>
+            <a:endParaRPr lang="en-US" dirty="0"/>
+          </a:p>
+        </p:txBody>
+      </p:sp>
+      <p:sp>
+        <p:nvSpPr>
+          <p:cNvPr id="17" name="TextBox 16"/>
+          <p:cNvSpPr txBox="1"/>
+          <p:nvPr/>
+        </p:nvSpPr>
+        <p:spPr>
+          <a:xfrm>
+            <a:off x="2589212" y="6465498"/>
+            <a:ext cx="8915400" cy="272415"/>
+          </a:xfrm>
+          <a:prstGeom prst="roundRect">
+            <a:avLst/>
+          </a:prstGeom>
+          <a:solidFill>
+            <a:srgbClr val="2E5369"/>
+          </a:solidFill>
+        </p:spPr>
+        <p:txBody>
+          <a:bodyPr wrap="square" rtlCol="0">
+            <a:spAutoFit/>
+          </a:bodyPr>
+          <a:lstStyle/>
+          <a:p>
+            <a:pPr algn="ctr"/>
+            <a:r>
+              <a:rPr lang="en-SG" sz="1000" dirty="0">
+                <a:solidFill>
+                  <a:schemeClr val="bg1"/>
+                </a:solidFill>
+              </a:rPr>
+              <a:t>Practical Black-Box Attacks against Machine </a:t>
+            </a:r>
+            <a:r>
+              <a:rPr lang="en-SG" sz="1000" dirty="0" smtClean="0">
+                <a:solidFill>
+                  <a:schemeClr val="bg1"/>
+                </a:solidFill>
+              </a:rPr>
+              <a:t>Learning – </a:t>
+            </a:r>
+            <a:r>
+              <a:rPr lang="en-US" sz="1000" dirty="0" smtClean="0">
+                <a:solidFill>
+                  <a:schemeClr val="bg1"/>
+                </a:solidFill>
+              </a:rPr>
+              <a:t>Papernot et. al., ASIA CCS ‘17</a:t>
+            </a:r>
+            <a:endParaRPr lang="en-US" sz="1000" dirty="0">
+              <a:solidFill>
+                <a:schemeClr val="bg1"/>
+              </a:solidFill>
+            </a:endParaRPr>
+          </a:p>
+        </p:txBody>
+      </p:sp>
+    </p:spTree>
+    <p:extLst>
+      <p:ext uri="{BB962C8B-B14F-4D97-AF65-F5344CB8AC3E}">
+        <p14:creationId xmlns:p14="http://schemas.microsoft.com/office/powerpoint/2010/main" val="1008209850"/>
+      </p:ext>
+    </p:extLst>
+  </p:cSld>
+  <p:clrMapOvr>
+    <a:masterClrMapping/>
+  </p:clrMapOvr>
+  <p:timing>
+    <p:tnLst>
+      <p:par>
+        <p:cTn id="1" dur="indefinite" restart="never" nodeType="tmRoot"/>
+      </p:par>
+    </p:tnLst>
+  </p:timing>
+</p:sld>
+</file>
+
+<file path=ppt/slides/slide5.xml><?xml version="1.0" encoding="utf-8"?>
+<p:sld xmlns:a="http://schemas.openxmlformats.org/drawingml/2006/main" xmlns:r="http://schemas.openxmlformats.org/officeDocument/2006/relationships" xmlns:p="http://schemas.openxmlformats.org/presentationml/2006/main">
+  <p:cSld>
+    <p:spTree>
+      <p:nvGrpSpPr>
+        <p:cNvPr id="1" name=""/>
+        <p:cNvGrpSpPr/>
+        <p:nvPr/>
+      </p:nvGrpSpPr>
+      <p:grpSpPr>
+        <a:xfrm>
+          <a:off x="0" y="0"/>
+          <a:ext cx="0" cy="0"/>
+          <a:chOff x="0" y="0"/>
+          <a:chExt cx="0" cy="0"/>
+        </a:xfrm>
+      </p:grpSpPr>
+      <p:sp>
+        <p:nvSpPr>
+          <p:cNvPr id="2" name="Title 1"/>
+          <p:cNvSpPr>
+            <a:spLocks noGrp="1"/>
+          </p:cNvSpPr>
+          <p:nvPr>
+            <p:ph type="title"/>
+          </p:nvPr>
+        </p:nvSpPr>
+        <p:spPr>
+          <a:xfrm>
+            <a:off x="2592925" y="624110"/>
+            <a:ext cx="8911687" cy="650300"/>
+          </a:xfrm>
+        </p:spPr>
+        <p:txBody>
+          <a:bodyPr/>
+          <a:lstStyle/>
+          <a:p>
+            <a:r>
+              <a:rPr lang="en-US" dirty="0" smtClean="0"/>
+              <a:t>Deep Neural Network</a:t>
+            </a:r>
+            <a:endParaRPr lang="en-US" dirty="0"/>
+          </a:p>
+        </p:txBody>
+      </p:sp>
+      <mc:AlternateContent xmlns:mc="http://schemas.openxmlformats.org/markup-compatibility/2006">
+        <mc:Choice xmlns:a14="http://schemas.microsoft.com/office/drawing/2010/main" Requires="a14">
+          <p:sp>
+            <p:nvSpPr>
+              <p:cNvPr id="3" name="Content Placeholder 2"/>
+              <p:cNvSpPr>
+                <a:spLocks noGrp="1"/>
+              </p:cNvSpPr>
+              <p:nvPr>
+                <p:ph idx="1"/>
+              </p:nvPr>
+            </p:nvSpPr>
+            <p:spPr>
+              <a:xfrm>
+                <a:off x="2589212" y="2128058"/>
+                <a:ext cx="8915400" cy="3783165"/>
+              </a:xfrm>
+            </p:spPr>
+            <p:txBody>
+              <a:bodyPr>
+                <a:normAutofit/>
+              </a:bodyPr>
+              <a:lstStyle/>
+              <a:p>
+                <a:pPr algn="just"/>
+                <a:r>
+                  <a:rPr lang="en-SG" dirty="0" smtClean="0"/>
+                  <a:t>Uses a hierarchical composition of n parametric functions to model an input </a:t>
+                </a:r>
+                <a14:m>
+                  <m:oMath xmlns:m="http://schemas.openxmlformats.org/officeDocument/2006/math">
+                    <m:acc>
+                      <m:accPr>
+                        <m:chr m:val="⃗"/>
+                        <m:ctrlPr>
+                          <a:rPr lang="en-SG" i="1" dirty="0" smtClean="0">
+                            <a:latin typeface="Cambria Math" panose="02040503050406030204" pitchFamily="18" charset="0"/>
+                          </a:rPr>
+                        </m:ctrlPr>
+                      </m:accPr>
+                      <m:e>
+                        <m:r>
+                          <a:rPr lang="en-US" b="0" i="1" dirty="0" smtClean="0">
+                            <a:latin typeface="Cambria Math" panose="02040503050406030204" pitchFamily="18" charset="0"/>
+                          </a:rPr>
+                          <m:t>𝑥</m:t>
+                        </m:r>
+                      </m:e>
+                    </m:acc>
+                  </m:oMath>
+                </a14:m>
+                <a:r>
+                  <a:rPr lang="en-SG" dirty="0" smtClean="0"/>
+                  <a:t>.</a:t>
+                </a:r>
+              </a:p>
+              <a:p>
+                <a:pPr algn="just"/>
+                <a:r>
+                  <a:rPr lang="en-SG" dirty="0"/>
+                  <a:t>Each function </a:t>
+                </a:r>
+                <a14:m>
+                  <m:oMath xmlns:m="http://schemas.openxmlformats.org/officeDocument/2006/math">
+                    <m:acc>
+                      <m:accPr>
+                        <m:chr m:val="⃗"/>
+                        <m:ctrlPr>
+                          <a:rPr lang="en-SG" i="1" smtClean="0">
+                            <a:latin typeface="Cambria Math" panose="02040503050406030204" pitchFamily="18" charset="0"/>
+                          </a:rPr>
+                        </m:ctrlPr>
+                      </m:accPr>
+                      <m:e>
+                        <m:sSub>
+                          <m:sSubPr>
+                            <m:ctrlPr>
+                              <a:rPr lang="en-SG" i="1" smtClean="0">
+                                <a:latin typeface="Cambria Math" panose="02040503050406030204" pitchFamily="18" charset="0"/>
+                              </a:rPr>
+                            </m:ctrlPr>
+                          </m:sSubPr>
+                          <m:e>
+                            <m:r>
+                              <a:rPr lang="en-US" b="0" i="1" smtClean="0">
+                                <a:latin typeface="Cambria Math" panose="02040503050406030204" pitchFamily="18" charset="0"/>
+                              </a:rPr>
+                              <m:t>𝑓</m:t>
+                            </m:r>
+                          </m:e>
+                          <m:sub>
+                            <m:r>
+                              <a:rPr lang="en-US" b="0" i="1" smtClean="0">
+                                <a:latin typeface="Cambria Math" panose="02040503050406030204" pitchFamily="18" charset="0"/>
+                              </a:rPr>
+                              <m:t>𝑖</m:t>
+                            </m:r>
+                          </m:sub>
+                        </m:sSub>
+                      </m:e>
+                    </m:acc>
+                  </m:oMath>
+                </a14:m>
+                <a:r>
+                  <a:rPr lang="en-SG" dirty="0"/>
+                  <a:t> for </a:t>
+                </a:r>
+                <a14:m>
+                  <m:oMath xmlns:m="http://schemas.openxmlformats.org/officeDocument/2006/math">
+                    <m:r>
+                      <a:rPr lang="en-US" b="0" i="1" smtClean="0">
+                        <a:latin typeface="Cambria Math" panose="02040503050406030204" pitchFamily="18" charset="0"/>
+                      </a:rPr>
+                      <m:t>𝑖</m:t>
+                    </m:r>
+                    <m:r>
+                      <a:rPr lang="en-US" b="0" i="1" smtClean="0">
+                        <a:latin typeface="Cambria Math" panose="02040503050406030204" pitchFamily="18" charset="0"/>
+                      </a:rPr>
+                      <m:t>=1..</m:t>
+                    </m:r>
+                    <m:r>
+                      <a:rPr lang="en-US" b="0" i="1" smtClean="0">
+                        <a:latin typeface="Cambria Math" panose="02040503050406030204" pitchFamily="18" charset="0"/>
+                      </a:rPr>
+                      <m:t>𝑛</m:t>
+                    </m:r>
+                  </m:oMath>
+                </a14:m>
+                <a:r>
+                  <a:rPr lang="en-SG" dirty="0" smtClean="0"/>
+                  <a:t> is </a:t>
+                </a:r>
+                <a:r>
+                  <a:rPr lang="en-SG" dirty="0"/>
+                  <a:t>modeled</a:t>
+                </a:r>
+                <a:r>
+                  <a:rPr lang="en-SG" dirty="0"/>
+                  <a:t> using a layer of </a:t>
+                </a:r>
+                <a:r>
+                  <a:rPr lang="en-SG" dirty="0" smtClean="0"/>
+                  <a:t>neurons </a:t>
+                </a:r>
+                <a:r>
+                  <a:rPr lang="en-SG" dirty="0"/>
+                  <a:t>applying an activation </a:t>
+                </a:r>
+                <a:r>
+                  <a:rPr lang="en-SG" dirty="0" smtClean="0"/>
+                  <a:t>function to </a:t>
+                </a:r>
+                <a:r>
+                  <a:rPr lang="en-SG" dirty="0"/>
+                  <a:t>the previous layer's weighted representation of the input </a:t>
+                </a:r>
+                <a:r>
+                  <a:rPr lang="en-SG" dirty="0" smtClean="0"/>
+                  <a:t>to generate </a:t>
+                </a:r>
+                <a:r>
+                  <a:rPr lang="en-SG" dirty="0"/>
+                  <a:t>a new representation</a:t>
+                </a:r>
+                <a:r>
+                  <a:rPr lang="en-SG" dirty="0" smtClean="0"/>
+                  <a:t>.</a:t>
+                </a:r>
+              </a:p>
+              <a:p>
+                <a:pPr algn="just"/>
+                <a:r>
+                  <a:rPr lang="en-SG" dirty="0"/>
+                  <a:t>Each layer is </a:t>
+                </a:r>
+                <a:r>
+                  <a:rPr lang="en-SG" dirty="0" smtClean="0"/>
+                  <a:t>parameterized by </a:t>
+                </a:r>
+                <a:r>
+                  <a:rPr lang="en-SG" dirty="0"/>
+                  <a:t>a weight vector </a:t>
+                </a:r>
+                <a14:m>
+                  <m:oMath xmlns:m="http://schemas.openxmlformats.org/officeDocument/2006/math">
+                    <m:acc>
+                      <m:accPr>
+                        <m:chr m:val="⃗"/>
+                        <m:ctrlPr>
+                          <a:rPr lang="en-SG" i="1" smtClean="0">
+                            <a:latin typeface="Cambria Math" panose="02040503050406030204" pitchFamily="18" charset="0"/>
+                          </a:rPr>
+                        </m:ctrlPr>
+                      </m:accPr>
+                      <m:e>
+                        <m:sSub>
+                          <m:sSubPr>
+                            <m:ctrlPr>
+                              <a:rPr lang="en-SG" i="1" smtClean="0">
+                                <a:latin typeface="Cambria Math" panose="02040503050406030204" pitchFamily="18" charset="0"/>
+                              </a:rPr>
+                            </m:ctrlPr>
+                          </m:sSubPr>
+                          <m:e>
+                            <m:r>
+                              <a:rPr lang="en-SG" i="1" smtClean="0">
+                                <a:latin typeface="Cambria Math" panose="02040503050406030204" pitchFamily="18" charset="0"/>
+                                <a:ea typeface="Cambria Math" panose="02040503050406030204" pitchFamily="18" charset="0"/>
+                              </a:rPr>
+                              <m:t>𝜃</m:t>
+                            </m:r>
+                          </m:e>
+                          <m:sub>
+                            <m:r>
+                              <a:rPr lang="en-US" b="0" i="1" smtClean="0">
+                                <a:latin typeface="Cambria Math" panose="02040503050406030204" pitchFamily="18" charset="0"/>
+                              </a:rPr>
+                              <m:t>𝑖</m:t>
+                            </m:r>
+                          </m:sub>
+                        </m:sSub>
+                      </m:e>
+                    </m:acc>
+                  </m:oMath>
+                </a14:m>
+                <a:r>
+                  <a:rPr lang="en-SG" dirty="0" smtClean="0"/>
+                  <a:t> impacting each </a:t>
+                </a:r>
+                <a:r>
+                  <a:rPr lang="en-SG" dirty="0"/>
+                  <a:t>neuron's activation. Such weights hold the knowledge </a:t>
+                </a:r>
+                <a:r>
+                  <a:rPr lang="en-SG" dirty="0" smtClean="0"/>
+                  <a:t>of a </a:t>
+                </a:r>
+                <a:r>
+                  <a:rPr lang="en-SG" dirty="0"/>
+                  <a:t>DNN model </a:t>
+                </a:r>
+                <a14:m>
+                  <m:oMath xmlns:m="http://schemas.openxmlformats.org/officeDocument/2006/math">
+                    <m:r>
+                      <a:rPr lang="en-US" b="0" i="1" smtClean="0">
+                        <a:latin typeface="Cambria Math" panose="02040503050406030204" pitchFamily="18" charset="0"/>
+                      </a:rPr>
+                      <m:t>𝐹</m:t>
+                    </m:r>
+                  </m:oMath>
+                </a14:m>
+                <a:r>
+                  <a:rPr lang="en-SG" dirty="0" smtClean="0"/>
+                  <a:t> </a:t>
+                </a:r>
+                <a:r>
+                  <a:rPr lang="en-SG" dirty="0"/>
+                  <a:t>and are evaluated during its training </a:t>
+                </a:r>
+                <a:r>
+                  <a:rPr lang="en-SG" dirty="0" smtClean="0"/>
+                  <a:t>phase.</a:t>
+                </a:r>
+              </a:p>
+              <a:p>
+                <a:pPr algn="just"/>
+                <a:r>
+                  <a:rPr lang="en-SG" dirty="0"/>
+                  <a:t>Thus, a DNN </a:t>
+                </a:r>
+                <a:r>
+                  <a:rPr lang="en-SG" dirty="0" smtClean="0"/>
+                  <a:t>defines </a:t>
+                </a:r>
+                <a:r>
+                  <a:rPr lang="en-SG" dirty="0"/>
+                  <a:t>and computes</a:t>
+                </a:r>
+              </a:p>
+            </p:txBody>
+          </p:sp>
+        </mc:Choice>
+        <mc:Fallback>
+          <p:sp>
+            <p:nvSpPr>
+              <p:cNvPr id="3" name="Content Placeholder 2"/>
+              <p:cNvSpPr>
+                <a:spLocks noGrp="1" noRot="1" noChangeAspect="1" noMove="1" noResize="1" noEditPoints="1" noAdjustHandles="1" noChangeArrowheads="1" noChangeShapeType="1" noTextEdit="1"/>
+              </p:cNvSpPr>
+              <p:nvPr>
+                <p:ph idx="1"/>
+              </p:nvPr>
+            </p:nvSpPr>
+            <p:spPr>
+              <a:xfrm>
+                <a:off x="2589212" y="2128058"/>
+                <a:ext cx="8915400" cy="3783165"/>
+              </a:xfrm>
+              <a:blipFill>
+                <a:blip r:embed="rId2"/>
+                <a:stretch>
+                  <a:fillRect l="-479" t="-805" r="-547"/>
+                </a:stretch>
+              </a:blipFill>
+            </p:spPr>
+            <p:txBody>
+              <a:bodyPr/>
+              <a:lstStyle/>
+              <a:p>
+                <a:r>
+                  <a:rPr lang="en-US">
+                    <a:noFill/>
+                  </a:rPr>
+                  <a:t> </a:t>
+                </a:r>
+              </a:p>
+            </p:txBody>
+          </p:sp>
+        </mc:Fallback>
+      </mc:AlternateContent>
+      <p:sp>
+        <p:nvSpPr>
+          <p:cNvPr id="24" name="Date Placeholder 23"/>
+          <p:cNvSpPr>
+            <a:spLocks noGrp="1"/>
+          </p:cNvSpPr>
+          <p:nvPr>
+            <p:ph type="dt" sz="half" idx="10"/>
+          </p:nvPr>
+        </p:nvSpPr>
+        <p:spPr/>
+        <p:txBody>
+          <a:bodyPr/>
+          <a:lstStyle/>
+          <a:p>
+            <a:fld id="{2EFB6F28-65EE-44D6-BFFE-56AB02E1ABA6}" type="datetime1">
+              <a:rPr lang="en-US" smtClean="0"/>
+              <a:t>9/4/2017</a:t>
+            </a:fld>
+            <a:endParaRPr lang="en-US" dirty="0"/>
+          </a:p>
+        </p:txBody>
+      </p:sp>
+      <p:sp>
+        <p:nvSpPr>
+          <p:cNvPr id="26" name="Slide Number Placeholder 25"/>
+          <p:cNvSpPr>
+            <a:spLocks noGrp="1"/>
+          </p:cNvSpPr>
+          <p:nvPr>
+            <p:ph type="sldNum" sz="quarter" idx="12"/>
+          </p:nvPr>
+        </p:nvSpPr>
+        <p:spPr/>
+        <p:txBody>
+          <a:bodyPr/>
+          <a:lstStyle/>
+          <a:p>
+            <a:fld id="{D57F1E4F-1CFF-5643-939E-217C01CDF565}" type="slidenum">
+              <a:rPr lang="en-US" smtClean="0"/>
+              <a:pPr/>
+              <a:t>5</a:t>
+            </a:fld>
+            <a:endParaRPr lang="en-US" dirty="0"/>
+          </a:p>
+        </p:txBody>
+      </p:sp>
+      <p:sp>
+        <p:nvSpPr>
+          <p:cNvPr id="17" name="TextBox 16"/>
+          <p:cNvSpPr txBox="1"/>
+          <p:nvPr/>
+        </p:nvSpPr>
+        <p:spPr>
+          <a:xfrm>
+            <a:off x="2589212" y="6465498"/>
+            <a:ext cx="8915400" cy="272415"/>
+          </a:xfrm>
+          <a:prstGeom prst="roundRect">
+            <a:avLst/>
+          </a:prstGeom>
+          <a:solidFill>
+            <a:srgbClr val="2E5369"/>
+          </a:solidFill>
+        </p:spPr>
+        <p:txBody>
+          <a:bodyPr wrap="square" rtlCol="0">
+            <a:spAutoFit/>
+          </a:bodyPr>
+          <a:lstStyle/>
+          <a:p>
+            <a:pPr algn="ctr"/>
+            <a:r>
+              <a:rPr lang="en-SG" sz="1000" dirty="0">
+                <a:solidFill>
+                  <a:schemeClr val="bg1"/>
+                </a:solidFill>
+              </a:rPr>
+              <a:t>Practical Black-Box Attacks against Machine </a:t>
+            </a:r>
+            <a:r>
+              <a:rPr lang="en-SG" sz="1000" dirty="0" smtClean="0">
+                <a:solidFill>
+                  <a:schemeClr val="bg1"/>
+                </a:solidFill>
+              </a:rPr>
+              <a:t>Learning – </a:t>
+            </a:r>
+            <a:r>
+              <a:rPr lang="en-US" sz="1000" dirty="0" smtClean="0">
+                <a:solidFill>
+                  <a:schemeClr val="bg1"/>
+                </a:solidFill>
+              </a:rPr>
+              <a:t>Papernot et. al., ASIA CCS ‘17</a:t>
+            </a:r>
+            <a:endParaRPr lang="en-US" sz="1000" dirty="0">
+              <a:solidFill>
+                <a:schemeClr val="bg1"/>
+              </a:solidFill>
+            </a:endParaRPr>
+          </a:p>
+        </p:txBody>
+      </p:sp>
+      <p:pic>
+        <p:nvPicPr>
+          <p:cNvPr id="5" name="Picture 4"/>
+          <p:cNvPicPr>
+            <a:picLocks noChangeAspect="1"/>
+          </p:cNvPicPr>
+          <p:nvPr/>
+        </p:nvPicPr>
+        <p:blipFill>
+          <a:blip r:embed="rId3">
+            <a:clrChange>
+              <a:clrFrom>
+                <a:srgbClr val="FFFFFF"/>
+              </a:clrFrom>
+              <a:clrTo>
+                <a:srgbClr val="FFFFFF">
+                  <a:alpha val="0"/>
+                </a:srgbClr>
+              </a:clrTo>
+            </a:clrChange>
+          </a:blip>
+          <a:stretch>
+            <a:fillRect/>
+          </a:stretch>
+        </p:blipFill>
+        <p:spPr>
+          <a:xfrm>
+            <a:off x="9251078" y="0"/>
+            <a:ext cx="2940922" cy="2128058"/>
+          </a:xfrm>
+          <a:prstGeom prst="rect">
+            <a:avLst/>
+          </a:prstGeom>
+        </p:spPr>
+      </p:pic>
+      <mc:AlternateContent xmlns:mc="http://schemas.openxmlformats.org/markup-compatibility/2006">
+        <mc:Choice xmlns:a14="http://schemas.microsoft.com/office/drawing/2010/main" Requires="a14">
+          <p:sp>
+            <p:nvSpPr>
+              <p:cNvPr id="10" name="TextBox 9"/>
+              <p:cNvSpPr txBox="1"/>
+              <p:nvPr/>
+            </p:nvSpPr>
+            <p:spPr>
+              <a:xfrm>
+                <a:off x="4765133" y="5261957"/>
+                <a:ext cx="4563557" cy="319639"/>
+              </a:xfrm>
+              <a:prstGeom prst="rect">
+                <a:avLst/>
+              </a:prstGeom>
+              <a:noFill/>
+            </p:spPr>
+            <p:txBody>
+              <a:bodyPr wrap="none" lIns="0" tIns="0" rIns="0" bIns="0" rtlCol="0">
+                <a:spAutoFit/>
+              </a:bodyPr>
+              <a:lstStyle/>
+              <a:p>
+                <a14:m>
+                  <m:oMathPara xmlns:m="http://schemas.openxmlformats.org/officeDocument/2006/math">
+                    <m:oMathParaPr>
+                      <m:jc m:val="centerGroup"/>
+                    </m:oMathParaPr>
+                    <m:oMath xmlns:m="http://schemas.openxmlformats.org/officeDocument/2006/math">
+                      <m:r>
+                        <a:rPr lang="en-US" b="0" i="1" smtClean="0">
+                          <a:latin typeface="Cambria Math" panose="02040503050406030204" pitchFamily="18" charset="0"/>
+                        </a:rPr>
+                        <m:t>𝐹</m:t>
+                      </m:r>
+                      <m:d>
+                        <m:dPr>
+                          <m:ctrlPr>
+                            <a:rPr lang="en-US" b="0" i="1" smtClean="0">
+                              <a:latin typeface="Cambria Math" panose="02040503050406030204" pitchFamily="18" charset="0"/>
+                            </a:rPr>
+                          </m:ctrlPr>
+                        </m:dPr>
+                        <m:e>
+                          <m:acc>
+                            <m:accPr>
+                              <m:chr m:val="⃗"/>
+                              <m:ctrlPr>
+                                <a:rPr lang="en-US" b="0" i="1" smtClean="0">
+                                  <a:latin typeface="Cambria Math" panose="02040503050406030204" pitchFamily="18" charset="0"/>
+                                </a:rPr>
+                              </m:ctrlPr>
+                            </m:accPr>
+                            <m:e>
+                              <m:r>
+                                <a:rPr lang="en-US" b="0" i="1" smtClean="0">
+                                  <a:latin typeface="Cambria Math" panose="02040503050406030204" pitchFamily="18" charset="0"/>
+                                </a:rPr>
+                                <m:t>𝑥</m:t>
+                              </m:r>
+                            </m:e>
+                          </m:acc>
+                        </m:e>
+                      </m:d>
+                      <m:r>
+                        <a:rPr lang="en-US" b="0" i="1" smtClean="0">
+                          <a:latin typeface="Cambria Math" panose="02040503050406030204" pitchFamily="18" charset="0"/>
+                        </a:rPr>
+                        <m:t>= </m:t>
+                      </m:r>
+                      <m:sSub>
+                        <m:sSubPr>
+                          <m:ctrlPr>
+                            <a:rPr lang="en-US" b="0" i="1" smtClean="0">
+                              <a:latin typeface="Cambria Math" panose="02040503050406030204" pitchFamily="18" charset="0"/>
+                            </a:rPr>
+                          </m:ctrlPr>
+                        </m:sSubPr>
+                        <m:e>
+                          <m:r>
+                            <a:rPr lang="en-US" b="0" i="1" smtClean="0">
+                              <a:latin typeface="Cambria Math" panose="02040503050406030204" pitchFamily="18" charset="0"/>
+                            </a:rPr>
+                            <m:t>𝑓</m:t>
+                          </m:r>
+                        </m:e>
+                        <m:sub>
+                          <m:r>
+                            <a:rPr lang="en-US" b="0" i="1" smtClean="0">
+                              <a:latin typeface="Cambria Math" panose="02040503050406030204" pitchFamily="18" charset="0"/>
+                            </a:rPr>
+                            <m:t>𝑛</m:t>
+                          </m:r>
+                        </m:sub>
+                      </m:sSub>
+                      <m:r>
+                        <a:rPr lang="en-US" b="0" i="1" smtClean="0">
+                          <a:latin typeface="Cambria Math" panose="02040503050406030204" pitchFamily="18" charset="0"/>
+                        </a:rPr>
+                        <m:t>(</m:t>
+                      </m:r>
+                      <m:acc>
+                        <m:accPr>
+                          <m:chr m:val="⃗"/>
+                          <m:ctrlPr>
+                            <a:rPr lang="en-US" b="0" i="1" smtClean="0">
+                              <a:latin typeface="Cambria Math" panose="02040503050406030204" pitchFamily="18" charset="0"/>
+                            </a:rPr>
+                          </m:ctrlPr>
+                        </m:accPr>
+                        <m:e>
+                          <m:sSub>
+                            <m:sSubPr>
+                              <m:ctrlPr>
+                                <a:rPr lang="en-US" b="0" i="1" smtClean="0">
+                                  <a:latin typeface="Cambria Math" panose="02040503050406030204" pitchFamily="18" charset="0"/>
+                                </a:rPr>
+                              </m:ctrlPr>
+                            </m:sSubPr>
+                            <m:e>
+                              <m:r>
+                                <a:rPr lang="en-US" b="0" i="1" smtClean="0">
+                                  <a:latin typeface="Cambria Math" panose="02040503050406030204" pitchFamily="18" charset="0"/>
+                                  <a:ea typeface="Cambria Math" panose="02040503050406030204" pitchFamily="18" charset="0"/>
+                                </a:rPr>
+                                <m:t>𝜃</m:t>
+                              </m:r>
+                            </m:e>
+                            <m:sub>
+                              <m:r>
+                                <a:rPr lang="en-US" b="0" i="1" smtClean="0">
+                                  <a:latin typeface="Cambria Math" panose="02040503050406030204" pitchFamily="18" charset="0"/>
+                                </a:rPr>
+                                <m:t>𝑛</m:t>
+                              </m:r>
+                            </m:sub>
+                          </m:sSub>
+                        </m:e>
+                      </m:acc>
+                      <m:r>
+                        <a:rPr lang="en-US" b="0" i="1" smtClean="0">
+                          <a:latin typeface="Cambria Math" panose="02040503050406030204" pitchFamily="18" charset="0"/>
+                        </a:rPr>
+                        <m:t>, </m:t>
+                      </m:r>
+                      <m:sSub>
+                        <m:sSubPr>
+                          <m:ctrlPr>
+                            <a:rPr lang="en-US" b="0" i="1" smtClean="0">
+                              <a:latin typeface="Cambria Math" panose="02040503050406030204" pitchFamily="18" charset="0"/>
+                            </a:rPr>
+                          </m:ctrlPr>
+                        </m:sSubPr>
+                        <m:e>
+                          <m:r>
+                            <a:rPr lang="en-US" b="0" i="1" smtClean="0">
+                              <a:latin typeface="Cambria Math" panose="02040503050406030204" pitchFamily="18" charset="0"/>
+                            </a:rPr>
+                            <m:t>𝑓</m:t>
+                          </m:r>
+                        </m:e>
+                        <m:sub>
+                          <m:r>
+                            <a:rPr lang="en-US" b="0" i="1" smtClean="0">
+                              <a:latin typeface="Cambria Math" panose="02040503050406030204" pitchFamily="18" charset="0"/>
+                            </a:rPr>
+                            <m:t>𝑛</m:t>
+                          </m:r>
+                          <m:r>
+                            <a:rPr lang="en-US" b="0" i="1" smtClean="0">
+                              <a:latin typeface="Cambria Math" panose="02040503050406030204" pitchFamily="18" charset="0"/>
+                            </a:rPr>
+                            <m:t>−1</m:t>
+                          </m:r>
+                        </m:sub>
+                      </m:sSub>
+                      <m:r>
+                        <a:rPr lang="en-US" b="0" i="1" smtClean="0">
+                          <a:latin typeface="Cambria Math" panose="02040503050406030204" pitchFamily="18" charset="0"/>
+                        </a:rPr>
+                        <m:t>(</m:t>
+                      </m:r>
+                      <m:acc>
+                        <m:accPr>
+                          <m:chr m:val="⃗"/>
+                          <m:ctrlPr>
+                            <a:rPr lang="en-US" i="1">
+                              <a:latin typeface="Cambria Math" panose="02040503050406030204" pitchFamily="18" charset="0"/>
+                            </a:rPr>
+                          </m:ctrlPr>
+                        </m:accPr>
+                        <m:e>
+                          <m:sSub>
+                            <m:sSubPr>
+                              <m:ctrlPr>
+                                <a:rPr lang="en-US" i="1">
+                                  <a:latin typeface="Cambria Math" panose="02040503050406030204" pitchFamily="18" charset="0"/>
+                                </a:rPr>
+                              </m:ctrlPr>
+                            </m:sSubPr>
+                            <m:e>
+                              <m:r>
+                                <a:rPr lang="en-US" i="1">
+                                  <a:latin typeface="Cambria Math" panose="02040503050406030204" pitchFamily="18" charset="0"/>
+                                  <a:ea typeface="Cambria Math" panose="02040503050406030204" pitchFamily="18" charset="0"/>
+                                </a:rPr>
+                                <m:t>𝜃</m:t>
+                              </m:r>
+                            </m:e>
+                            <m:sub>
+                              <m:r>
+                                <a:rPr lang="en-US" i="1">
+                                  <a:latin typeface="Cambria Math" panose="02040503050406030204" pitchFamily="18" charset="0"/>
+                                </a:rPr>
+                                <m:t>𝑛</m:t>
+                              </m:r>
+                              <m:r>
+                                <a:rPr lang="en-US" b="0" i="1" smtClean="0">
+                                  <a:latin typeface="Cambria Math" panose="02040503050406030204" pitchFamily="18" charset="0"/>
+                                </a:rPr>
+                                <m:t>−1</m:t>
+                              </m:r>
+                            </m:sub>
+                          </m:sSub>
+                        </m:e>
+                      </m:acc>
+                      <m:r>
+                        <a:rPr lang="en-US" i="1">
+                          <a:latin typeface="Cambria Math" panose="02040503050406030204" pitchFamily="18" charset="0"/>
+                        </a:rPr>
+                        <m:t>, </m:t>
+                      </m:r>
+                      <m:sSub>
+                        <m:sSubPr>
+                          <m:ctrlPr>
+                            <a:rPr lang="en-US" i="1">
+                              <a:latin typeface="Cambria Math" panose="02040503050406030204" pitchFamily="18" charset="0"/>
+                            </a:rPr>
+                          </m:ctrlPr>
+                        </m:sSubPr>
+                        <m:e>
+                          <m:r>
+                            <a:rPr lang="en-US" b="0" i="1" smtClean="0">
+                              <a:latin typeface="Cambria Math" panose="02040503050406030204" pitchFamily="18" charset="0"/>
+                            </a:rPr>
+                            <m:t>…</m:t>
+                          </m:r>
+                          <m:r>
+                            <a:rPr lang="en-US" i="1">
+                              <a:latin typeface="Cambria Math" panose="02040503050406030204" pitchFamily="18" charset="0"/>
+                            </a:rPr>
+                            <m:t>𝑓</m:t>
+                          </m:r>
+                        </m:e>
+                        <m:sub>
+                          <m:r>
+                            <a:rPr lang="en-US" b="0" i="1" smtClean="0">
+                              <a:latin typeface="Cambria Math" panose="02040503050406030204" pitchFamily="18" charset="0"/>
+                            </a:rPr>
+                            <m:t>2</m:t>
+                          </m:r>
+                        </m:sub>
+                      </m:sSub>
+                      <m:r>
+                        <a:rPr lang="en-US" b="0" i="1" smtClean="0">
+                          <a:latin typeface="Cambria Math" panose="02040503050406030204" pitchFamily="18" charset="0"/>
+                        </a:rPr>
+                        <m:t>(</m:t>
+                      </m:r>
+                      <m:acc>
+                        <m:accPr>
+                          <m:chr m:val="⃗"/>
+                          <m:ctrlPr>
+                            <a:rPr lang="en-US" i="1">
+                              <a:latin typeface="Cambria Math" panose="02040503050406030204" pitchFamily="18" charset="0"/>
+                            </a:rPr>
+                          </m:ctrlPr>
+                        </m:accPr>
+                        <m:e>
+                          <m:sSub>
+                            <m:sSubPr>
+                              <m:ctrlPr>
+                                <a:rPr lang="en-US" i="1">
+                                  <a:latin typeface="Cambria Math" panose="02040503050406030204" pitchFamily="18" charset="0"/>
+                                </a:rPr>
+                              </m:ctrlPr>
+                            </m:sSubPr>
+                            <m:e>
+                              <m:r>
+                                <a:rPr lang="en-US" i="1">
+                                  <a:latin typeface="Cambria Math" panose="02040503050406030204" pitchFamily="18" charset="0"/>
+                                  <a:ea typeface="Cambria Math" panose="02040503050406030204" pitchFamily="18" charset="0"/>
+                                </a:rPr>
+                                <m:t>𝜃</m:t>
+                              </m:r>
+                            </m:e>
+                            <m:sub>
+                              <m:r>
+                                <a:rPr lang="en-US" b="0" i="1" smtClean="0">
+                                  <a:latin typeface="Cambria Math" panose="02040503050406030204" pitchFamily="18" charset="0"/>
+                                  <a:ea typeface="Cambria Math" panose="02040503050406030204" pitchFamily="18" charset="0"/>
+                                </a:rPr>
+                                <m:t>2</m:t>
+                              </m:r>
+                            </m:sub>
+                          </m:sSub>
+                        </m:e>
+                      </m:acc>
+                      <m:r>
+                        <a:rPr lang="en-US" i="1">
+                          <a:latin typeface="Cambria Math" panose="02040503050406030204" pitchFamily="18" charset="0"/>
+                        </a:rPr>
+                        <m:t>, </m:t>
+                      </m:r>
+                      <m:sSub>
+                        <m:sSubPr>
+                          <m:ctrlPr>
+                            <a:rPr lang="en-US" i="1">
+                              <a:latin typeface="Cambria Math" panose="02040503050406030204" pitchFamily="18" charset="0"/>
+                            </a:rPr>
+                          </m:ctrlPr>
+                        </m:sSubPr>
+                        <m:e>
+                          <m:r>
+                            <a:rPr lang="en-US" i="1">
+                              <a:latin typeface="Cambria Math" panose="02040503050406030204" pitchFamily="18" charset="0"/>
+                            </a:rPr>
+                            <m:t>𝑓</m:t>
+                          </m:r>
+                        </m:e>
+                        <m:sub>
+                          <m:r>
+                            <a:rPr lang="en-US" i="1">
+                              <a:latin typeface="Cambria Math" panose="02040503050406030204" pitchFamily="18" charset="0"/>
+                            </a:rPr>
+                            <m:t>1</m:t>
+                          </m:r>
+                        </m:sub>
+                      </m:sSub>
+                      <m:r>
+                        <a:rPr lang="en-US" b="0" i="1" smtClean="0">
+                          <a:latin typeface="Cambria Math" panose="02040503050406030204" pitchFamily="18" charset="0"/>
+                        </a:rPr>
+                        <m:t>(</m:t>
+                      </m:r>
+                      <m:acc>
+                        <m:accPr>
+                          <m:chr m:val="⃗"/>
+                          <m:ctrlPr>
+                            <a:rPr lang="en-US" i="1">
+                              <a:latin typeface="Cambria Math" panose="02040503050406030204" pitchFamily="18" charset="0"/>
+                            </a:rPr>
+                          </m:ctrlPr>
+                        </m:accPr>
+                        <m:e>
+                          <m:sSub>
+                            <m:sSubPr>
+                              <m:ctrlPr>
+                                <a:rPr lang="en-US" i="1">
+                                  <a:latin typeface="Cambria Math" panose="02040503050406030204" pitchFamily="18" charset="0"/>
+                                </a:rPr>
+                              </m:ctrlPr>
+                            </m:sSubPr>
+                            <m:e>
+                              <m:r>
+                                <a:rPr lang="en-US" i="1">
+                                  <a:latin typeface="Cambria Math" panose="02040503050406030204" pitchFamily="18" charset="0"/>
+                                  <a:ea typeface="Cambria Math" panose="02040503050406030204" pitchFamily="18" charset="0"/>
+                                </a:rPr>
+                                <m:t>𝜃</m:t>
+                              </m:r>
+                            </m:e>
+                            <m:sub>
+                              <m:r>
+                                <a:rPr lang="en-US" b="0" i="1" smtClean="0">
+                                  <a:latin typeface="Cambria Math" panose="02040503050406030204" pitchFamily="18" charset="0"/>
+                                  <a:ea typeface="Cambria Math" panose="02040503050406030204" pitchFamily="18" charset="0"/>
+                                </a:rPr>
+                                <m:t>1</m:t>
+                              </m:r>
+                            </m:sub>
+                          </m:sSub>
+                        </m:e>
+                      </m:acc>
+                      <m:r>
+                        <a:rPr lang="en-US" i="1">
+                          <a:latin typeface="Cambria Math" panose="02040503050406030204" pitchFamily="18" charset="0"/>
+                        </a:rPr>
+                        <m:t>,</m:t>
+                      </m:r>
+                      <m:acc>
+                        <m:accPr>
+                          <m:chr m:val="⃗"/>
+                          <m:ctrlPr>
+                            <a:rPr lang="en-US" b="0" i="1" smtClean="0">
+                              <a:latin typeface="Cambria Math" panose="02040503050406030204" pitchFamily="18" charset="0"/>
+                            </a:rPr>
+                          </m:ctrlPr>
+                        </m:accPr>
+                        <m:e>
+                          <m:r>
+                            <a:rPr lang="en-US" b="0" i="1" smtClean="0">
+                              <a:latin typeface="Cambria Math" panose="02040503050406030204" pitchFamily="18" charset="0"/>
+                            </a:rPr>
+                            <m:t>𝑥</m:t>
+                          </m:r>
+                        </m:e>
+                      </m:acc>
+                      <m:r>
+                        <a:rPr lang="en-US" b="0" i="1" smtClean="0">
+                          <a:latin typeface="Cambria Math" panose="02040503050406030204" pitchFamily="18" charset="0"/>
+                        </a:rPr>
+                        <m:t>))</m:t>
+                      </m:r>
+                      <m:r>
+                        <a:rPr lang="en-US" b="0" i="1" smtClean="0">
+                          <a:latin typeface="Cambria Math" panose="02040503050406030204" pitchFamily="18" charset="0"/>
+                        </a:rPr>
+                        <m:t>))</m:t>
+                      </m:r>
+                    </m:oMath>
+                  </m:oMathPara>
+                </a14:m>
+                <a:endParaRPr lang="en-US" dirty="0"/>
+              </a:p>
+            </p:txBody>
+          </p:sp>
+        </mc:Choice>
+        <mc:Fallback>
+          <p:sp>
+            <p:nvSpPr>
+              <p:cNvPr id="10" name="TextBox 9"/>
+              <p:cNvSpPr txBox="1">
+                <a:spLocks noRot="1" noChangeAspect="1" noMove="1" noResize="1" noEditPoints="1" noAdjustHandles="1" noChangeArrowheads="1" noChangeShapeType="1" noTextEdit="1"/>
+              </p:cNvSpPr>
+              <p:nvPr/>
+            </p:nvSpPr>
+            <p:spPr>
+              <a:xfrm>
+                <a:off x="4765133" y="5261957"/>
+                <a:ext cx="4563557" cy="319639"/>
+              </a:xfrm>
+              <a:prstGeom prst="rect">
+                <a:avLst/>
+              </a:prstGeom>
+              <a:blipFill>
+                <a:blip r:embed="rId4"/>
+                <a:stretch>
+                  <a:fillRect l="-668" t="-24528" r="-1471" b="-30189"/>
+                </a:stretch>
+              </a:blipFill>
+            </p:spPr>
+            <p:txBody>
+              <a:bodyPr/>
+              <a:lstStyle/>
+              <a:p>
+                <a:r>
+                  <a:rPr lang="en-US">
+                    <a:noFill/>
+                  </a:rPr>
+                  <a:t> </a:t>
+                </a:r>
+              </a:p>
+            </p:txBody>
+          </p:sp>
+        </mc:Fallback>
+      </mc:AlternateContent>
+    </p:spTree>
+    <p:extLst>
+      <p:ext uri="{BB962C8B-B14F-4D97-AF65-F5344CB8AC3E}">
+        <p14:creationId xmlns:p14="http://schemas.microsoft.com/office/powerpoint/2010/main" val="3578575788"/>
+      </p:ext>
+    </p:extLst>
+  </p:cSld>
+  <p:clrMapOvr>
+    <a:masterClrMapping/>
+  </p:clrMapOvr>
+  <p:timing>
+    <p:tnLst>
+      <p:par>
+        <p:cTn id="1" dur="indefinite" restart="never" nodeType="tmRoot"/>
+      </p:par>
+    </p:tnLst>
+  </p:timing>
+</p:sld>
+</file>
+
+<file path=ppt/slides/slide6.xml><?xml version="1.0" encoding="utf-8"?>
+<p:sld xmlns:a="http://schemas.openxmlformats.org/drawingml/2006/main" xmlns:r="http://schemas.openxmlformats.org/officeDocument/2006/relationships" xmlns:p="http://schemas.openxmlformats.org/presentationml/2006/main">
+  <p:cSld>
+    <p:spTree>
+      <p:nvGrpSpPr>
+        <p:cNvPr id="1" name=""/>
+        <p:cNvGrpSpPr/>
+        <p:nvPr/>
+      </p:nvGrpSpPr>
+      <p:grpSpPr>
+        <a:xfrm>
+          <a:off x="0" y="0"/>
+          <a:ext cx="0" cy="0"/>
+          <a:chOff x="0" y="0"/>
+          <a:chExt cx="0" cy="0"/>
+        </a:xfrm>
+      </p:grpSpPr>
+      <p:sp>
+        <p:nvSpPr>
+          <p:cNvPr id="2" name="Title 1"/>
+          <p:cNvSpPr>
+            <a:spLocks noGrp="1"/>
+          </p:cNvSpPr>
+          <p:nvPr>
+            <p:ph type="title"/>
+          </p:nvPr>
+        </p:nvSpPr>
+        <p:spPr>
+          <a:xfrm>
+            <a:off x="2592925" y="624110"/>
+            <a:ext cx="8911687" cy="650300"/>
+          </a:xfrm>
+        </p:spPr>
+        <p:txBody>
+          <a:bodyPr/>
+          <a:lstStyle/>
+          <a:p>
+            <a:r>
+              <a:rPr lang="en-US" dirty="0" smtClean="0"/>
+              <a:t>Deep Neural Network</a:t>
+            </a:r>
+            <a:endParaRPr lang="en-US" dirty="0"/>
+          </a:p>
+        </p:txBody>
+      </p:sp>
+      <mc:AlternateContent xmlns:mc="http://schemas.openxmlformats.org/markup-compatibility/2006">
+        <mc:Choice xmlns:a14="http://schemas.microsoft.com/office/drawing/2010/main" Requires="a14">
+          <p:sp>
+            <p:nvSpPr>
+              <p:cNvPr id="3" name="Content Placeholder 2"/>
+              <p:cNvSpPr>
+                <a:spLocks noGrp="1"/>
+              </p:cNvSpPr>
+              <p:nvPr>
+                <p:ph idx="1"/>
+              </p:nvPr>
+            </p:nvSpPr>
+            <p:spPr>
+              <a:xfrm>
+                <a:off x="2589212" y="2128058"/>
+                <a:ext cx="8915400" cy="3783165"/>
+              </a:xfrm>
+            </p:spPr>
+            <p:txBody>
+              <a:bodyPr>
+                <a:normAutofit lnSpcReduction="10000"/>
+              </a:bodyPr>
+              <a:lstStyle/>
+              <a:p>
+                <a:pPr algn="just"/>
+                <a:r>
+                  <a:rPr lang="en-SG" dirty="0"/>
+                  <a:t>The </a:t>
+                </a:r>
+                <a:r>
+                  <a:rPr lang="en-SG" b="1" i="1" dirty="0"/>
+                  <a:t>training phase</a:t>
+                </a:r>
+                <a:r>
+                  <a:rPr lang="en-SG" dirty="0"/>
+                  <a:t> of a DNN F learns values for its </a:t>
+                </a:r>
+                <a:r>
+                  <a:rPr lang="en-SG" dirty="0" smtClean="0"/>
+                  <a:t>parameters </a:t>
+                </a:r>
+                <a14:m>
+                  <m:oMath xmlns:m="http://schemas.openxmlformats.org/officeDocument/2006/math">
+                    <m:acc>
+                      <m:accPr>
+                        <m:chr m:val="⃗"/>
+                        <m:ctrlPr>
+                          <a:rPr lang="en-SG" i="1" smtClean="0">
+                            <a:latin typeface="Cambria Math" panose="02040503050406030204" pitchFamily="18" charset="0"/>
+                          </a:rPr>
+                        </m:ctrlPr>
+                      </m:accPr>
+                      <m:e>
+                        <m:sSub>
+                          <m:sSubPr>
+                            <m:ctrlPr>
+                              <a:rPr lang="en-SG" i="1">
+                                <a:latin typeface="Cambria Math" panose="02040503050406030204" pitchFamily="18" charset="0"/>
+                              </a:rPr>
+                            </m:ctrlPr>
+                          </m:sSubPr>
+                          <m:e>
+                            <m:r>
+                              <a:rPr lang="en-SG" i="1">
+                                <a:latin typeface="Cambria Math" panose="02040503050406030204" pitchFamily="18" charset="0"/>
+                                <a:ea typeface="Cambria Math" panose="02040503050406030204" pitchFamily="18" charset="0"/>
+                              </a:rPr>
+                              <m:t>𝜃</m:t>
+                            </m:r>
+                          </m:e>
+                          <m:sub>
+                            <m:r>
+                              <a:rPr lang="en-US" i="1">
+                                <a:latin typeface="Cambria Math" panose="02040503050406030204" pitchFamily="18" charset="0"/>
+                              </a:rPr>
+                              <m:t>𝐹</m:t>
+                            </m:r>
+                          </m:sub>
+                        </m:sSub>
+                      </m:e>
+                    </m:acc>
+                    <m:r>
+                      <a:rPr lang="en-US" i="1">
+                        <a:latin typeface="Cambria Math" panose="02040503050406030204" pitchFamily="18" charset="0"/>
+                      </a:rPr>
+                      <m:t>={</m:t>
+                    </m:r>
+                    <m:sSub>
+                      <m:sSubPr>
+                        <m:ctrlPr>
+                          <a:rPr lang="en-SG" i="1">
+                            <a:latin typeface="Cambria Math" panose="02040503050406030204" pitchFamily="18" charset="0"/>
+                          </a:rPr>
+                        </m:ctrlPr>
+                      </m:sSubPr>
+                      <m:e>
+                        <m:r>
+                          <a:rPr lang="en-SG" i="1">
+                            <a:latin typeface="Cambria Math" panose="02040503050406030204" pitchFamily="18" charset="0"/>
+                            <a:ea typeface="Cambria Math" panose="02040503050406030204" pitchFamily="18" charset="0"/>
+                          </a:rPr>
+                          <m:t>𝜃</m:t>
+                        </m:r>
+                      </m:e>
+                      <m:sub>
+                        <m:r>
+                          <a:rPr lang="en-US" i="1">
+                            <a:latin typeface="Cambria Math" panose="02040503050406030204" pitchFamily="18" charset="0"/>
+                            <a:ea typeface="Cambria Math" panose="02040503050406030204" pitchFamily="18" charset="0"/>
+                          </a:rPr>
+                          <m:t>1</m:t>
+                        </m:r>
+                      </m:sub>
+                    </m:sSub>
+                    <m:r>
+                      <a:rPr lang="en-US" i="1">
+                        <a:latin typeface="Cambria Math" panose="02040503050406030204" pitchFamily="18" charset="0"/>
+                      </a:rPr>
+                      <m:t>,…,</m:t>
+                    </m:r>
+                    <m:sSub>
+                      <m:sSubPr>
+                        <m:ctrlPr>
+                          <a:rPr lang="en-SG" i="1">
+                            <a:latin typeface="Cambria Math" panose="02040503050406030204" pitchFamily="18" charset="0"/>
+                          </a:rPr>
+                        </m:ctrlPr>
+                      </m:sSubPr>
+                      <m:e>
+                        <m:r>
+                          <a:rPr lang="en-SG" i="1">
+                            <a:latin typeface="Cambria Math" panose="02040503050406030204" pitchFamily="18" charset="0"/>
+                            <a:ea typeface="Cambria Math" panose="02040503050406030204" pitchFamily="18" charset="0"/>
+                          </a:rPr>
+                          <m:t>𝜃</m:t>
+                        </m:r>
+                      </m:e>
+                      <m:sub>
+                        <m:r>
+                          <a:rPr lang="en-US" i="1">
+                            <a:latin typeface="Cambria Math" panose="02040503050406030204" pitchFamily="18" charset="0"/>
+                            <a:ea typeface="Cambria Math" panose="02040503050406030204" pitchFamily="18" charset="0"/>
+                          </a:rPr>
+                          <m:t>𝑛</m:t>
+                        </m:r>
+                      </m:sub>
+                    </m:sSub>
+                    <m:r>
+                      <a:rPr lang="en-US" i="1">
+                        <a:latin typeface="Cambria Math" panose="02040503050406030204" pitchFamily="18" charset="0"/>
+                      </a:rPr>
+                      <m:t>}</m:t>
+                    </m:r>
+                  </m:oMath>
+                </a14:m>
+                <a:r>
+                  <a:rPr lang="en-SG" dirty="0"/>
+                  <a:t>.</a:t>
+                </a:r>
+              </a:p>
+              <a:p>
+                <a:pPr lvl="1" algn="just"/>
+                <a:r>
+                  <a:rPr lang="en-SG" dirty="0"/>
+                  <a:t>For a classification tasks, where the goal is to assign inputs a label among a predefined set of labels, the DNN is given a large set of known input-output pairs </a:t>
+                </a:r>
+                <a14:m>
+                  <m:oMath xmlns:m="http://schemas.openxmlformats.org/officeDocument/2006/math">
+                    <m:r>
+                      <a:rPr lang="en-US">
+                        <a:latin typeface="Cambria Math" panose="02040503050406030204" pitchFamily="18" charset="0"/>
+                      </a:rPr>
+                      <m:t>(</m:t>
+                    </m:r>
+                    <m:acc>
+                      <m:accPr>
+                        <m:chr m:val="⃗"/>
+                        <m:ctrlPr>
+                          <a:rPr lang="en-SG" i="1">
+                            <a:latin typeface="Cambria Math" panose="02040503050406030204" pitchFamily="18" charset="0"/>
+                          </a:rPr>
+                        </m:ctrlPr>
+                      </m:accPr>
+                      <m:e>
+                        <m:r>
+                          <a:rPr lang="en-US" i="1">
+                            <a:latin typeface="Cambria Math" panose="02040503050406030204" pitchFamily="18" charset="0"/>
+                          </a:rPr>
+                          <m:t>𝑥</m:t>
+                        </m:r>
+                      </m:e>
+                    </m:acc>
+                    <m:r>
+                      <a:rPr lang="en-US" i="1">
+                        <a:latin typeface="Cambria Math" panose="02040503050406030204" pitchFamily="18" charset="0"/>
+                      </a:rPr>
+                      <m:t>, </m:t>
+                    </m:r>
+                    <m:acc>
+                      <m:accPr>
+                        <m:chr m:val="⃗"/>
+                        <m:ctrlPr>
+                          <a:rPr lang="en-US" i="1">
+                            <a:latin typeface="Cambria Math" panose="02040503050406030204" pitchFamily="18" charset="0"/>
+                          </a:rPr>
+                        </m:ctrlPr>
+                      </m:accPr>
+                      <m:e>
+                        <m:r>
+                          <a:rPr lang="en-US" i="1">
+                            <a:latin typeface="Cambria Math" panose="02040503050406030204" pitchFamily="18" charset="0"/>
+                          </a:rPr>
+                          <m:t>𝑦</m:t>
+                        </m:r>
+                      </m:e>
+                    </m:acc>
+                    <m:r>
+                      <a:rPr lang="en-US" i="1">
+                        <a:latin typeface="Cambria Math" panose="02040503050406030204" pitchFamily="18" charset="0"/>
+                      </a:rPr>
+                      <m:t>)</m:t>
+                    </m:r>
+                  </m:oMath>
+                </a14:m>
+                <a:r>
+                  <a:rPr lang="en-SG" dirty="0"/>
+                  <a:t> and it adjusts weight parameters to reduce a cost quantifying the prediction error between the prediction </a:t>
+                </a:r>
+                <a14:m>
+                  <m:oMath xmlns:m="http://schemas.openxmlformats.org/officeDocument/2006/math">
+                    <m:r>
+                      <a:rPr lang="en-US" i="1">
+                        <a:latin typeface="Cambria Math" panose="02040503050406030204" pitchFamily="18" charset="0"/>
+                      </a:rPr>
+                      <m:t>𝐹</m:t>
+                    </m:r>
+                    <m:r>
+                      <a:rPr lang="en-US" i="1">
+                        <a:latin typeface="Cambria Math" panose="02040503050406030204" pitchFamily="18" charset="0"/>
+                      </a:rPr>
+                      <m:t>(</m:t>
+                    </m:r>
+                    <m:acc>
+                      <m:accPr>
+                        <m:chr m:val="⃗"/>
+                        <m:ctrlPr>
+                          <a:rPr lang="en-US" i="1">
+                            <a:latin typeface="Cambria Math" panose="02040503050406030204" pitchFamily="18" charset="0"/>
+                          </a:rPr>
+                        </m:ctrlPr>
+                      </m:accPr>
+                      <m:e>
+                        <m:r>
+                          <a:rPr lang="en-US" i="1">
+                            <a:latin typeface="Cambria Math" panose="02040503050406030204" pitchFamily="18" charset="0"/>
+                          </a:rPr>
+                          <m:t>𝑥</m:t>
+                        </m:r>
+                      </m:e>
+                    </m:acc>
+                    <m:r>
+                      <a:rPr lang="en-US" i="1">
+                        <a:latin typeface="Cambria Math" panose="02040503050406030204" pitchFamily="18" charset="0"/>
+                      </a:rPr>
+                      <m:t>)</m:t>
+                    </m:r>
+                  </m:oMath>
+                </a14:m>
+                <a:r>
+                  <a:rPr lang="en-SG" dirty="0"/>
+                  <a:t> </a:t>
+                </a:r>
+                <a:r>
+                  <a:rPr lang="en-SG" dirty="0"/>
+                  <a:t>and the correct output </a:t>
+                </a:r>
+                <a14:m>
+                  <m:oMath xmlns:m="http://schemas.openxmlformats.org/officeDocument/2006/math">
+                    <m:acc>
+                      <m:accPr>
+                        <m:chr m:val="⃗"/>
+                        <m:ctrlPr>
+                          <a:rPr lang="en-US" i="1">
+                            <a:latin typeface="Cambria Math" panose="02040503050406030204" pitchFamily="18" charset="0"/>
+                          </a:rPr>
+                        </m:ctrlPr>
+                      </m:accPr>
+                      <m:e>
+                        <m:r>
+                          <a:rPr lang="en-US" i="1">
+                            <a:latin typeface="Cambria Math" panose="02040503050406030204" pitchFamily="18" charset="0"/>
+                          </a:rPr>
+                          <m:t>𝑦</m:t>
+                        </m:r>
+                      </m:e>
+                    </m:acc>
+                  </m:oMath>
+                </a14:m>
+                <a:r>
+                  <a:rPr lang="en-SG" dirty="0"/>
+                  <a:t>. The adjustment is typically performed using techniques derived from the backpropagation algorithm.</a:t>
+                </a:r>
+              </a:p>
+              <a:p>
+                <a:r>
+                  <a:rPr lang="en-SG" dirty="0"/>
+                  <a:t>During the </a:t>
+                </a:r>
+                <a:r>
+                  <a:rPr lang="en-SG" b="1" i="1" dirty="0"/>
+                  <a:t>test </a:t>
+                </a:r>
+                <a:r>
+                  <a:rPr lang="en-SG" b="1" i="1" dirty="0"/>
+                  <a:t>phase</a:t>
+                </a:r>
+                <a:r>
+                  <a:rPr lang="en-SG" dirty="0"/>
+                  <a:t>, the </a:t>
+                </a:r>
+                <a:r>
+                  <a:rPr lang="en-SG" dirty="0"/>
+                  <a:t>DNN is deployed with a </a:t>
+                </a:r>
+                <a:r>
+                  <a:rPr lang="en-SG" dirty="0"/>
+                  <a:t>fixed set </a:t>
+                </a:r>
+                <a:r>
+                  <a:rPr lang="en-SG" dirty="0"/>
+                  <a:t>of parameters </a:t>
+                </a:r>
+                <a14:m>
+                  <m:oMath xmlns:m="http://schemas.openxmlformats.org/officeDocument/2006/math">
+                    <m:r>
+                      <a:rPr lang="en-SG" i="1" dirty="0">
+                        <a:latin typeface="Cambria Math" panose="02040503050406030204" pitchFamily="18" charset="0"/>
+                      </a:rPr>
+                      <m:t>𝐹</m:t>
+                    </m:r>
+                  </m:oMath>
+                </a14:m>
+                <a:r>
+                  <a:rPr lang="en-SG" dirty="0"/>
+                  <a:t> to make predictions on inputs </a:t>
+                </a:r>
+                <a:r>
+                  <a:rPr lang="en-SG" dirty="0"/>
+                  <a:t>unseen during training.</a:t>
+                </a:r>
+              </a:p>
+              <a:p>
+                <a:pPr lvl="1"/>
+                <a:r>
+                  <a:rPr lang="en-SG" dirty="0"/>
+                  <a:t>For a classification task </a:t>
+                </a:r>
+                <a:r>
+                  <a:rPr lang="en-SG" dirty="0"/>
+                  <a:t>the DNN </a:t>
+                </a:r>
+                <a:r>
+                  <a:rPr lang="en-SG" dirty="0"/>
+                  <a:t>produces a </a:t>
+                </a:r>
+                <a:r>
+                  <a:rPr lang="en-SG" dirty="0"/>
+                  <a:t>probability vector </a:t>
+                </a:r>
+                <a14:m>
+                  <m:oMath xmlns:m="http://schemas.openxmlformats.org/officeDocument/2006/math">
+                    <m:r>
+                      <a:rPr lang="en-US" i="1">
+                        <a:latin typeface="Cambria Math" panose="02040503050406030204" pitchFamily="18" charset="0"/>
+                      </a:rPr>
+                      <m:t>𝐹</m:t>
+                    </m:r>
+                    <m:r>
+                      <a:rPr lang="en-US" i="1">
+                        <a:latin typeface="Cambria Math" panose="02040503050406030204" pitchFamily="18" charset="0"/>
+                      </a:rPr>
+                      <m:t>(</m:t>
+                    </m:r>
+                    <m:acc>
+                      <m:accPr>
+                        <m:chr m:val="⃗"/>
+                        <m:ctrlPr>
+                          <a:rPr lang="en-US" i="1">
+                            <a:latin typeface="Cambria Math" panose="02040503050406030204" pitchFamily="18" charset="0"/>
+                          </a:rPr>
+                        </m:ctrlPr>
+                      </m:accPr>
+                      <m:e>
+                        <m:r>
+                          <a:rPr lang="en-US" i="1">
+                            <a:latin typeface="Cambria Math" panose="02040503050406030204" pitchFamily="18" charset="0"/>
+                          </a:rPr>
+                          <m:t>𝑥</m:t>
+                        </m:r>
+                      </m:e>
+                    </m:acc>
+                    <m:r>
+                      <a:rPr lang="en-US" i="1">
+                        <a:latin typeface="Cambria Math" panose="02040503050406030204" pitchFamily="18" charset="0"/>
+                      </a:rPr>
+                      <m:t>) </m:t>
+                    </m:r>
+                  </m:oMath>
+                </a14:m>
+                <a:r>
+                  <a:rPr lang="en-SG" dirty="0"/>
+                  <a:t> encoding </a:t>
+                </a:r>
+                <a:r>
+                  <a:rPr lang="en-SG" dirty="0"/>
+                  <a:t>its belief of input </a:t>
+                </a:r>
+                <a14:m>
+                  <m:oMath xmlns:m="http://schemas.openxmlformats.org/officeDocument/2006/math">
+                    <m:acc>
+                      <m:accPr>
+                        <m:chr m:val="⃗"/>
+                        <m:ctrlPr>
+                          <a:rPr lang="en-US" i="1">
+                            <a:latin typeface="Cambria Math" panose="02040503050406030204" pitchFamily="18" charset="0"/>
+                          </a:rPr>
+                        </m:ctrlPr>
+                      </m:accPr>
+                      <m:e>
+                        <m:r>
+                          <a:rPr lang="en-US" i="1">
+                            <a:latin typeface="Cambria Math" panose="02040503050406030204" pitchFamily="18" charset="0"/>
+                          </a:rPr>
+                          <m:t>𝑥</m:t>
+                        </m:r>
+                      </m:e>
+                    </m:acc>
+                  </m:oMath>
+                </a14:m>
+                <a:r>
+                  <a:rPr lang="en-SG" dirty="0"/>
+                  <a:t> </a:t>
+                </a:r>
+                <a:r>
+                  <a:rPr lang="en-SG" dirty="0"/>
+                  <a:t>being in </a:t>
+                </a:r>
+                <a:r>
+                  <a:rPr lang="en-SG" dirty="0"/>
+                  <a:t>each of the </a:t>
+                </a:r>
+                <a:r>
+                  <a:rPr lang="en-SG" dirty="0"/>
+                  <a:t>classes. </a:t>
+                </a:r>
+                <a:r>
+                  <a:rPr lang="en-SG" dirty="0"/>
+                  <a:t>The weight </a:t>
+                </a:r>
+                <a:r>
+                  <a:rPr lang="en-SG" dirty="0"/>
+                  <a:t>parameters </a:t>
+                </a:r>
+                <a14:m>
+                  <m:oMath xmlns:m="http://schemas.openxmlformats.org/officeDocument/2006/math">
+                    <m:sSub>
+                      <m:sSubPr>
+                        <m:ctrlPr>
+                          <a:rPr lang="en-SG" i="1">
+                            <a:latin typeface="Cambria Math" panose="02040503050406030204" pitchFamily="18" charset="0"/>
+                          </a:rPr>
+                        </m:ctrlPr>
+                      </m:sSubPr>
+                      <m:e>
+                        <m:r>
+                          <a:rPr lang="en-SG" i="1">
+                            <a:latin typeface="Cambria Math" panose="02040503050406030204" pitchFamily="18" charset="0"/>
+                            <a:ea typeface="Cambria Math" panose="02040503050406030204" pitchFamily="18" charset="0"/>
+                          </a:rPr>
+                          <m:t>𝜃</m:t>
+                        </m:r>
+                      </m:e>
+                      <m:sub>
+                        <m:r>
+                          <a:rPr lang="en-US" i="1">
+                            <a:latin typeface="Cambria Math" panose="02040503050406030204" pitchFamily="18" charset="0"/>
+                          </a:rPr>
+                          <m:t>𝐹</m:t>
+                        </m:r>
+                      </m:sub>
+                    </m:sSub>
+                  </m:oMath>
+                </a14:m>
+                <a:r>
+                  <a:rPr lang="en-SG" dirty="0"/>
+                  <a:t> hold </a:t>
+                </a:r>
+                <a:r>
+                  <a:rPr lang="en-SG" dirty="0"/>
+                  <a:t>the model knowledge acquired by training</a:t>
+                </a:r>
+                <a:r>
+                  <a:rPr lang="en-SG" dirty="0"/>
+                  <a:t>.</a:t>
+                </a:r>
+                <a:endParaRPr lang="en-SG" dirty="0"/>
+              </a:p>
+            </p:txBody>
+          </p:sp>
+        </mc:Choice>
+        <mc:Fallback>
+          <p:sp>
+            <p:nvSpPr>
+              <p:cNvPr id="3" name="Content Placeholder 2"/>
+              <p:cNvSpPr>
+                <a:spLocks noGrp="1" noRot="1" noChangeAspect="1" noMove="1" noResize="1" noEditPoints="1" noAdjustHandles="1" noChangeArrowheads="1" noChangeShapeType="1" noTextEdit="1"/>
+              </p:cNvSpPr>
+              <p:nvPr>
+                <p:ph idx="1"/>
+              </p:nvPr>
+            </p:nvSpPr>
+            <p:spPr>
+              <a:xfrm>
+                <a:off x="2589212" y="2128058"/>
+                <a:ext cx="8915400" cy="3783165"/>
+              </a:xfrm>
+              <a:blipFill>
+                <a:blip r:embed="rId2"/>
+                <a:stretch>
+                  <a:fillRect l="-479" t="-644" r="-342"/>
+                </a:stretch>
+              </a:blipFill>
+            </p:spPr>
+            <p:txBody>
+              <a:bodyPr/>
+              <a:lstStyle/>
+              <a:p>
+                <a:r>
+                  <a:rPr lang="en-US">
+                    <a:noFill/>
+                  </a:rPr>
+                  <a:t> </a:t>
+                </a:r>
+              </a:p>
+            </p:txBody>
+          </p:sp>
+        </mc:Fallback>
+      </mc:AlternateContent>
+      <p:sp>
+        <p:nvSpPr>
+          <p:cNvPr id="24" name="Date Placeholder 23"/>
+          <p:cNvSpPr>
+            <a:spLocks noGrp="1"/>
+          </p:cNvSpPr>
+          <p:nvPr>
+            <p:ph type="dt" sz="half" idx="10"/>
+          </p:nvPr>
+        </p:nvSpPr>
+        <p:spPr/>
+        <p:txBody>
+          <a:bodyPr/>
+          <a:lstStyle/>
+          <a:p>
+            <a:fld id="{2EFB6F28-65EE-44D6-BFFE-56AB02E1ABA6}" type="datetime1">
+              <a:rPr lang="en-US" smtClean="0"/>
+              <a:t>9/4/2017</a:t>
+            </a:fld>
+            <a:endParaRPr lang="en-US" dirty="0"/>
+          </a:p>
+        </p:txBody>
+      </p:sp>
+      <p:sp>
+        <p:nvSpPr>
+          <p:cNvPr id="26" name="Slide Number Placeholder 25"/>
+          <p:cNvSpPr>
+            <a:spLocks noGrp="1"/>
+          </p:cNvSpPr>
+          <p:nvPr>
+            <p:ph type="sldNum" sz="quarter" idx="12"/>
+          </p:nvPr>
+        </p:nvSpPr>
+        <p:spPr/>
+        <p:txBody>
+          <a:bodyPr/>
+          <a:lstStyle/>
+          <a:p>
+            <a:fld id="{D57F1E4F-1CFF-5643-939E-217C01CDF565}" type="slidenum">
+              <a:rPr lang="en-US" smtClean="0"/>
+              <a:pPr/>
+              <a:t>6</a:t>
+            </a:fld>
+            <a:endParaRPr lang="en-US" dirty="0"/>
+          </a:p>
+        </p:txBody>
+      </p:sp>
+      <p:sp>
+        <p:nvSpPr>
+          <p:cNvPr id="17" name="TextBox 16"/>
+          <p:cNvSpPr txBox="1"/>
+          <p:nvPr/>
+        </p:nvSpPr>
+        <p:spPr>
+          <a:xfrm>
+            <a:off x="2589212" y="6465498"/>
+            <a:ext cx="8915400" cy="272415"/>
+          </a:xfrm>
+          <a:prstGeom prst="roundRect">
+            <a:avLst/>
+          </a:prstGeom>
+          <a:solidFill>
+            <a:srgbClr val="2E5369"/>
+          </a:solidFill>
+        </p:spPr>
+        <p:txBody>
+          <a:bodyPr wrap="square" rtlCol="0">
+            <a:spAutoFit/>
+          </a:bodyPr>
+          <a:lstStyle/>
+          <a:p>
+            <a:pPr algn="ctr"/>
+            <a:r>
+              <a:rPr lang="en-SG" sz="1000" dirty="0">
+                <a:solidFill>
+                  <a:schemeClr val="bg1"/>
+                </a:solidFill>
+              </a:rPr>
+              <a:t>Practical Black-Box Attacks against Machine </a:t>
+            </a:r>
+            <a:r>
+              <a:rPr lang="en-SG" sz="1000" dirty="0" smtClean="0">
+                <a:solidFill>
+                  <a:schemeClr val="bg1"/>
+                </a:solidFill>
+              </a:rPr>
+              <a:t>Learning – </a:t>
+            </a:r>
+            <a:r>
+              <a:rPr lang="en-US" sz="1000" dirty="0" smtClean="0">
+                <a:solidFill>
+                  <a:schemeClr val="bg1"/>
+                </a:solidFill>
+              </a:rPr>
+              <a:t>Papernot et. al., ASIA CCS ‘17</a:t>
+            </a:r>
+            <a:endParaRPr lang="en-US" sz="1000" dirty="0">
+              <a:solidFill>
+                <a:schemeClr val="bg1"/>
+              </a:solidFill>
+            </a:endParaRPr>
+          </a:p>
+        </p:txBody>
+      </p:sp>
+      <p:pic>
+        <p:nvPicPr>
+          <p:cNvPr id="5" name="Picture 4"/>
+          <p:cNvPicPr>
+            <a:picLocks noChangeAspect="1"/>
+          </p:cNvPicPr>
+          <p:nvPr/>
+        </p:nvPicPr>
+        <p:blipFill>
+          <a:blip r:embed="rId3">
+            <a:clrChange>
+              <a:clrFrom>
+                <a:srgbClr val="FFFFFF"/>
+              </a:clrFrom>
+              <a:clrTo>
+                <a:srgbClr val="FFFFFF">
+                  <a:alpha val="0"/>
+                </a:srgbClr>
+              </a:clrTo>
+            </a:clrChange>
+          </a:blip>
+          <a:stretch>
+            <a:fillRect/>
+          </a:stretch>
+        </p:blipFill>
+        <p:spPr>
+          <a:xfrm>
+            <a:off x="9251078" y="0"/>
+            <a:ext cx="2940922" cy="2128058"/>
+          </a:xfrm>
+          <a:prstGeom prst="rect">
+            <a:avLst/>
+          </a:prstGeom>
+        </p:spPr>
+      </p:pic>
+    </p:spTree>
+    <p:extLst>
+      <p:ext uri="{BB962C8B-B14F-4D97-AF65-F5344CB8AC3E}">
+        <p14:creationId xmlns:p14="http://schemas.microsoft.com/office/powerpoint/2010/main" val="295297861"/>
+      </p:ext>
+    </p:extLst>
+  </p:cSld>
+  <p:clrMapOvr>
+    <a:masterClrMapping/>
+  </p:clrMapOvr>
+  <p:timing>
+    <p:tnLst>
+      <p:par>
+        <p:cTn id="1" dur="indefinite" restart="never" nodeType="tmRoot"/>
+      </p:par>
+    </p:tnLst>
+  </p:timing>
+</p:sld>
+</file>
+
+<file path=ppt/slides/slide7.xml><?xml version="1.0" encoding="utf-8"?>
+<p:sld xmlns:a="http://schemas.openxmlformats.org/drawingml/2006/main" xmlns:r="http://schemas.openxmlformats.org/officeDocument/2006/relationships" xmlns:p="http://schemas.openxmlformats.org/presentationml/2006/main">
+  <p:cSld>
+    <p:spTree>
+      <p:nvGrpSpPr>
+        <p:cNvPr id="1" name=""/>
+        <p:cNvGrpSpPr/>
+        <p:nvPr/>
+      </p:nvGrpSpPr>
+      <p:grpSpPr>
+        <a:xfrm>
+          <a:off x="0" y="0"/>
+          <a:ext cx="0" cy="0"/>
+          <a:chOff x="0" y="0"/>
+          <a:chExt cx="0" cy="0"/>
+        </a:xfrm>
+      </p:grpSpPr>
+      <p:sp>
+        <p:nvSpPr>
+          <p:cNvPr id="2" name="Title 1"/>
+          <p:cNvSpPr>
+            <a:spLocks noGrp="1"/>
+          </p:cNvSpPr>
+          <p:nvPr>
+            <p:ph type="title"/>
+          </p:nvPr>
+        </p:nvSpPr>
+        <p:spPr>
+          <a:xfrm>
+            <a:off x="2592925" y="624110"/>
+            <a:ext cx="8911687" cy="650300"/>
+          </a:xfrm>
+        </p:spPr>
+        <p:txBody>
+          <a:bodyPr/>
+          <a:lstStyle/>
+          <a:p>
+            <a:r>
+              <a:rPr lang="en-US" dirty="0" smtClean="0"/>
+              <a:t>Threat Model</a:t>
+            </a:r>
+            <a:endParaRPr lang="en-US" dirty="0"/>
+          </a:p>
+        </p:txBody>
+      </p:sp>
+      <mc:AlternateContent xmlns:mc="http://schemas.openxmlformats.org/markup-compatibility/2006">
+        <mc:Choice xmlns:a14="http://schemas.microsoft.com/office/drawing/2010/main" Requires="a14">
+          <p:sp>
+            <p:nvSpPr>
+              <p:cNvPr id="3" name="Content Placeholder 2"/>
+              <p:cNvSpPr>
+                <a:spLocks noGrp="1"/>
+              </p:cNvSpPr>
+              <p:nvPr>
+                <p:ph idx="1"/>
+              </p:nvPr>
+            </p:nvSpPr>
+            <p:spPr>
+              <a:xfrm>
+                <a:off x="2589212" y="1274410"/>
+                <a:ext cx="8915400" cy="4636812"/>
+              </a:xfrm>
+            </p:spPr>
+            <p:txBody>
+              <a:bodyPr>
+                <a:normAutofit lnSpcReduction="10000"/>
+              </a:bodyPr>
+              <a:lstStyle/>
+              <a:p>
+                <a:pPr algn="just"/>
+                <a:r>
+                  <a:rPr lang="en-SG" dirty="0" smtClean="0"/>
+                  <a:t>Targeted Model</a:t>
+                </a:r>
+              </a:p>
+              <a:p>
+                <a:pPr lvl="1" algn="just"/>
+                <a:r>
+                  <a:rPr lang="en-SG" b="1" dirty="0"/>
+                  <a:t>Targeting a multiclass DNN classifier.</a:t>
+                </a:r>
+                <a:r>
+                  <a:rPr lang="en-SG" dirty="0"/>
+                  <a:t> It outputs probability vectors, where each vector component encodes the DNN's belief of the input being part of one of the predefined classes</a:t>
+                </a:r>
+                <a:r>
+                  <a:rPr lang="en-SG" dirty="0" smtClean="0"/>
+                  <a:t>.</a:t>
+                </a:r>
+                <a:endParaRPr lang="en-SG" dirty="0"/>
+              </a:p>
+              <a:p>
+                <a:pPr algn="just"/>
+                <a:r>
+                  <a:rPr lang="en-SG" dirty="0"/>
+                  <a:t>Adversarial </a:t>
+                </a:r>
+                <a:r>
+                  <a:rPr lang="en-SG" dirty="0" smtClean="0"/>
+                  <a:t>Capabilities</a:t>
+                </a:r>
+              </a:p>
+              <a:p>
+                <a:pPr lvl="1" algn="just"/>
+                <a:r>
+                  <a:rPr lang="en-SG" dirty="0" smtClean="0"/>
+                  <a:t>The </a:t>
+                </a:r>
+                <a:r>
+                  <a:rPr lang="en-SG" i="1" dirty="0"/>
+                  <a:t>oracle</a:t>
+                </a:r>
+                <a:r>
+                  <a:rPr lang="en-SG" dirty="0"/>
+                  <a:t> </a:t>
+                </a:r>
+                <a14:m>
+                  <m:oMath xmlns:m="http://schemas.openxmlformats.org/officeDocument/2006/math">
+                    <m:r>
+                      <a:rPr lang="en-SG" i="1" dirty="0" smtClean="0">
+                        <a:latin typeface="Cambria Math" panose="02040503050406030204" pitchFamily="18" charset="0"/>
+                      </a:rPr>
+                      <m:t>𝑂</m:t>
+                    </m:r>
+                  </m:oMath>
+                </a14:m>
+                <a:r>
+                  <a:rPr lang="en-SG" dirty="0"/>
+                  <a:t> is the </a:t>
+                </a:r>
+                <a:r>
+                  <a:rPr lang="en-SG" dirty="0" smtClean="0"/>
+                  <a:t>targeted DNN</a:t>
+                </a:r>
+                <a:r>
+                  <a:rPr lang="en-SG" dirty="0"/>
+                  <a:t>. </a:t>
+                </a:r>
+                <a:r>
+                  <a:rPr lang="en-SG" dirty="0" smtClean="0"/>
+                  <a:t>Only </a:t>
+                </a:r>
+                <a:r>
+                  <a:rPr lang="en-SG" dirty="0"/>
+                  <a:t>capability of the </a:t>
+                </a:r>
+                <a:r>
+                  <a:rPr lang="en-SG" dirty="0" smtClean="0"/>
+                  <a:t>adversary is accessing </a:t>
+                </a:r>
+                <a:r>
+                  <a:rPr lang="en-SG" dirty="0"/>
+                  <a:t>the label </a:t>
+                </a:r>
+                <a14:m>
+                  <m:oMath xmlns:m="http://schemas.openxmlformats.org/officeDocument/2006/math">
+                    <m:acc>
+                      <m:accPr>
+                        <m:chr m:val="̃"/>
+                        <m:ctrlPr>
+                          <a:rPr lang="en-SG" i="1" smtClean="0">
+                            <a:latin typeface="Cambria Math" panose="02040503050406030204" pitchFamily="18" charset="0"/>
+                          </a:rPr>
+                        </m:ctrlPr>
+                      </m:accPr>
+                      <m:e>
+                        <m:r>
+                          <a:rPr lang="en-US" b="0" i="1" smtClean="0">
+                            <a:latin typeface="Cambria Math" panose="02040503050406030204" pitchFamily="18" charset="0"/>
+                          </a:rPr>
+                          <m:t>𝑂</m:t>
+                        </m:r>
+                      </m:e>
+                    </m:acc>
+                    <m:r>
+                      <a:rPr lang="en-US" b="0" i="1" smtClean="0">
+                        <a:latin typeface="Cambria Math" panose="02040503050406030204" pitchFamily="18" charset="0"/>
+                      </a:rPr>
+                      <m:t>(</m:t>
+                    </m:r>
+                    <m:acc>
+                      <m:accPr>
+                        <m:chr m:val="⃗"/>
+                        <m:ctrlPr>
+                          <a:rPr lang="en-US" b="0" i="1" smtClean="0">
+                            <a:latin typeface="Cambria Math" panose="02040503050406030204" pitchFamily="18" charset="0"/>
+                          </a:rPr>
+                        </m:ctrlPr>
+                      </m:accPr>
+                      <m:e>
+                        <m:r>
+                          <a:rPr lang="en-US" b="0" i="1" smtClean="0">
+                            <a:latin typeface="Cambria Math" panose="02040503050406030204" pitchFamily="18" charset="0"/>
+                          </a:rPr>
+                          <m:t>𝑥</m:t>
+                        </m:r>
+                      </m:e>
+                    </m:acc>
+                    <m:r>
+                      <a:rPr lang="en-US" b="0" i="1" smtClean="0">
+                        <a:latin typeface="Cambria Math" panose="02040503050406030204" pitchFamily="18" charset="0"/>
+                      </a:rPr>
+                      <m:t>)</m:t>
+                    </m:r>
+                  </m:oMath>
+                </a14:m>
+                <a:r>
+                  <a:rPr lang="en-SG" dirty="0" smtClean="0"/>
+                  <a:t> for </a:t>
+                </a:r>
+                <a:r>
+                  <a:rPr lang="en-SG" dirty="0"/>
+                  <a:t>any input </a:t>
+                </a:r>
+                <a14:m>
+                  <m:oMath xmlns:m="http://schemas.openxmlformats.org/officeDocument/2006/math">
+                    <m:acc>
+                      <m:accPr>
+                        <m:chr m:val="⃗"/>
+                        <m:ctrlPr>
+                          <a:rPr lang="en-US" i="1">
+                            <a:latin typeface="Cambria Math" panose="02040503050406030204" pitchFamily="18" charset="0"/>
+                          </a:rPr>
+                        </m:ctrlPr>
+                      </m:accPr>
+                      <m:e>
+                        <m:r>
+                          <a:rPr lang="en-US" i="1">
+                            <a:latin typeface="Cambria Math" panose="02040503050406030204" pitchFamily="18" charset="0"/>
+                          </a:rPr>
+                          <m:t>𝑥</m:t>
+                        </m:r>
+                      </m:e>
+                    </m:acc>
+                  </m:oMath>
+                </a14:m>
+                <a:r>
+                  <a:rPr lang="en-SG" dirty="0"/>
+                  <a:t> by querying </a:t>
+                </a:r>
+                <a:r>
+                  <a:rPr lang="en-SG" dirty="0" smtClean="0"/>
+                  <a:t>oracle </a:t>
+                </a:r>
+                <a14:m>
+                  <m:oMath xmlns:m="http://schemas.openxmlformats.org/officeDocument/2006/math">
+                    <m:r>
+                      <a:rPr lang="en-US" b="0" i="1" smtClean="0">
+                        <a:latin typeface="Cambria Math" panose="02040503050406030204" pitchFamily="18" charset="0"/>
+                      </a:rPr>
+                      <m:t>𝑂</m:t>
+                    </m:r>
+                  </m:oMath>
+                </a14:m>
+                <a:r>
+                  <a:rPr lang="en-SG" dirty="0" smtClean="0"/>
+                  <a:t>. </a:t>
+                </a:r>
+                <a:r>
+                  <a:rPr lang="en-SG" dirty="0"/>
+                  <a:t>The output label </a:t>
+                </a:r>
+                <a14:m>
+                  <m:oMath xmlns:m="http://schemas.openxmlformats.org/officeDocument/2006/math">
+                    <m:acc>
+                      <m:accPr>
+                        <m:chr m:val="̃"/>
+                        <m:ctrlPr>
+                          <a:rPr lang="en-SG" i="1">
+                            <a:latin typeface="Cambria Math" panose="02040503050406030204" pitchFamily="18" charset="0"/>
+                          </a:rPr>
+                        </m:ctrlPr>
+                      </m:accPr>
+                      <m:e>
+                        <m:r>
+                          <a:rPr lang="en-US" i="1">
+                            <a:latin typeface="Cambria Math" panose="02040503050406030204" pitchFamily="18" charset="0"/>
+                          </a:rPr>
+                          <m:t>𝑂</m:t>
+                        </m:r>
+                      </m:e>
+                    </m:acc>
+                    <m:r>
+                      <a:rPr lang="en-US" i="1">
+                        <a:latin typeface="Cambria Math" panose="02040503050406030204" pitchFamily="18" charset="0"/>
+                      </a:rPr>
+                      <m:t>(</m:t>
+                    </m:r>
+                    <m:acc>
+                      <m:accPr>
+                        <m:chr m:val="⃗"/>
+                        <m:ctrlPr>
+                          <a:rPr lang="en-US" i="1">
+                            <a:latin typeface="Cambria Math" panose="02040503050406030204" pitchFamily="18" charset="0"/>
+                          </a:rPr>
+                        </m:ctrlPr>
+                      </m:accPr>
+                      <m:e>
+                        <m:r>
+                          <a:rPr lang="en-US" i="1">
+                            <a:latin typeface="Cambria Math" panose="02040503050406030204" pitchFamily="18" charset="0"/>
+                          </a:rPr>
+                          <m:t>𝑥</m:t>
+                        </m:r>
+                      </m:e>
+                    </m:acc>
+                    <m:r>
+                      <a:rPr lang="en-US" i="1">
+                        <a:latin typeface="Cambria Math" panose="02040503050406030204" pitchFamily="18" charset="0"/>
+                      </a:rPr>
+                      <m:t>)</m:t>
+                    </m:r>
+                  </m:oMath>
+                </a14:m>
+                <a:r>
+                  <a:rPr lang="en-SG" dirty="0"/>
+                  <a:t> is the index of the class </a:t>
+                </a:r>
+                <a:r>
+                  <a:rPr lang="en-SG" dirty="0" smtClean="0"/>
+                  <a:t>assigned the </a:t>
+                </a:r>
+                <a:r>
+                  <a:rPr lang="en-SG" dirty="0"/>
+                  <a:t>largest probability by the </a:t>
+                </a:r>
+                <a:r>
+                  <a:rPr lang="en-SG" dirty="0" smtClean="0"/>
+                  <a:t>DNN.</a:t>
+                </a:r>
+              </a:p>
+              <a:p>
+                <a:pPr marL="457200" lvl="1" indent="0" algn="just">
+                  <a:buNone/>
+                </a:pPr>
+                <a14:m>
+                  <m:oMathPara xmlns:m="http://schemas.openxmlformats.org/officeDocument/2006/math">
+                    <m:oMathParaPr>
+                      <m:jc m:val="centerGroup"/>
+                    </m:oMathParaPr>
+                    <m:oMath xmlns:m="http://schemas.openxmlformats.org/officeDocument/2006/math">
+                      <m:acc>
+                        <m:accPr>
+                          <m:chr m:val="̃"/>
+                          <m:ctrlPr>
+                            <a:rPr lang="en-SG" i="1">
+                              <a:latin typeface="Cambria Math" panose="02040503050406030204" pitchFamily="18" charset="0"/>
+                            </a:rPr>
+                          </m:ctrlPr>
+                        </m:accPr>
+                        <m:e>
+                          <m:r>
+                            <a:rPr lang="en-US" i="1">
+                              <a:latin typeface="Cambria Math" panose="02040503050406030204" pitchFamily="18" charset="0"/>
+                            </a:rPr>
+                            <m:t>𝑂</m:t>
+                          </m:r>
+                        </m:e>
+                      </m:acc>
+                      <m:d>
+                        <m:dPr>
+                          <m:ctrlPr>
+                            <a:rPr lang="en-US" i="1">
+                              <a:latin typeface="Cambria Math" panose="02040503050406030204" pitchFamily="18" charset="0"/>
+                            </a:rPr>
+                          </m:ctrlPr>
+                        </m:dPr>
+                        <m:e>
+                          <m:acc>
+                            <m:accPr>
+                              <m:chr m:val="⃗"/>
+                              <m:ctrlPr>
+                                <a:rPr lang="en-US" i="1">
+                                  <a:latin typeface="Cambria Math" panose="02040503050406030204" pitchFamily="18" charset="0"/>
+                                </a:rPr>
+                              </m:ctrlPr>
+                            </m:accPr>
+                            <m:e>
+                              <m:r>
+                                <a:rPr lang="en-US" i="1">
+                                  <a:latin typeface="Cambria Math" panose="02040503050406030204" pitchFamily="18" charset="0"/>
+                                </a:rPr>
+                                <m:t>𝑥</m:t>
+                              </m:r>
+                            </m:e>
+                          </m:acc>
+                        </m:e>
+                      </m:d>
+                      <m:r>
+                        <a:rPr lang="en-US" b="0" i="1" smtClean="0">
+                          <a:latin typeface="Cambria Math" panose="02040503050406030204" pitchFamily="18" charset="0"/>
+                        </a:rPr>
+                        <m:t>=</m:t>
+                      </m:r>
+                      <m:sSub>
+                        <m:sSubPr>
+                          <m:ctrlPr>
+                            <a:rPr lang="en-US" b="0" i="1" smtClean="0">
+                              <a:latin typeface="Cambria Math" panose="02040503050406030204" pitchFamily="18" charset="0"/>
+                            </a:rPr>
+                          </m:ctrlPr>
+                        </m:sSubPr>
+                        <m:e>
+                          <m:func>
+                            <m:funcPr>
+                              <m:ctrlPr>
+                                <a:rPr lang="en-US" i="1">
+                                  <a:latin typeface="Cambria Math" panose="02040503050406030204" pitchFamily="18" charset="0"/>
+                                </a:rPr>
+                              </m:ctrlPr>
+                            </m:funcPr>
+                            <m:fName>
+                              <m:r>
+                                <m:rPr>
+                                  <m:sty m:val="p"/>
+                                </m:rPr>
+                                <a:rPr lang="en-US">
+                                  <a:latin typeface="Cambria Math" panose="02040503050406030204" pitchFamily="18" charset="0"/>
+                                </a:rPr>
+                                <m:t>arg</m:t>
+                              </m:r>
+                            </m:fName>
+                            <m:e>
+                              <m:r>
+                                <a:rPr lang="en-US" i="1">
+                                  <a:latin typeface="Cambria Math" panose="02040503050406030204" pitchFamily="18" charset="0"/>
+                                </a:rPr>
+                                <m:t>𝑚𝑎𝑥</m:t>
+                              </m:r>
+                            </m:e>
+                          </m:func>
+                        </m:e>
+                        <m:sub>
+                          <m:r>
+                            <a:rPr lang="en-US" b="0" i="1" smtClean="0">
+                              <a:latin typeface="Cambria Math" panose="02040503050406030204" pitchFamily="18" charset="0"/>
+                            </a:rPr>
+                            <m:t>𝑗</m:t>
+                          </m:r>
+                          <m:r>
+                            <a:rPr lang="en-US" b="0" i="1" smtClean="0">
+                              <a:latin typeface="Cambria Math" panose="02040503050406030204" pitchFamily="18" charset="0"/>
+                            </a:rPr>
+                            <m:t>=0,  …,  </m:t>
+                          </m:r>
+                          <m:r>
+                            <a:rPr lang="en-US" b="0" i="1" smtClean="0">
+                              <a:latin typeface="Cambria Math" panose="02040503050406030204" pitchFamily="18" charset="0"/>
+                            </a:rPr>
+                            <m:t>𝑁</m:t>
+                          </m:r>
+                          <m:r>
+                            <a:rPr lang="en-US" b="0" i="1" smtClean="0">
+                              <a:latin typeface="Cambria Math" panose="02040503050406030204" pitchFamily="18" charset="0"/>
+                            </a:rPr>
+                            <m:t>−1</m:t>
+                          </m:r>
+                        </m:sub>
+                      </m:sSub>
+                      <m:sSub>
+                        <m:sSubPr>
+                          <m:ctrlPr>
+                            <a:rPr lang="en-US" b="0" i="1" smtClean="0">
+                              <a:latin typeface="Cambria Math" panose="02040503050406030204" pitchFamily="18" charset="0"/>
+                            </a:rPr>
+                          </m:ctrlPr>
+                        </m:sSubPr>
+                        <m:e>
+                          <m:acc>
+                            <m:accPr>
+                              <m:chr m:val="̃"/>
+                              <m:ctrlPr>
+                                <a:rPr lang="en-US" b="0" i="1" smtClean="0">
+                                  <a:latin typeface="Cambria Math" panose="02040503050406030204" pitchFamily="18" charset="0"/>
+                                </a:rPr>
+                              </m:ctrlPr>
+                            </m:accPr>
+                            <m:e>
+                              <m:r>
+                                <a:rPr lang="en-US" b="0" i="1" smtClean="0">
+                                  <a:latin typeface="Cambria Math" panose="02040503050406030204" pitchFamily="18" charset="0"/>
+                                </a:rPr>
+                                <m:t>𝑂</m:t>
+                              </m:r>
+                            </m:e>
+                          </m:acc>
+                        </m:e>
+                        <m:sub>
+                          <m:r>
+                            <a:rPr lang="en-US" b="0" i="1" smtClean="0">
+                              <a:latin typeface="Cambria Math" panose="02040503050406030204" pitchFamily="18" charset="0"/>
+                            </a:rPr>
+                            <m:t>𝑗</m:t>
+                          </m:r>
+                        </m:sub>
+                      </m:sSub>
+                      <m:d>
+                        <m:dPr>
+                          <m:ctrlPr>
+                            <a:rPr lang="en-US" i="1">
+                              <a:latin typeface="Cambria Math" panose="02040503050406030204" pitchFamily="18" charset="0"/>
+                            </a:rPr>
+                          </m:ctrlPr>
+                        </m:dPr>
+                        <m:e>
+                          <m:acc>
+                            <m:accPr>
+                              <m:chr m:val="⃗"/>
+                              <m:ctrlPr>
+                                <a:rPr lang="en-US" i="1">
+                                  <a:latin typeface="Cambria Math" panose="02040503050406030204" pitchFamily="18" charset="0"/>
+                                </a:rPr>
+                              </m:ctrlPr>
+                            </m:accPr>
+                            <m:e>
+                              <m:r>
+                                <a:rPr lang="en-US" i="1">
+                                  <a:latin typeface="Cambria Math" panose="02040503050406030204" pitchFamily="18" charset="0"/>
+                                </a:rPr>
+                                <m:t>𝑥</m:t>
+                              </m:r>
+                            </m:e>
+                          </m:acc>
+                        </m:e>
+                      </m:d>
+                    </m:oMath>
+                  </m:oMathPara>
+                </a14:m>
+                <a:endParaRPr lang="en-US" dirty="0" smtClean="0"/>
+              </a:p>
+              <a:p>
+                <a:pPr marL="457200" lvl="1" indent="0" algn="just">
+                  <a:buNone/>
+                </a:pPr>
+                <a:r>
+                  <a:rPr lang="en-SG" dirty="0"/>
+                  <a:t> </a:t>
+                </a:r>
+                <a:r>
+                  <a:rPr lang="en-SG" dirty="0" smtClean="0"/>
+                  <a:t>     where </a:t>
+                </a:r>
+                <a14:m>
+                  <m:oMath xmlns:m="http://schemas.openxmlformats.org/officeDocument/2006/math">
+                    <m:sSub>
+                      <m:sSubPr>
+                        <m:ctrlPr>
+                          <a:rPr lang="en-US" i="1">
+                            <a:latin typeface="Cambria Math" panose="02040503050406030204" pitchFamily="18" charset="0"/>
+                          </a:rPr>
+                        </m:ctrlPr>
+                      </m:sSubPr>
+                      <m:e>
+                        <m:acc>
+                          <m:accPr>
+                            <m:chr m:val="̃"/>
+                            <m:ctrlPr>
+                              <a:rPr lang="en-US" i="1">
+                                <a:latin typeface="Cambria Math" panose="02040503050406030204" pitchFamily="18" charset="0"/>
+                              </a:rPr>
+                            </m:ctrlPr>
+                          </m:accPr>
+                          <m:e>
+                            <m:r>
+                              <a:rPr lang="en-US" i="1">
+                                <a:latin typeface="Cambria Math" panose="02040503050406030204" pitchFamily="18" charset="0"/>
+                              </a:rPr>
+                              <m:t>𝑂</m:t>
+                            </m:r>
+                          </m:e>
+                        </m:acc>
+                      </m:e>
+                      <m:sub>
+                        <m:r>
+                          <a:rPr lang="en-US" i="1">
+                            <a:latin typeface="Cambria Math" panose="02040503050406030204" pitchFamily="18" charset="0"/>
+                          </a:rPr>
+                          <m:t>𝑗</m:t>
+                        </m:r>
+                      </m:sub>
+                    </m:sSub>
+                    <m:d>
+                      <m:dPr>
+                        <m:ctrlPr>
+                          <a:rPr lang="en-US" i="1">
+                            <a:latin typeface="Cambria Math" panose="02040503050406030204" pitchFamily="18" charset="0"/>
+                          </a:rPr>
+                        </m:ctrlPr>
+                      </m:dPr>
+                      <m:e>
+                        <m:acc>
+                          <m:accPr>
+                            <m:chr m:val="⃗"/>
+                            <m:ctrlPr>
+                              <a:rPr lang="en-US" i="1">
+                                <a:latin typeface="Cambria Math" panose="02040503050406030204" pitchFamily="18" charset="0"/>
+                              </a:rPr>
+                            </m:ctrlPr>
+                          </m:accPr>
+                          <m:e>
+                            <m:r>
+                              <a:rPr lang="en-US" i="1">
+                                <a:latin typeface="Cambria Math" panose="02040503050406030204" pitchFamily="18" charset="0"/>
+                              </a:rPr>
+                              <m:t>𝑥</m:t>
+                            </m:r>
+                          </m:e>
+                        </m:acc>
+                      </m:e>
+                    </m:d>
+                  </m:oMath>
+                </a14:m>
+                <a:r>
+                  <a:rPr lang="en-SG" dirty="0"/>
+                  <a:t> is the </a:t>
+                </a:r>
+                <a14:m>
+                  <m:oMath xmlns:m="http://schemas.openxmlformats.org/officeDocument/2006/math">
+                    <m:sSup>
+                      <m:sSupPr>
+                        <m:ctrlPr>
+                          <a:rPr lang="en-SG" i="1" smtClean="0">
+                            <a:latin typeface="Cambria Math" panose="02040503050406030204" pitchFamily="18" charset="0"/>
+                          </a:rPr>
+                        </m:ctrlPr>
+                      </m:sSupPr>
+                      <m:e>
+                        <m:r>
+                          <a:rPr lang="en-US" b="0" i="1" smtClean="0">
+                            <a:latin typeface="Cambria Math" panose="02040503050406030204" pitchFamily="18" charset="0"/>
+                          </a:rPr>
+                          <m:t>𝑗</m:t>
+                        </m:r>
+                      </m:e>
+                      <m:sup>
+                        <m:r>
+                          <a:rPr lang="en-US" b="0" i="1" smtClean="0">
+                            <a:latin typeface="Cambria Math" panose="02040503050406030204" pitchFamily="18" charset="0"/>
+                          </a:rPr>
+                          <m:t>𝑡h</m:t>
+                        </m:r>
+                      </m:sup>
+                    </m:sSup>
+                  </m:oMath>
+                </a14:m>
+                <a:r>
+                  <a:rPr lang="en-SG" dirty="0" smtClean="0"/>
+                  <a:t> component </a:t>
+                </a:r>
+                <a:r>
+                  <a:rPr lang="en-SG" dirty="0"/>
+                  <a:t>of the probability </a:t>
+                </a:r>
+                <a:r>
+                  <a:rPr lang="en-SG" dirty="0" smtClean="0"/>
+                  <a:t>vector </a:t>
+                </a:r>
+                <a14:m>
+                  <m:oMath xmlns:m="http://schemas.openxmlformats.org/officeDocument/2006/math">
+                    <m:acc>
+                      <m:accPr>
+                        <m:chr m:val="̃"/>
+                        <m:ctrlPr>
+                          <a:rPr lang="en-SG" i="1">
+                            <a:latin typeface="Cambria Math" panose="02040503050406030204" pitchFamily="18" charset="0"/>
+                          </a:rPr>
+                        </m:ctrlPr>
+                      </m:accPr>
+                      <m:e>
+                        <m:r>
+                          <a:rPr lang="en-US" i="1">
+                            <a:latin typeface="Cambria Math" panose="02040503050406030204" pitchFamily="18" charset="0"/>
+                          </a:rPr>
+                          <m:t>𝑂</m:t>
+                        </m:r>
+                      </m:e>
+                    </m:acc>
+                    <m:d>
+                      <m:dPr>
+                        <m:ctrlPr>
+                          <a:rPr lang="en-US" i="1">
+                            <a:latin typeface="Cambria Math" panose="02040503050406030204" pitchFamily="18" charset="0"/>
+                          </a:rPr>
+                        </m:ctrlPr>
+                      </m:dPr>
+                      <m:e>
+                        <m:acc>
+                          <m:accPr>
+                            <m:chr m:val="⃗"/>
+                            <m:ctrlPr>
+                              <a:rPr lang="en-US" i="1">
+                                <a:latin typeface="Cambria Math" panose="02040503050406030204" pitchFamily="18" charset="0"/>
+                              </a:rPr>
+                            </m:ctrlPr>
+                          </m:accPr>
+                          <m:e>
+                            <m:r>
+                              <a:rPr lang="en-US" i="1">
+                                <a:latin typeface="Cambria Math" panose="02040503050406030204" pitchFamily="18" charset="0"/>
+                              </a:rPr>
+                              <m:t>𝑥</m:t>
+                            </m:r>
+                          </m:e>
+                        </m:acc>
+                      </m:e>
+                    </m:d>
+                  </m:oMath>
+                </a14:m>
+                <a:r>
+                  <a:rPr lang="en-SG" dirty="0"/>
+                  <a:t> output by DNN </a:t>
+                </a:r>
+                <a14:m>
+                  <m:oMath xmlns:m="http://schemas.openxmlformats.org/officeDocument/2006/math">
+                    <m:r>
+                      <a:rPr lang="en-SG" i="1" dirty="0" smtClean="0">
+                        <a:latin typeface="Cambria Math" panose="02040503050406030204" pitchFamily="18" charset="0"/>
+                      </a:rPr>
+                      <m:t>𝑂</m:t>
+                    </m:r>
+                  </m:oMath>
+                </a14:m>
+                <a:r>
+                  <a:rPr lang="en-SG" dirty="0" smtClean="0"/>
+                  <a:t>. </a:t>
+                </a:r>
+              </a:p>
+              <a:p>
+                <a:pPr lvl="1" algn="just"/>
+                <a:r>
+                  <a:rPr lang="en-SG" dirty="0" smtClean="0"/>
+                  <a:t>Distinguishing </a:t>
+                </a:r>
+                <a:r>
+                  <a:rPr lang="en-SG" dirty="0"/>
+                  <a:t>between labels </a:t>
+                </a:r>
+                <a:r>
+                  <a:rPr lang="en-SG" dirty="0" smtClean="0"/>
+                  <a:t>and probabilities </a:t>
+                </a:r>
+                <a:r>
+                  <a:rPr lang="en-SG" dirty="0"/>
+                  <a:t>makes adversaries realistic (they more </a:t>
+                </a:r>
+                <a:r>
+                  <a:rPr lang="en-SG" dirty="0" smtClean="0"/>
+                  <a:t>often have </a:t>
+                </a:r>
+                <a:r>
+                  <a:rPr lang="en-SG" dirty="0"/>
+                  <a:t>access to labels than probabilities) </a:t>
+                </a:r>
+                <a:r>
+                  <a:rPr lang="en-SG" dirty="0" smtClean="0"/>
+                  <a:t>but weaker: labels encode </a:t>
+                </a:r>
+                <a:r>
+                  <a:rPr lang="en-SG" dirty="0"/>
+                  <a:t>less information about the model's learned </a:t>
+                </a:r>
+                <a:r>
+                  <a:rPr lang="en-SG" dirty="0" smtClean="0"/>
+                  <a:t>behaviour.</a:t>
+                </a:r>
+              </a:p>
+              <a:p>
+                <a:pPr lvl="1" algn="just"/>
+                <a:r>
+                  <a:rPr lang="en-SG" b="1" i="1" dirty="0" smtClean="0"/>
+                  <a:t>Accessing </a:t>
+                </a:r>
+                <a:r>
+                  <a:rPr lang="en-SG" b="1" i="1" dirty="0"/>
+                  <a:t>labels </a:t>
+                </a:r>
+                <a14:m>
+                  <m:oMath xmlns:m="http://schemas.openxmlformats.org/officeDocument/2006/math">
+                    <m:acc>
+                      <m:accPr>
+                        <m:chr m:val="̃"/>
+                        <m:ctrlPr>
+                          <a:rPr lang="en-SG" b="1" i="1">
+                            <a:latin typeface="Cambria Math" panose="02040503050406030204" pitchFamily="18" charset="0"/>
+                          </a:rPr>
+                        </m:ctrlPr>
+                      </m:accPr>
+                      <m:e>
+                        <m:r>
+                          <a:rPr lang="en-US" b="1" i="1">
+                            <a:latin typeface="Cambria Math" panose="02040503050406030204" pitchFamily="18" charset="0"/>
+                          </a:rPr>
+                          <m:t>𝑶</m:t>
+                        </m:r>
+                      </m:e>
+                    </m:acc>
+                  </m:oMath>
+                </a14:m>
+                <a:r>
+                  <a:rPr lang="en-SG" b="1" i="1" dirty="0"/>
+                  <a:t> produced by the DNN </a:t>
+                </a:r>
+                <a14:m>
+                  <m:oMath xmlns:m="http://schemas.openxmlformats.org/officeDocument/2006/math">
+                    <m:r>
+                      <a:rPr lang="en-SG" b="1" i="1" dirty="0" smtClean="0">
+                        <a:latin typeface="Cambria Math" panose="02040503050406030204" pitchFamily="18" charset="0"/>
+                      </a:rPr>
+                      <m:t>𝑶</m:t>
+                    </m:r>
+                  </m:oMath>
+                </a14:m>
+                <a:r>
+                  <a:rPr lang="en-SG" b="1" i="1" dirty="0"/>
+                  <a:t> is </a:t>
+                </a:r>
+                <a:r>
+                  <a:rPr lang="en-SG" b="1" i="1" dirty="0" smtClean="0"/>
+                  <a:t>the only </a:t>
+                </a:r>
+                <a:r>
+                  <a:rPr lang="en-SG" b="1" i="1" dirty="0"/>
+                  <a:t>capability assumed in </a:t>
+                </a:r>
+                <a:r>
+                  <a:rPr lang="en-SG" b="1" i="1" dirty="0" smtClean="0"/>
+                  <a:t>the </a:t>
+                </a:r>
+                <a:r>
+                  <a:rPr lang="en-SG" b="1" i="1" dirty="0"/>
+                  <a:t>threat model. </a:t>
+                </a:r>
+                <a:r>
+                  <a:rPr lang="en-SG" b="1" i="1" dirty="0" smtClean="0"/>
+                  <a:t>The adversary does not </a:t>
+                </a:r>
+                <a:r>
+                  <a:rPr lang="en-SG" b="1" i="1" dirty="0"/>
+                  <a:t>have access to the oracle internals or training data</a:t>
+                </a:r>
+                <a:r>
+                  <a:rPr lang="en-SG" b="1" i="1" dirty="0" smtClean="0"/>
+                  <a:t>.</a:t>
+                </a:r>
+              </a:p>
+            </p:txBody>
+          </p:sp>
+        </mc:Choice>
+        <mc:Fallback>
+          <p:sp>
+            <p:nvSpPr>
+              <p:cNvPr id="3" name="Content Placeholder 2"/>
+              <p:cNvSpPr>
+                <a:spLocks noGrp="1" noRot="1" noChangeAspect="1" noMove="1" noResize="1" noEditPoints="1" noAdjustHandles="1" noChangeArrowheads="1" noChangeShapeType="1" noTextEdit="1"/>
+              </p:cNvSpPr>
+              <p:nvPr>
+                <p:ph idx="1"/>
+              </p:nvPr>
+            </p:nvSpPr>
+            <p:spPr>
+              <a:xfrm>
+                <a:off x="2589212" y="1274410"/>
+                <a:ext cx="8915400" cy="4636812"/>
+              </a:xfrm>
+              <a:blipFill>
+                <a:blip r:embed="rId2"/>
+                <a:stretch>
+                  <a:fillRect l="-479" t="-1314" r="-342"/>
+                </a:stretch>
+              </a:blipFill>
+            </p:spPr>
+            <p:txBody>
+              <a:bodyPr/>
+              <a:lstStyle/>
+              <a:p>
+                <a:r>
+                  <a:rPr lang="en-US">
+                    <a:noFill/>
+                  </a:rPr>
+                  <a:t> </a:t>
+                </a:r>
+              </a:p>
+            </p:txBody>
+          </p:sp>
+        </mc:Fallback>
+      </mc:AlternateContent>
+      <p:sp>
+        <p:nvSpPr>
+          <p:cNvPr id="24" name="Date Placeholder 23"/>
+          <p:cNvSpPr>
+            <a:spLocks noGrp="1"/>
+          </p:cNvSpPr>
+          <p:nvPr>
+            <p:ph type="dt" sz="half" idx="10"/>
+          </p:nvPr>
+        </p:nvSpPr>
+        <p:spPr/>
+        <p:txBody>
+          <a:bodyPr/>
+          <a:lstStyle/>
+          <a:p>
+            <a:fld id="{2EFB6F28-65EE-44D6-BFFE-56AB02E1ABA6}" type="datetime1">
+              <a:rPr lang="en-US" smtClean="0"/>
+              <a:t>9/4/2017</a:t>
+            </a:fld>
+            <a:endParaRPr lang="en-US" dirty="0"/>
+          </a:p>
+        </p:txBody>
+      </p:sp>
+      <p:sp>
+        <p:nvSpPr>
+          <p:cNvPr id="26" name="Slide Number Placeholder 25"/>
+          <p:cNvSpPr>
+            <a:spLocks noGrp="1"/>
+          </p:cNvSpPr>
+          <p:nvPr>
+            <p:ph type="sldNum" sz="quarter" idx="12"/>
+          </p:nvPr>
+        </p:nvSpPr>
+        <p:spPr/>
+        <p:txBody>
+          <a:bodyPr/>
+          <a:lstStyle/>
+          <a:p>
+            <a:fld id="{D57F1E4F-1CFF-5643-939E-217C01CDF565}" type="slidenum">
+              <a:rPr lang="en-US" smtClean="0"/>
+              <a:pPr/>
+              <a:t>7</a:t>
+            </a:fld>
+            <a:endParaRPr lang="en-US" dirty="0"/>
+          </a:p>
+        </p:txBody>
+      </p:sp>
+      <p:sp>
+        <p:nvSpPr>
+          <p:cNvPr id="17" name="TextBox 16"/>
+          <p:cNvSpPr txBox="1"/>
+          <p:nvPr/>
+        </p:nvSpPr>
+        <p:spPr>
+          <a:xfrm>
+            <a:off x="2589212" y="6465498"/>
+            <a:ext cx="8915400" cy="272415"/>
+          </a:xfrm>
+          <a:prstGeom prst="roundRect">
+            <a:avLst/>
+          </a:prstGeom>
+          <a:solidFill>
+            <a:srgbClr val="2E5369"/>
+          </a:solidFill>
+        </p:spPr>
+        <p:txBody>
+          <a:bodyPr wrap="square" rtlCol="0">
+            <a:spAutoFit/>
+          </a:bodyPr>
+          <a:lstStyle/>
+          <a:p>
+            <a:pPr algn="ctr"/>
+            <a:r>
+              <a:rPr lang="en-SG" sz="1000" dirty="0">
+                <a:solidFill>
+                  <a:schemeClr val="bg1"/>
+                </a:solidFill>
+              </a:rPr>
+              <a:t>Practical Black-Box Attacks against Machine </a:t>
+            </a:r>
+            <a:r>
+              <a:rPr lang="en-SG" sz="1000" dirty="0" smtClean="0">
+                <a:solidFill>
+                  <a:schemeClr val="bg1"/>
+                </a:solidFill>
+              </a:rPr>
+              <a:t>Learning – </a:t>
+            </a:r>
+            <a:r>
+              <a:rPr lang="en-US" sz="1000" dirty="0" smtClean="0">
+                <a:solidFill>
+                  <a:schemeClr val="bg1"/>
+                </a:solidFill>
+              </a:rPr>
+              <a:t>Papernot et. al., ASIA CCS ‘17</a:t>
+            </a:r>
+            <a:endParaRPr lang="en-US" sz="1000" dirty="0">
+              <a:solidFill>
+                <a:schemeClr val="bg1"/>
+              </a:solidFill>
+            </a:endParaRPr>
+          </a:p>
+        </p:txBody>
+      </p:sp>
+    </p:spTree>
+    <p:extLst>
+      <p:ext uri="{BB962C8B-B14F-4D97-AF65-F5344CB8AC3E}">
+        <p14:creationId xmlns:p14="http://schemas.microsoft.com/office/powerpoint/2010/main" val="3143342561"/>
+      </p:ext>
+    </p:extLst>
+  </p:cSld>
+  <p:clrMapOvr>
+    <a:masterClrMapping/>
+  </p:clrMapOvr>
+  <p:timing>
+    <p:tnLst>
+      <p:par>
+        <p:cTn id="1" dur="indefinite" restart="never" nodeType="tmRoot"/>
+      </p:par>
+    </p:tnLst>
+  </p:timing>
+</p:sld>
+</file>
+
+<file path=ppt/slides/slide8.xml><?xml version="1.0" encoding="utf-8"?>
+<p:sld xmlns:a="http://schemas.openxmlformats.org/drawingml/2006/main" xmlns:r="http://schemas.openxmlformats.org/officeDocument/2006/relationships" xmlns:p="http://schemas.openxmlformats.org/presentationml/2006/main">
+  <p:cSld>
+    <p:spTree>
+      <p:nvGrpSpPr>
+        <p:cNvPr id="1" name=""/>
+        <p:cNvGrpSpPr/>
+        <p:nvPr/>
+      </p:nvGrpSpPr>
+      <p:grpSpPr>
+        <a:xfrm>
+          <a:off x="0" y="0"/>
+          <a:ext cx="0" cy="0"/>
+          <a:chOff x="0" y="0"/>
+          <a:chExt cx="0" cy="0"/>
+        </a:xfrm>
+      </p:grpSpPr>
+      <p:sp>
+        <p:nvSpPr>
+          <p:cNvPr id="2" name="Title 1"/>
+          <p:cNvSpPr>
+            <a:spLocks noGrp="1"/>
+          </p:cNvSpPr>
+          <p:nvPr>
+            <p:ph type="title"/>
+          </p:nvPr>
+        </p:nvSpPr>
+        <p:spPr>
+          <a:xfrm>
+            <a:off x="2592925" y="624110"/>
+            <a:ext cx="8911687" cy="650300"/>
+          </a:xfrm>
+        </p:spPr>
+        <p:txBody>
+          <a:bodyPr/>
+          <a:lstStyle/>
+          <a:p>
+            <a:r>
+              <a:rPr lang="en-US" dirty="0" smtClean="0"/>
+              <a:t>Threat Model</a:t>
+            </a:r>
+            <a:endParaRPr lang="en-US" dirty="0"/>
+          </a:p>
+        </p:txBody>
+      </p:sp>
+      <mc:AlternateContent xmlns:mc="http://schemas.openxmlformats.org/markup-compatibility/2006">
+        <mc:Choice xmlns:a14="http://schemas.microsoft.com/office/drawing/2010/main" Requires="a14">
+          <p:sp>
+            <p:nvSpPr>
+              <p:cNvPr id="3" name="Content Placeholder 2"/>
+              <p:cNvSpPr>
+                <a:spLocks noGrp="1"/>
+              </p:cNvSpPr>
+              <p:nvPr>
+                <p:ph idx="1"/>
+              </p:nvPr>
+            </p:nvSpPr>
+            <p:spPr>
+              <a:xfrm>
+                <a:off x="2589212" y="1274410"/>
+                <a:ext cx="8915400" cy="4636812"/>
+              </a:xfrm>
+            </p:spPr>
+            <p:txBody>
+              <a:bodyPr>
+                <a:normAutofit/>
+              </a:bodyPr>
+              <a:lstStyle/>
+              <a:p>
+                <a:pPr algn="just"/>
+                <a:r>
+                  <a:rPr lang="en-SG" dirty="0" smtClean="0"/>
+                  <a:t>Adversarial Goal</a:t>
+                </a:r>
+              </a:p>
+              <a:p>
+                <a:pPr lvl="1" algn="just"/>
+                <a:r>
+                  <a:rPr lang="en-SG" b="1" dirty="0" smtClean="0"/>
+                  <a:t>To </a:t>
+                </a:r>
+                <a:r>
+                  <a:rPr lang="en-SG" b="1" dirty="0"/>
+                  <a:t>produce a minimally </a:t>
+                </a:r>
+                <a:r>
+                  <a:rPr lang="en-SG" b="1" dirty="0" smtClean="0"/>
+                  <a:t>altered version </a:t>
+                </a:r>
+                <a:r>
+                  <a:rPr lang="en-SG" b="1" dirty="0"/>
+                  <a:t>of any input </a:t>
+                </a:r>
+                <a14:m>
+                  <m:oMath xmlns:m="http://schemas.openxmlformats.org/officeDocument/2006/math">
+                    <m:acc>
+                      <m:accPr>
+                        <m:chr m:val="⃗"/>
+                        <m:ctrlPr>
+                          <a:rPr lang="en-US" b="1">
+                            <a:latin typeface="Cambria Math" panose="02040503050406030204" pitchFamily="18" charset="0"/>
+                          </a:rPr>
+                        </m:ctrlPr>
+                      </m:accPr>
+                      <m:e>
+                        <m:r>
+                          <a:rPr lang="en-US" b="1" i="0">
+                            <a:latin typeface="Cambria Math" panose="02040503050406030204" pitchFamily="18" charset="0"/>
+                          </a:rPr>
+                          <m:t>𝐱</m:t>
+                        </m:r>
+                      </m:e>
+                    </m:acc>
+                  </m:oMath>
+                </a14:m>
+                <a:r>
+                  <a:rPr lang="en-SG" dirty="0"/>
+                  <a:t>, named adversarial sample, </a:t>
+                </a:r>
+                <a:r>
+                  <a:rPr lang="en-SG" dirty="0" smtClean="0"/>
+                  <a:t>and denoted </a:t>
+                </a:r>
+                <a14:m>
+                  <m:oMath xmlns:m="http://schemas.openxmlformats.org/officeDocument/2006/math">
+                    <m:sSup>
+                      <m:sSupPr>
+                        <m:ctrlPr>
+                          <a:rPr lang="en-US" smtClean="0">
+                            <a:latin typeface="Cambria Math" panose="02040503050406030204" pitchFamily="18" charset="0"/>
+                          </a:rPr>
+                        </m:ctrlPr>
+                      </m:sSupPr>
+                      <m:e>
+                        <m:acc>
+                          <m:accPr>
+                            <m:chr m:val="⃗"/>
+                            <m:ctrlPr>
+                              <a:rPr lang="en-US">
+                                <a:latin typeface="Cambria Math" panose="02040503050406030204" pitchFamily="18" charset="0"/>
+                              </a:rPr>
+                            </m:ctrlPr>
+                          </m:accPr>
+                          <m:e>
+                            <m:r>
+                              <m:rPr>
+                                <m:sty m:val="p"/>
+                              </m:rPr>
+                              <a:rPr lang="en-US" b="0" i="0">
+                                <a:latin typeface="Cambria Math" panose="02040503050406030204" pitchFamily="18" charset="0"/>
+                              </a:rPr>
+                              <m:t>x</m:t>
+                            </m:r>
+                          </m:e>
+                        </m:acc>
+                      </m:e>
+                      <m:sup>
+                        <m:r>
+                          <a:rPr lang="en-US" b="0" i="0" smtClean="0">
+                            <a:latin typeface="Cambria Math" panose="02040503050406030204" pitchFamily="18" charset="0"/>
+                          </a:rPr>
+                          <m:t>∗</m:t>
+                        </m:r>
+                      </m:sup>
+                    </m:sSup>
+                  </m:oMath>
+                </a14:m>
+                <a:r>
+                  <a:rPr lang="en-SG" dirty="0" smtClean="0"/>
+                  <a:t>, misclassified </a:t>
+                </a:r>
+                <a:r>
+                  <a:rPr lang="en-SG" dirty="0"/>
+                  <a:t>by oracle </a:t>
+                </a:r>
+                <a14:m>
+                  <m:oMath xmlns:m="http://schemas.openxmlformats.org/officeDocument/2006/math">
+                    <m:r>
+                      <a:rPr lang="en-SG" i="1" dirty="0" smtClean="0">
+                        <a:latin typeface="Cambria Math" panose="02040503050406030204" pitchFamily="18" charset="0"/>
+                      </a:rPr>
+                      <m:t>𝑂</m:t>
+                    </m:r>
+                  </m:oMath>
+                </a14:m>
+                <a:r>
+                  <a:rPr lang="en-SG" dirty="0" smtClean="0"/>
+                  <a:t>: </a:t>
+                </a:r>
+                <a14:m>
+                  <m:oMath xmlns:m="http://schemas.openxmlformats.org/officeDocument/2006/math">
+                    <m:acc>
+                      <m:accPr>
+                        <m:chr m:val="̃"/>
+                        <m:ctrlPr>
+                          <a:rPr lang="en-US" b="0" i="1" smtClean="0">
+                            <a:latin typeface="Cambria Math" panose="02040503050406030204" pitchFamily="18" charset="0"/>
+                          </a:rPr>
+                        </m:ctrlPr>
+                      </m:accPr>
+                      <m:e>
+                        <m:r>
+                          <a:rPr lang="en-US" b="0" i="1" smtClean="0">
+                            <a:latin typeface="Cambria Math" panose="02040503050406030204" pitchFamily="18" charset="0"/>
+                          </a:rPr>
+                          <m:t>𝑂</m:t>
+                        </m:r>
+                      </m:e>
+                    </m:acc>
+                    <m:d>
+                      <m:dPr>
+                        <m:ctrlPr>
+                          <a:rPr lang="en-US" b="0" i="1" smtClean="0">
+                            <a:latin typeface="Cambria Math" panose="02040503050406030204" pitchFamily="18" charset="0"/>
+                          </a:rPr>
+                        </m:ctrlPr>
+                      </m:dPr>
+                      <m:e>
+                        <m:sSup>
+                          <m:sSupPr>
+                            <m:ctrlPr>
+                              <a:rPr lang="en-US" i="1">
+                                <a:latin typeface="Cambria Math" panose="02040503050406030204" pitchFamily="18" charset="0"/>
+                              </a:rPr>
+                            </m:ctrlPr>
+                          </m:sSupPr>
+                          <m:e>
+                            <m:acc>
+                              <m:accPr>
+                                <m:chr m:val="⃗"/>
+                                <m:ctrlPr>
+                                  <a:rPr lang="en-US" i="1">
+                                    <a:latin typeface="Cambria Math" panose="02040503050406030204" pitchFamily="18" charset="0"/>
+                                  </a:rPr>
+                                </m:ctrlPr>
+                              </m:accPr>
+                              <m:e>
+                                <m:r>
+                                  <m:rPr>
+                                    <m:sty m:val="p"/>
+                                  </m:rPr>
+                                  <a:rPr lang="en-US">
+                                    <a:latin typeface="Cambria Math" panose="02040503050406030204" pitchFamily="18" charset="0"/>
+                                  </a:rPr>
+                                  <m:t>x</m:t>
+                                </m:r>
+                              </m:e>
+                            </m:acc>
+                          </m:e>
+                          <m:sup>
+                            <m:r>
+                              <a:rPr lang="en-US">
+                                <a:latin typeface="Cambria Math" panose="02040503050406030204" pitchFamily="18" charset="0"/>
+                              </a:rPr>
+                              <m:t>∗</m:t>
+                            </m:r>
+                          </m:sup>
+                        </m:sSup>
+                      </m:e>
+                    </m:d>
+                    <m:r>
+                      <a:rPr lang="en-US" b="0" i="1" smtClean="0">
+                        <a:latin typeface="Cambria Math" panose="02040503050406030204" pitchFamily="18" charset="0"/>
+                      </a:rPr>
+                      <m:t>≠</m:t>
+                    </m:r>
+                    <m:acc>
+                      <m:accPr>
+                        <m:chr m:val="̃"/>
+                        <m:ctrlPr>
+                          <a:rPr lang="en-US" b="0" i="1" smtClean="0">
+                            <a:latin typeface="Cambria Math" panose="02040503050406030204" pitchFamily="18" charset="0"/>
+                          </a:rPr>
+                        </m:ctrlPr>
+                      </m:accPr>
+                      <m:e>
+                        <m:r>
+                          <a:rPr lang="en-US" b="0" i="1" smtClean="0">
+                            <a:latin typeface="Cambria Math" panose="02040503050406030204" pitchFamily="18" charset="0"/>
+                          </a:rPr>
+                          <m:t>𝑂</m:t>
+                        </m:r>
+                      </m:e>
+                    </m:acc>
+                    <m:r>
+                      <a:rPr lang="en-US" b="0" i="1" smtClean="0">
+                        <a:latin typeface="Cambria Math" panose="02040503050406030204" pitchFamily="18" charset="0"/>
+                      </a:rPr>
+                      <m:t>(</m:t>
+                    </m:r>
+                    <m:acc>
+                      <m:accPr>
+                        <m:chr m:val="⃗"/>
+                        <m:ctrlPr>
+                          <a:rPr lang="en-US" i="1">
+                            <a:latin typeface="Cambria Math" panose="02040503050406030204" pitchFamily="18" charset="0"/>
+                          </a:rPr>
+                        </m:ctrlPr>
+                      </m:accPr>
+                      <m:e>
+                        <m:r>
+                          <m:rPr>
+                            <m:sty m:val="p"/>
+                          </m:rPr>
+                          <a:rPr lang="en-US">
+                            <a:latin typeface="Cambria Math" panose="02040503050406030204" pitchFamily="18" charset="0"/>
+                          </a:rPr>
+                          <m:t>x</m:t>
+                        </m:r>
+                      </m:e>
+                    </m:acc>
+                    <m:r>
+                      <a:rPr lang="en-US" b="0" i="1" smtClean="0">
+                        <a:latin typeface="Cambria Math" panose="02040503050406030204" pitchFamily="18" charset="0"/>
+                      </a:rPr>
+                      <m:t>)</m:t>
+                    </m:r>
+                  </m:oMath>
+                </a14:m>
+                <a:r>
+                  <a:rPr lang="en-SG" dirty="0" smtClean="0"/>
+                  <a:t>. This corresponds </a:t>
+                </a:r>
+                <a:r>
+                  <a:rPr lang="en-SG" dirty="0"/>
+                  <a:t>to an attack on the oracle's output </a:t>
+                </a:r>
+                <a:r>
+                  <a:rPr lang="en-SG" dirty="0" smtClean="0"/>
+                  <a:t>integrity.</a:t>
+                </a:r>
+              </a:p>
+              <a:p>
+                <a:pPr lvl="1" algn="just"/>
+                <a:r>
+                  <a:rPr lang="en-SG" dirty="0" smtClean="0"/>
+                  <a:t>Adversarial samples </a:t>
+                </a:r>
+                <a:r>
+                  <a:rPr lang="en-SG" dirty="0"/>
+                  <a:t>solve the following optimization problem</a:t>
+                </a:r>
+                <a:r>
+                  <a:rPr lang="en-SG" dirty="0" smtClean="0"/>
+                  <a:t>:</a:t>
+                </a:r>
+              </a:p>
+              <a:p>
+                <a:pPr marL="457200" lvl="1" indent="0" algn="just">
+                  <a:buNone/>
+                </a:pPr>
+                <a14:m>
+                  <m:oMathPara xmlns:m="http://schemas.openxmlformats.org/officeDocument/2006/math">
+                    <m:oMathParaPr>
+                      <m:jc m:val="centerGroup"/>
+                    </m:oMathParaPr>
+                    <m:oMath xmlns:m="http://schemas.openxmlformats.org/officeDocument/2006/math">
+                      <m:sSup>
+                        <m:sSupPr>
+                          <m:ctrlPr>
+                            <a:rPr lang="en-SG" i="1" smtClean="0">
+                              <a:latin typeface="Cambria Math" panose="02040503050406030204" pitchFamily="18" charset="0"/>
+                            </a:rPr>
+                          </m:ctrlPr>
+                        </m:sSupPr>
+                        <m:e>
+                          <m:acc>
+                            <m:accPr>
+                              <m:chr m:val="⃗"/>
+                              <m:ctrlPr>
+                                <a:rPr lang="en-SG" i="1" smtClean="0">
+                                  <a:latin typeface="Cambria Math" panose="02040503050406030204" pitchFamily="18" charset="0"/>
+                                </a:rPr>
+                              </m:ctrlPr>
+                            </m:accPr>
+                            <m:e>
+                              <m:r>
+                                <a:rPr lang="en-US" b="0" i="1" smtClean="0">
+                                  <a:latin typeface="Cambria Math" panose="02040503050406030204" pitchFamily="18" charset="0"/>
+                                </a:rPr>
+                                <m:t>𝑥</m:t>
+                              </m:r>
+                            </m:e>
+                          </m:acc>
+                        </m:e>
+                        <m:sup>
+                          <m:r>
+                            <a:rPr lang="en-US" b="0" i="1" smtClean="0">
+                              <a:latin typeface="Cambria Math" panose="02040503050406030204" pitchFamily="18" charset="0"/>
+                            </a:rPr>
+                            <m:t>∗</m:t>
+                          </m:r>
+                        </m:sup>
+                      </m:sSup>
+                      <m:r>
+                        <a:rPr lang="en-US" b="0" i="1" smtClean="0">
+                          <a:latin typeface="Cambria Math" panose="02040503050406030204" pitchFamily="18" charset="0"/>
+                        </a:rPr>
+                        <m:t>= </m:t>
+                      </m:r>
+                      <m:acc>
+                        <m:accPr>
+                          <m:chr m:val="⃗"/>
+                          <m:ctrlPr>
+                            <a:rPr lang="en-US" b="0" i="1" smtClean="0">
+                              <a:latin typeface="Cambria Math" panose="02040503050406030204" pitchFamily="18" charset="0"/>
+                            </a:rPr>
+                          </m:ctrlPr>
+                        </m:accPr>
+                        <m:e>
+                          <m:r>
+                            <a:rPr lang="en-US" b="0" i="1" smtClean="0">
+                              <a:latin typeface="Cambria Math" panose="02040503050406030204" pitchFamily="18" charset="0"/>
+                            </a:rPr>
+                            <m:t>𝑥</m:t>
+                          </m:r>
+                        </m:e>
+                      </m:acc>
+                      <m:r>
+                        <a:rPr lang="en-US" b="0" i="1" smtClean="0">
+                          <a:latin typeface="Cambria Math" panose="02040503050406030204" pitchFamily="18" charset="0"/>
+                        </a:rPr>
+                        <m:t>+</m:t>
+                      </m:r>
+                      <m:r>
+                        <a:rPr lang="en-US" b="0" i="1" smtClean="0">
+                          <a:latin typeface="Cambria Math" panose="02040503050406030204" pitchFamily="18" charset="0"/>
+                        </a:rPr>
+                        <m:t>𝑎𝑟𝑔𝑚𝑖𝑛</m:t>
+                      </m:r>
+                      <m:d>
+                        <m:dPr>
+                          <m:begChr m:val="{"/>
+                          <m:endChr m:val="}"/>
+                          <m:ctrlPr>
+                            <a:rPr lang="en-US" b="0" i="1" smtClean="0">
+                              <a:latin typeface="Cambria Math" panose="02040503050406030204" pitchFamily="18" charset="0"/>
+                            </a:rPr>
+                          </m:ctrlPr>
+                        </m:dPr>
+                        <m:e>
+                          <m:acc>
+                            <m:accPr>
+                              <m:chr m:val="⃗"/>
+                              <m:ctrlPr>
+                                <a:rPr lang="en-US" b="0" i="1" smtClean="0">
+                                  <a:latin typeface="Cambria Math" panose="02040503050406030204" pitchFamily="18" charset="0"/>
+                                </a:rPr>
+                              </m:ctrlPr>
+                            </m:accPr>
+                            <m:e>
+                              <m:r>
+                                <a:rPr lang="en-US" b="0" i="1" smtClean="0">
+                                  <a:latin typeface="Cambria Math" panose="02040503050406030204" pitchFamily="18" charset="0"/>
+                                </a:rPr>
+                                <m:t>𝑧</m:t>
+                              </m:r>
+                            </m:e>
+                          </m:acc>
+                          <m:r>
+                            <a:rPr lang="en-US" b="0" i="1" smtClean="0">
+                              <a:latin typeface="Cambria Math" panose="02040503050406030204" pitchFamily="18" charset="0"/>
+                            </a:rPr>
+                            <m:t>:</m:t>
+                          </m:r>
+                          <m:acc>
+                            <m:accPr>
+                              <m:chr m:val="̃"/>
+                              <m:ctrlPr>
+                                <a:rPr lang="en-US" i="1">
+                                  <a:latin typeface="Cambria Math" panose="02040503050406030204" pitchFamily="18" charset="0"/>
+                                </a:rPr>
+                              </m:ctrlPr>
+                            </m:accPr>
+                            <m:e>
+                              <m:r>
+                                <a:rPr lang="en-US" i="1">
+                                  <a:latin typeface="Cambria Math" panose="02040503050406030204" pitchFamily="18" charset="0"/>
+                                </a:rPr>
+                                <m:t>𝑂</m:t>
+                              </m:r>
+                            </m:e>
+                          </m:acc>
+                          <m:d>
+                            <m:dPr>
+                              <m:ctrlPr>
+                                <a:rPr lang="en-US" i="1">
+                                  <a:latin typeface="Cambria Math" panose="02040503050406030204" pitchFamily="18" charset="0"/>
+                                </a:rPr>
+                              </m:ctrlPr>
+                            </m:dPr>
+                            <m:e>
+                              <m:acc>
+                                <m:accPr>
+                                  <m:chr m:val="⃗"/>
+                                  <m:ctrlPr>
+                                    <a:rPr lang="en-US" i="1" smtClean="0">
+                                      <a:latin typeface="Cambria Math" panose="02040503050406030204" pitchFamily="18" charset="0"/>
+                                    </a:rPr>
+                                  </m:ctrlPr>
+                                </m:accPr>
+                                <m:e>
+                                  <m:r>
+                                    <a:rPr lang="en-US" b="0" i="1" smtClean="0">
+                                      <a:latin typeface="Cambria Math" panose="02040503050406030204" pitchFamily="18" charset="0"/>
+                                    </a:rPr>
+                                    <m:t>𝑥</m:t>
+                                  </m:r>
+                                </m:e>
+                              </m:acc>
+                              <m:r>
+                                <a:rPr lang="en-US" b="0" i="1" smtClean="0">
+                                  <a:latin typeface="Cambria Math" panose="02040503050406030204" pitchFamily="18" charset="0"/>
+                                </a:rPr>
+                                <m:t>+</m:t>
+                              </m:r>
+                              <m:acc>
+                                <m:accPr>
+                                  <m:chr m:val="⃗"/>
+                                  <m:ctrlPr>
+                                    <a:rPr lang="en-US" b="0" i="1" smtClean="0">
+                                      <a:latin typeface="Cambria Math" panose="02040503050406030204" pitchFamily="18" charset="0"/>
+                                    </a:rPr>
+                                  </m:ctrlPr>
+                                </m:accPr>
+                                <m:e>
+                                  <m:r>
+                                    <a:rPr lang="en-US" b="0" i="1" smtClean="0">
+                                      <a:latin typeface="Cambria Math" panose="02040503050406030204" pitchFamily="18" charset="0"/>
+                                    </a:rPr>
+                                    <m:t>𝑧</m:t>
+                                  </m:r>
+                                </m:e>
+                              </m:acc>
+                            </m:e>
+                          </m:d>
+                          <m:r>
+                            <a:rPr lang="en-US" i="1" smtClean="0">
+                              <a:latin typeface="Cambria Math" panose="02040503050406030204" pitchFamily="18" charset="0"/>
+                            </a:rPr>
+                            <m:t>≠</m:t>
+                          </m:r>
+                          <m:acc>
+                            <m:accPr>
+                              <m:chr m:val="̃"/>
+                              <m:ctrlPr>
+                                <a:rPr lang="en-US" i="1">
+                                  <a:latin typeface="Cambria Math" panose="02040503050406030204" pitchFamily="18" charset="0"/>
+                                </a:rPr>
+                              </m:ctrlPr>
+                            </m:accPr>
+                            <m:e>
+                              <m:r>
+                                <a:rPr lang="en-US" i="1">
+                                  <a:latin typeface="Cambria Math" panose="02040503050406030204" pitchFamily="18" charset="0"/>
+                                </a:rPr>
+                                <m:t>𝑂</m:t>
+                              </m:r>
+                            </m:e>
+                          </m:acc>
+                          <m:d>
+                            <m:dPr>
+                              <m:ctrlPr>
+                                <a:rPr lang="en-US" i="1">
+                                  <a:latin typeface="Cambria Math" panose="02040503050406030204" pitchFamily="18" charset="0"/>
+                                </a:rPr>
+                              </m:ctrlPr>
+                            </m:dPr>
+                            <m:e>
+                              <m:acc>
+                                <m:accPr>
+                                  <m:chr m:val="⃗"/>
+                                  <m:ctrlPr>
+                                    <a:rPr lang="en-US" i="1" smtClean="0">
+                                      <a:latin typeface="Cambria Math" panose="02040503050406030204" pitchFamily="18" charset="0"/>
+                                    </a:rPr>
+                                  </m:ctrlPr>
+                                </m:accPr>
+                                <m:e>
+                                  <m:r>
+                                    <a:rPr lang="en-US" b="0" i="1" smtClean="0">
+                                      <a:latin typeface="Cambria Math" panose="02040503050406030204" pitchFamily="18" charset="0"/>
+                                    </a:rPr>
+                                    <m:t>𝑥</m:t>
+                                  </m:r>
+                                </m:e>
+                              </m:acc>
+                            </m:e>
+                          </m:d>
+                        </m:e>
+                      </m:d>
+                      <m:r>
+                        <a:rPr lang="en-US" b="0" i="1" smtClean="0">
+                          <a:latin typeface="Cambria Math" panose="02040503050406030204" pitchFamily="18" charset="0"/>
+                        </a:rPr>
+                        <m:t>= </m:t>
+                      </m:r>
+                      <m:acc>
+                        <m:accPr>
+                          <m:chr m:val="⃗"/>
+                          <m:ctrlPr>
+                            <a:rPr lang="en-US" b="0" i="1" smtClean="0">
+                              <a:latin typeface="Cambria Math" panose="02040503050406030204" pitchFamily="18" charset="0"/>
+                            </a:rPr>
+                          </m:ctrlPr>
+                        </m:accPr>
+                        <m:e>
+                          <m:r>
+                            <a:rPr lang="en-US" b="0" i="1" smtClean="0">
+                              <a:latin typeface="Cambria Math" panose="02040503050406030204" pitchFamily="18" charset="0"/>
+                            </a:rPr>
+                            <m:t>𝑥</m:t>
+                          </m:r>
+                        </m:e>
+                      </m:acc>
+                      <m:r>
+                        <a:rPr lang="en-US" b="0" i="1" smtClean="0">
+                          <a:latin typeface="Cambria Math" panose="02040503050406030204" pitchFamily="18" charset="0"/>
+                        </a:rPr>
+                        <m:t>+</m:t>
+                      </m:r>
+                      <m:sSub>
+                        <m:sSubPr>
+                          <m:ctrlPr>
+                            <a:rPr lang="en-US" b="0" i="1" smtClean="0">
+                              <a:latin typeface="Cambria Math" panose="02040503050406030204" pitchFamily="18" charset="0"/>
+                            </a:rPr>
+                          </m:ctrlPr>
+                        </m:sSubPr>
+                        <m:e>
+                          <m:r>
+                            <a:rPr lang="en-US" b="0" i="1" smtClean="0">
+                              <a:latin typeface="Cambria Math" panose="02040503050406030204" pitchFamily="18" charset="0"/>
+                              <a:ea typeface="Cambria Math" panose="02040503050406030204" pitchFamily="18" charset="0"/>
+                            </a:rPr>
+                            <m:t>𝛿</m:t>
+                          </m:r>
+                        </m:e>
+                        <m:sub>
+                          <m:acc>
+                            <m:accPr>
+                              <m:chr m:val="⃗"/>
+                              <m:ctrlPr>
+                                <a:rPr lang="en-US" b="0" i="1" smtClean="0">
+                                  <a:latin typeface="Cambria Math" panose="02040503050406030204" pitchFamily="18" charset="0"/>
+                                </a:rPr>
+                              </m:ctrlPr>
+                            </m:accPr>
+                            <m:e>
+                              <m:r>
+                                <a:rPr lang="en-US" b="0" i="1" smtClean="0">
+                                  <a:latin typeface="Cambria Math" panose="02040503050406030204" pitchFamily="18" charset="0"/>
+                                </a:rPr>
+                                <m:t>𝑥</m:t>
+                              </m:r>
+                            </m:e>
+                          </m:acc>
+                        </m:sub>
+                      </m:sSub>
+                    </m:oMath>
+                  </m:oMathPara>
+                </a14:m>
+                <a:endParaRPr lang="en-SG" dirty="0"/>
+              </a:p>
+              <a:p>
+                <a:pPr lvl="1" algn="just"/>
+                <a:endParaRPr lang="en-SG" dirty="0" smtClean="0"/>
+              </a:p>
+              <a:p>
+                <a:pPr lvl="1" algn="just"/>
+                <a:endParaRPr lang="en-SG" dirty="0" smtClean="0"/>
+              </a:p>
+              <a:p>
+                <a:pPr lvl="1" algn="just"/>
+                <a:r>
+                  <a:rPr lang="en-SG" dirty="0" smtClean="0"/>
+                  <a:t>Even </a:t>
+                </a:r>
+                <a:r>
+                  <a:rPr lang="en-SG" dirty="0"/>
+                  <a:t>with </a:t>
+                </a:r>
+                <a:r>
+                  <a:rPr lang="en-SG" dirty="0" smtClean="0"/>
+                  <a:t>total knowledge </a:t>
+                </a:r>
+                <a:r>
+                  <a:rPr lang="en-SG" dirty="0"/>
+                  <a:t>of the architecture used to train model </a:t>
+                </a:r>
+                <a14:m>
+                  <m:oMath xmlns:m="http://schemas.openxmlformats.org/officeDocument/2006/math">
+                    <m:r>
+                      <a:rPr lang="en-SG" i="1" dirty="0" smtClean="0">
+                        <a:latin typeface="Cambria Math" panose="02040503050406030204" pitchFamily="18" charset="0"/>
+                      </a:rPr>
+                      <m:t>𝑂</m:t>
+                    </m:r>
+                  </m:oMath>
+                </a14:m>
+                <a:r>
+                  <a:rPr lang="en-SG" dirty="0"/>
+                  <a:t> and </a:t>
+                </a:r>
+                <a:r>
+                  <a:rPr lang="en-SG" dirty="0" smtClean="0"/>
+                  <a:t>its parameters </a:t>
+                </a:r>
+                <a:r>
+                  <a:rPr lang="en-SG" dirty="0"/>
+                  <a:t>resulting from </a:t>
+                </a:r>
+                <a:r>
+                  <a:rPr lang="en-SG" dirty="0" smtClean="0"/>
+                  <a:t>training, finding </a:t>
+                </a:r>
+                <a:r>
+                  <a:rPr lang="en-SG" dirty="0"/>
+                  <a:t>such a </a:t>
+                </a:r>
+                <a:r>
+                  <a:rPr lang="en-SG" dirty="0" smtClean="0"/>
+                  <a:t>minimal perturbation </a:t>
+                </a:r>
+                <a:r>
+                  <a:rPr lang="en-SG" dirty="0"/>
+                  <a:t>is not trivial, as properties of DNNs </a:t>
+                </a:r>
+                <a:r>
+                  <a:rPr lang="en-SG" dirty="0" smtClean="0"/>
+                  <a:t>preclude the </a:t>
+                </a:r>
+                <a:r>
+                  <a:rPr lang="en-SG" dirty="0"/>
+                  <a:t>optimization problem from being linear or </a:t>
+                </a:r>
+                <a:r>
+                  <a:rPr lang="en-SG" dirty="0" smtClean="0"/>
+                  <a:t>convex.</a:t>
+                </a:r>
+              </a:p>
+              <a:p>
+                <a:pPr lvl="1" algn="just"/>
+                <a:r>
+                  <a:rPr lang="en-SG" dirty="0" smtClean="0"/>
+                  <a:t>Removing </a:t>
+                </a:r>
+                <a:r>
+                  <a:rPr lang="en-SG" dirty="0"/>
+                  <a:t>knowledge </a:t>
+                </a:r>
+                <a:r>
+                  <a:rPr lang="en-SG" dirty="0" smtClean="0"/>
+                  <a:t>of model </a:t>
+                </a:r>
+                <a14:m>
+                  <m:oMath xmlns:m="http://schemas.openxmlformats.org/officeDocument/2006/math">
+                    <m:r>
+                      <a:rPr lang="en-SG" i="1" dirty="0" smtClean="0">
+                        <a:latin typeface="Cambria Math" panose="02040503050406030204" pitchFamily="18" charset="0"/>
+                      </a:rPr>
+                      <m:t>𝑂</m:t>
+                    </m:r>
+                  </m:oMath>
+                </a14:m>
+                <a:r>
+                  <a:rPr lang="en-SG" dirty="0"/>
+                  <a:t>'s architecture and training data makes it harder </a:t>
+                </a:r>
+                <a:r>
+                  <a:rPr lang="en-SG" dirty="0" smtClean="0"/>
+                  <a:t>to find </a:t>
+                </a:r>
+                <a:r>
+                  <a:rPr lang="en-SG" dirty="0"/>
+                  <a:t>a perturbation such </a:t>
+                </a:r>
+                <a:r>
+                  <a:rPr lang="en-SG" dirty="0" smtClean="0"/>
+                  <a:t>that </a:t>
+                </a:r>
+                <a14:m>
+                  <m:oMath xmlns:m="http://schemas.openxmlformats.org/officeDocument/2006/math">
+                    <m:acc>
+                      <m:accPr>
+                        <m:chr m:val="̃"/>
+                        <m:ctrlPr>
+                          <a:rPr lang="en-US" i="1">
+                            <a:latin typeface="Cambria Math" panose="02040503050406030204" pitchFamily="18" charset="0"/>
+                          </a:rPr>
+                        </m:ctrlPr>
+                      </m:accPr>
+                      <m:e>
+                        <m:r>
+                          <a:rPr lang="en-US" i="1">
+                            <a:latin typeface="Cambria Math" panose="02040503050406030204" pitchFamily="18" charset="0"/>
+                          </a:rPr>
+                          <m:t>𝑂</m:t>
+                        </m:r>
+                      </m:e>
+                    </m:acc>
+                    <m:d>
+                      <m:dPr>
+                        <m:ctrlPr>
+                          <a:rPr lang="en-US" i="1">
+                            <a:latin typeface="Cambria Math" panose="02040503050406030204" pitchFamily="18" charset="0"/>
+                          </a:rPr>
+                        </m:ctrlPr>
+                      </m:dPr>
+                      <m:e>
+                        <m:acc>
+                          <m:accPr>
+                            <m:chr m:val="⃗"/>
+                            <m:ctrlPr>
+                              <a:rPr lang="en-US" i="1">
+                                <a:latin typeface="Cambria Math" panose="02040503050406030204" pitchFamily="18" charset="0"/>
+                              </a:rPr>
+                            </m:ctrlPr>
+                          </m:accPr>
+                          <m:e>
+                            <m:r>
+                              <a:rPr lang="en-US" i="1">
+                                <a:latin typeface="Cambria Math" panose="02040503050406030204" pitchFamily="18" charset="0"/>
+                              </a:rPr>
+                              <m:t>𝑥</m:t>
+                            </m:r>
+                          </m:e>
+                        </m:acc>
+                        <m:r>
+                          <a:rPr lang="en-US" i="1">
+                            <a:latin typeface="Cambria Math" panose="02040503050406030204" pitchFamily="18" charset="0"/>
+                          </a:rPr>
+                          <m:t>+</m:t>
+                        </m:r>
+                        <m:sSub>
+                          <m:sSubPr>
+                            <m:ctrlPr>
+                              <a:rPr lang="en-US" i="1">
+                                <a:latin typeface="Cambria Math" panose="02040503050406030204" pitchFamily="18" charset="0"/>
+                              </a:rPr>
+                            </m:ctrlPr>
+                          </m:sSubPr>
+                          <m:e>
+                            <m:r>
+                              <a:rPr lang="en-US" i="1">
+                                <a:latin typeface="Cambria Math" panose="02040503050406030204" pitchFamily="18" charset="0"/>
+                                <a:ea typeface="Cambria Math" panose="02040503050406030204" pitchFamily="18" charset="0"/>
+                              </a:rPr>
+                              <m:t>𝛿</m:t>
+                            </m:r>
+                          </m:e>
+                          <m:sub>
+                            <m:acc>
+                              <m:accPr>
+                                <m:chr m:val="⃗"/>
+                                <m:ctrlPr>
+                                  <a:rPr lang="en-US" i="1">
+                                    <a:latin typeface="Cambria Math" panose="02040503050406030204" pitchFamily="18" charset="0"/>
+                                  </a:rPr>
+                                </m:ctrlPr>
+                              </m:accPr>
+                              <m:e>
+                                <m:r>
+                                  <a:rPr lang="en-US" i="1">
+                                    <a:latin typeface="Cambria Math" panose="02040503050406030204" pitchFamily="18" charset="0"/>
+                                  </a:rPr>
+                                  <m:t>𝑥</m:t>
+                                </m:r>
+                              </m:e>
+                            </m:acc>
+                          </m:sub>
+                        </m:sSub>
+                      </m:e>
+                    </m:d>
+                    <m:r>
+                      <a:rPr lang="en-US" i="1">
+                        <a:latin typeface="Cambria Math" panose="02040503050406030204" pitchFamily="18" charset="0"/>
+                      </a:rPr>
+                      <m:t>≠</m:t>
+                    </m:r>
+                    <m:acc>
+                      <m:accPr>
+                        <m:chr m:val="̃"/>
+                        <m:ctrlPr>
+                          <a:rPr lang="en-US" i="1">
+                            <a:latin typeface="Cambria Math" panose="02040503050406030204" pitchFamily="18" charset="0"/>
+                          </a:rPr>
+                        </m:ctrlPr>
+                      </m:accPr>
+                      <m:e>
+                        <m:r>
+                          <a:rPr lang="en-US" i="1">
+                            <a:latin typeface="Cambria Math" panose="02040503050406030204" pitchFamily="18" charset="0"/>
+                          </a:rPr>
+                          <m:t>𝑂</m:t>
+                        </m:r>
+                      </m:e>
+                    </m:acc>
+                    <m:d>
+                      <m:dPr>
+                        <m:ctrlPr>
+                          <a:rPr lang="en-US" i="1">
+                            <a:latin typeface="Cambria Math" panose="02040503050406030204" pitchFamily="18" charset="0"/>
+                          </a:rPr>
+                        </m:ctrlPr>
+                      </m:dPr>
+                      <m:e>
+                        <m:acc>
+                          <m:accPr>
+                            <m:chr m:val="⃗"/>
+                            <m:ctrlPr>
+                              <a:rPr lang="en-US" i="1">
+                                <a:latin typeface="Cambria Math" panose="02040503050406030204" pitchFamily="18" charset="0"/>
+                              </a:rPr>
+                            </m:ctrlPr>
+                          </m:accPr>
+                          <m:e>
+                            <m:r>
+                              <a:rPr lang="en-US" i="1">
+                                <a:latin typeface="Cambria Math" panose="02040503050406030204" pitchFamily="18" charset="0"/>
+                              </a:rPr>
+                              <m:t>𝑥</m:t>
+                            </m:r>
+                          </m:e>
+                        </m:acc>
+                      </m:e>
+                    </m:d>
+                  </m:oMath>
+                </a14:m>
+                <a:r>
+                  <a:rPr lang="en-SG" dirty="0" smtClean="0"/>
+                  <a:t> holds</a:t>
+                </a:r>
+                <a:r>
+                  <a:rPr lang="en-SG" dirty="0"/>
+                  <a:t>.</a:t>
+                </a:r>
+                <a:endParaRPr lang="en-SG" dirty="0" smtClean="0"/>
+              </a:p>
+            </p:txBody>
+          </p:sp>
+        </mc:Choice>
+        <mc:Fallback>
+          <p:sp>
+            <p:nvSpPr>
+              <p:cNvPr id="3" name="Content Placeholder 2"/>
+              <p:cNvSpPr>
+                <a:spLocks noGrp="1" noRot="1" noChangeAspect="1" noMove="1" noResize="1" noEditPoints="1" noAdjustHandles="1" noChangeArrowheads="1" noChangeShapeType="1" noTextEdit="1"/>
+              </p:cNvSpPr>
+              <p:nvPr>
+                <p:ph idx="1"/>
+              </p:nvPr>
+            </p:nvSpPr>
+            <p:spPr>
+              <a:xfrm>
+                <a:off x="2589212" y="1274410"/>
+                <a:ext cx="8915400" cy="4636812"/>
+              </a:xfrm>
+              <a:blipFill>
+                <a:blip r:embed="rId2"/>
+                <a:stretch>
+                  <a:fillRect l="-479" t="-657" r="-342"/>
+                </a:stretch>
+              </a:blipFill>
+            </p:spPr>
+            <p:txBody>
+              <a:bodyPr/>
+              <a:lstStyle/>
+              <a:p>
+                <a:r>
+                  <a:rPr lang="en-US">
+                    <a:noFill/>
+                  </a:rPr>
+                  <a:t> </a:t>
+                </a:r>
+              </a:p>
+            </p:txBody>
+          </p:sp>
+        </mc:Fallback>
+      </mc:AlternateContent>
+      <p:sp>
+        <p:nvSpPr>
+          <p:cNvPr id="24" name="Date Placeholder 23"/>
+          <p:cNvSpPr>
+            <a:spLocks noGrp="1"/>
+          </p:cNvSpPr>
+          <p:nvPr>
+            <p:ph type="dt" sz="half" idx="10"/>
+          </p:nvPr>
+        </p:nvSpPr>
+        <p:spPr/>
+        <p:txBody>
+          <a:bodyPr/>
+          <a:lstStyle/>
+          <a:p>
+            <a:fld id="{2EFB6F28-65EE-44D6-BFFE-56AB02E1ABA6}" type="datetime1">
+              <a:rPr lang="en-US" smtClean="0"/>
+              <a:t>9/4/2017</a:t>
+            </a:fld>
+            <a:endParaRPr lang="en-US" dirty="0"/>
+          </a:p>
+        </p:txBody>
+      </p:sp>
+      <p:sp>
+        <p:nvSpPr>
+          <p:cNvPr id="26" name="Slide Number Placeholder 25"/>
+          <p:cNvSpPr>
+            <a:spLocks noGrp="1"/>
+          </p:cNvSpPr>
+          <p:nvPr>
+            <p:ph type="sldNum" sz="quarter" idx="12"/>
+          </p:nvPr>
+        </p:nvSpPr>
+        <p:spPr/>
+        <p:txBody>
+          <a:bodyPr/>
+          <a:lstStyle/>
+          <a:p>
+            <a:fld id="{D57F1E4F-1CFF-5643-939E-217C01CDF565}" type="slidenum">
+              <a:rPr lang="en-US" smtClean="0"/>
+              <a:pPr/>
+              <a:t>8</a:t>
+            </a:fld>
+            <a:endParaRPr lang="en-US" dirty="0"/>
+          </a:p>
+        </p:txBody>
+      </p:sp>
+      <p:sp>
+        <p:nvSpPr>
+          <p:cNvPr id="17" name="TextBox 16"/>
+          <p:cNvSpPr txBox="1"/>
+          <p:nvPr/>
+        </p:nvSpPr>
+        <p:spPr>
+          <a:xfrm>
+            <a:off x="2589212" y="6465498"/>
+            <a:ext cx="8915400" cy="272415"/>
+          </a:xfrm>
+          <a:prstGeom prst="roundRect">
+            <a:avLst/>
+          </a:prstGeom>
+          <a:solidFill>
+            <a:srgbClr val="2E5369"/>
+          </a:solidFill>
+        </p:spPr>
+        <p:txBody>
+          <a:bodyPr wrap="square" rtlCol="0">
+            <a:spAutoFit/>
+          </a:bodyPr>
+          <a:lstStyle/>
+          <a:p>
+            <a:pPr algn="ctr"/>
+            <a:r>
+              <a:rPr lang="en-SG" sz="1000" dirty="0">
+                <a:solidFill>
+                  <a:schemeClr val="bg1"/>
+                </a:solidFill>
+              </a:rPr>
+              <a:t>Practical Black-Box Attacks against Machine </a:t>
+            </a:r>
+            <a:r>
+              <a:rPr lang="en-SG" sz="1000" dirty="0" smtClean="0">
+                <a:solidFill>
+                  <a:schemeClr val="bg1"/>
+                </a:solidFill>
+              </a:rPr>
+              <a:t>Learning – </a:t>
+            </a:r>
+            <a:r>
+              <a:rPr lang="en-US" sz="1000" dirty="0" smtClean="0">
+                <a:solidFill>
+                  <a:schemeClr val="bg1"/>
+                </a:solidFill>
+              </a:rPr>
+              <a:t>Papernot et. al., ASIA CCS ‘17</a:t>
+            </a:r>
+            <a:endParaRPr lang="en-US" sz="1000" dirty="0">
+              <a:solidFill>
+                <a:schemeClr val="bg1"/>
+              </a:solidFill>
+            </a:endParaRPr>
+          </a:p>
+        </p:txBody>
+      </p:sp>
+      <p:pic>
+        <p:nvPicPr>
+          <p:cNvPr id="4" name="Picture 3"/>
+          <p:cNvPicPr>
+            <a:picLocks noChangeAspect="1"/>
+          </p:cNvPicPr>
+          <p:nvPr/>
+        </p:nvPicPr>
+        <p:blipFill>
+          <a:blip r:embed="rId3">
+            <a:clrChange>
+              <a:clrFrom>
+                <a:srgbClr val="FFFFFF"/>
+              </a:clrFrom>
+              <a:clrTo>
+                <a:srgbClr val="FFFFFF">
+                  <a:alpha val="0"/>
+                </a:srgbClr>
+              </a:clrTo>
+            </a:clrChange>
+            <a:extLst>
+              <a:ext uri="{28A0092B-C50C-407E-A947-70E740481C1C}">
+                <a14:useLocalDpi xmlns:a14="http://schemas.microsoft.com/office/drawing/2010/main" val="0"/>
+              </a:ext>
+            </a:extLst>
+          </a:blip>
+          <a:stretch>
+            <a:fillRect/>
+          </a:stretch>
+        </p:blipFill>
+        <p:spPr>
+          <a:xfrm>
+            <a:off x="9046845" y="2807776"/>
+            <a:ext cx="2233324" cy="1182333"/>
+          </a:xfrm>
+          <a:prstGeom prst="rect">
+            <a:avLst/>
+          </a:prstGeom>
+        </p:spPr>
+      </p:pic>
+    </p:spTree>
+    <p:extLst>
+      <p:ext uri="{BB962C8B-B14F-4D97-AF65-F5344CB8AC3E}">
+        <p14:creationId xmlns:p14="http://schemas.microsoft.com/office/powerpoint/2010/main" val="3744807311"/>
+      </p:ext>
+    </p:extLst>
+  </p:cSld>
+  <p:clrMapOvr>
+    <a:masterClrMapping/>
+  </p:clrMapOvr>
+  <p:timing>
+    <p:tnLst>
+      <p:par>
+        <p:cTn id="1" dur="indefinite" restart="never" nodeType="tmRoot"/>
+      </p:par>
+    </p:tnLst>
+  </p:timing>
+</p:sld>
+</file>
+
+<file path=ppt/slides/slide9.xml><?xml version="1.0" encoding="utf-8"?>
+<p:sld xmlns:a="http://schemas.openxmlformats.org/drawingml/2006/main" xmlns:r="http://schemas.openxmlformats.org/officeDocument/2006/relationships" xmlns:p="http://schemas.openxmlformats.org/presentationml/2006/main">
+  <p:cSld>
+    <p:spTree>
+      <p:nvGrpSpPr>
+        <p:cNvPr id="1" name=""/>
+        <p:cNvGrpSpPr/>
+        <p:nvPr/>
+      </p:nvGrpSpPr>
+      <p:grpSpPr>
+        <a:xfrm>
+          <a:off x="0" y="0"/>
+          <a:ext cx="0" cy="0"/>
+          <a:chOff x="0" y="0"/>
+          <a:chExt cx="0" cy="0"/>
+        </a:xfrm>
+      </p:grpSpPr>
+      <p:sp>
+        <p:nvSpPr>
+          <p:cNvPr id="2" name="Title 1"/>
+          <p:cNvSpPr>
+            <a:spLocks noGrp="1"/>
+          </p:cNvSpPr>
+          <p:nvPr>
+            <p:ph type="title"/>
+          </p:nvPr>
+        </p:nvSpPr>
+        <p:spPr>
+          <a:xfrm>
+            <a:off x="2592925" y="624110"/>
+            <a:ext cx="8911687" cy="650300"/>
+          </a:xfrm>
+        </p:spPr>
+        <p:txBody>
+          <a:bodyPr/>
+          <a:lstStyle/>
+          <a:p>
+            <a:r>
+              <a:rPr lang="en-US" dirty="0" smtClean="0"/>
+              <a:t>Black-Box Attack Strategy</a:t>
+            </a:r>
+            <a:endParaRPr lang="en-US" dirty="0"/>
+          </a:p>
+        </p:txBody>
+      </p:sp>
+      <mc:AlternateContent xmlns:mc="http://schemas.openxmlformats.org/markup-compatibility/2006">
+        <mc:Choice xmlns:a14="http://schemas.microsoft.com/office/drawing/2010/main" Requires="a14">
+          <p:sp>
+            <p:nvSpPr>
+              <p:cNvPr id="3" name="Content Placeholder 2"/>
+              <p:cNvSpPr>
+                <a:spLocks noGrp="1"/>
+              </p:cNvSpPr>
+              <p:nvPr>
+                <p:ph idx="1"/>
+              </p:nvPr>
+            </p:nvSpPr>
+            <p:spPr>
+              <a:xfrm>
+                <a:off x="2589212" y="1274410"/>
+                <a:ext cx="8915400" cy="4636812"/>
+              </a:xfrm>
+            </p:spPr>
+            <p:txBody>
+              <a:bodyPr>
+                <a:normAutofit/>
+              </a:bodyPr>
+              <a:lstStyle/>
+              <a:p>
+                <a:pPr algn="just"/>
+                <a:r>
+                  <a:rPr lang="en-SG" b="1" u="sng" dirty="0" smtClean="0"/>
+                  <a:t>Substitute Model Training</a:t>
+                </a:r>
+              </a:p>
+              <a:p>
+                <a:pPr lvl="1" algn="just"/>
+                <a:r>
+                  <a:rPr lang="en-SG" dirty="0" smtClean="0"/>
+                  <a:t>The </a:t>
+                </a:r>
+                <a:r>
+                  <a:rPr lang="en-SG" dirty="0"/>
+                  <a:t>attacker </a:t>
+                </a:r>
+                <a:r>
+                  <a:rPr lang="en-SG" dirty="0" smtClean="0"/>
+                  <a:t>queries the </a:t>
+                </a:r>
+                <a:r>
+                  <a:rPr lang="en-SG" dirty="0"/>
+                  <a:t>oracle with synthetic inputs selected by a </a:t>
+                </a:r>
+                <a:r>
+                  <a:rPr lang="en-SG" i="1" u="sng" dirty="0" smtClean="0"/>
+                  <a:t>Jacobian based heuristic</a:t>
+                </a:r>
+                <a:r>
+                  <a:rPr lang="en-SG" dirty="0" smtClean="0"/>
+                  <a:t> </a:t>
+                </a:r>
+                <a:r>
+                  <a:rPr lang="en-SG" dirty="0"/>
+                  <a:t>to build a model </a:t>
+                </a:r>
+                <a14:m>
+                  <m:oMath xmlns:m="http://schemas.openxmlformats.org/officeDocument/2006/math">
+                    <m:r>
+                      <a:rPr lang="en-SG" i="1" dirty="0" smtClean="0">
+                        <a:latin typeface="Cambria Math" panose="02040503050406030204" pitchFamily="18" charset="0"/>
+                      </a:rPr>
+                      <m:t>𝐹</m:t>
+                    </m:r>
+                  </m:oMath>
+                </a14:m>
+                <a:r>
+                  <a:rPr lang="en-SG" dirty="0"/>
+                  <a:t> approximating </a:t>
+                </a:r>
+                <a:r>
+                  <a:rPr lang="en-SG" dirty="0" smtClean="0"/>
+                  <a:t>the oracle </a:t>
+                </a:r>
+                <a:r>
+                  <a:rPr lang="en-SG" dirty="0"/>
+                  <a:t>model </a:t>
+                </a:r>
+                <a14:m>
+                  <m:oMath xmlns:m="http://schemas.openxmlformats.org/officeDocument/2006/math">
+                    <m:r>
+                      <a:rPr lang="en-SG" i="1" dirty="0" smtClean="0">
+                        <a:latin typeface="Cambria Math" panose="02040503050406030204" pitchFamily="18" charset="0"/>
+                      </a:rPr>
+                      <m:t>𝑂</m:t>
+                    </m:r>
+                  </m:oMath>
+                </a14:m>
+                <a:r>
+                  <a:rPr lang="en-SG" dirty="0"/>
+                  <a:t>'s decision boundaries</a:t>
+                </a:r>
+                <a:r>
+                  <a:rPr lang="en-SG" dirty="0" smtClean="0"/>
+                  <a:t>.</a:t>
+                </a:r>
+              </a:p>
+              <a:p>
+                <a:pPr lvl="1" algn="just"/>
+                <a:r>
+                  <a:rPr lang="en-SG" dirty="0" smtClean="0"/>
+                  <a:t>Challenges</a:t>
+                </a:r>
+              </a:p>
+              <a:p>
+                <a:pPr lvl="2" algn="just"/>
+                <a:r>
+                  <a:rPr lang="en-SG" dirty="0" smtClean="0"/>
+                  <a:t>Select </a:t>
+                </a:r>
+                <a:r>
+                  <a:rPr lang="en-SG" dirty="0"/>
+                  <a:t>an architecture </a:t>
+                </a:r>
+                <a:r>
+                  <a:rPr lang="en-SG" dirty="0" smtClean="0"/>
+                  <a:t>for substitute </a:t>
+                </a:r>
+                <a:r>
+                  <a:rPr lang="en-SG" dirty="0"/>
+                  <a:t>without knowledge of the targeted </a:t>
+                </a:r>
+                <a:r>
+                  <a:rPr lang="en-SG" dirty="0" smtClean="0"/>
+                  <a:t>oracle's architecture.</a:t>
+                </a:r>
+              </a:p>
+              <a:p>
+                <a:pPr lvl="2" algn="just"/>
+                <a:r>
+                  <a:rPr lang="en-SG" dirty="0" smtClean="0"/>
+                  <a:t>Limit </a:t>
+                </a:r>
+                <a:r>
+                  <a:rPr lang="en-SG" dirty="0"/>
+                  <a:t>the number of queries made to </a:t>
+                </a:r>
+                <a:r>
+                  <a:rPr lang="en-SG" dirty="0" smtClean="0"/>
+                  <a:t>the oracle </a:t>
+                </a:r>
+                <a:r>
+                  <a:rPr lang="en-SG" dirty="0"/>
+                  <a:t>in order to ensure that the approach is </a:t>
+                </a:r>
+                <a:r>
+                  <a:rPr lang="en-SG" dirty="0" smtClean="0"/>
+                  <a:t>tractable.</a:t>
+                </a:r>
+                <a:endParaRPr lang="en-SG" dirty="0"/>
+              </a:p>
+              <a:p>
+                <a:pPr lvl="1" algn="just"/>
+                <a:r>
+                  <a:rPr lang="en-SG" dirty="0"/>
+                  <a:t>Substitute </a:t>
+                </a:r>
+                <a:r>
+                  <a:rPr lang="en-SG" dirty="0" smtClean="0"/>
+                  <a:t>Architecture</a:t>
+                </a:r>
+              </a:p>
+              <a:p>
+                <a:pPr lvl="2" algn="just"/>
+                <a:r>
+                  <a:rPr lang="en-SG" dirty="0"/>
+                  <a:t>This factor is not the </a:t>
+                </a:r>
+                <a:r>
+                  <a:rPr lang="en-SG" dirty="0" smtClean="0"/>
+                  <a:t>most limiting </a:t>
+                </a:r>
+                <a:r>
+                  <a:rPr lang="en-SG" dirty="0"/>
+                  <a:t>as the adversary must at least have some </a:t>
+                </a:r>
+                <a:r>
+                  <a:rPr lang="en-SG" dirty="0" smtClean="0"/>
+                  <a:t>partial knowledge </a:t>
+                </a:r>
+                <a:r>
+                  <a:rPr lang="en-SG" dirty="0"/>
+                  <a:t>of the oracle input (e.g., images, text) and </a:t>
+                </a:r>
+                <a:r>
+                  <a:rPr lang="en-SG" dirty="0" smtClean="0"/>
+                  <a:t>expected output </a:t>
+                </a:r>
+                <a:r>
+                  <a:rPr lang="en-SG" dirty="0"/>
+                  <a:t>(e.g., classification). The adversary can </a:t>
+                </a:r>
+                <a:r>
+                  <a:rPr lang="en-SG" dirty="0" smtClean="0"/>
+                  <a:t>thus use </a:t>
+                </a:r>
+                <a:r>
+                  <a:rPr lang="en-SG" dirty="0"/>
+                  <a:t>an architecture adapted to the input-output relation</a:t>
+                </a:r>
+                <a:r>
+                  <a:rPr lang="en-SG" dirty="0" smtClean="0"/>
+                  <a:t>.</a:t>
+                </a:r>
+              </a:p>
+              <a:p>
+                <a:pPr lvl="2" algn="just"/>
+                <a:r>
+                  <a:rPr lang="en-SG" dirty="0" smtClean="0"/>
+                  <a:t>The type</a:t>
+                </a:r>
+                <a:r>
+                  <a:rPr lang="en-SG" dirty="0"/>
+                  <a:t>, number, and size of layers used in the substitute </a:t>
+                </a:r>
+                <a:r>
+                  <a:rPr lang="en-SG" dirty="0" smtClean="0"/>
+                  <a:t>DNN have </a:t>
+                </a:r>
+                <a:r>
+                  <a:rPr lang="en-SG" dirty="0"/>
+                  <a:t>relatively little impact on the success of the attack.</a:t>
+                </a:r>
+                <a:endParaRPr lang="en-SG" dirty="0" smtClean="0"/>
+              </a:p>
+              <a:p>
+                <a:pPr algn="just"/>
+                <a:endParaRPr lang="en-SG" dirty="0" smtClean="0"/>
+              </a:p>
+            </p:txBody>
+          </p:sp>
+        </mc:Choice>
+        <mc:Fallback>
+          <p:sp>
+            <p:nvSpPr>
+              <p:cNvPr id="3" name="Content Placeholder 2"/>
+              <p:cNvSpPr>
+                <a:spLocks noGrp="1" noRot="1" noChangeAspect="1" noMove="1" noResize="1" noEditPoints="1" noAdjustHandles="1" noChangeArrowheads="1" noChangeShapeType="1" noTextEdit="1"/>
+              </p:cNvSpPr>
+              <p:nvPr>
+                <p:ph idx="1"/>
+              </p:nvPr>
+            </p:nvSpPr>
+            <p:spPr>
+              <a:xfrm>
+                <a:off x="2589212" y="1274410"/>
+                <a:ext cx="8915400" cy="4636812"/>
+              </a:xfrm>
+              <a:blipFill>
+                <a:blip r:embed="rId2"/>
+                <a:stretch>
+                  <a:fillRect l="-479" t="-657" r="-342" b="-657"/>
+                </a:stretch>
+              </a:blipFill>
+            </p:spPr>
+            <p:txBody>
+              <a:bodyPr/>
+              <a:lstStyle/>
+              <a:p>
+                <a:r>
+                  <a:rPr lang="en-US">
+                    <a:noFill/>
+                  </a:rPr>
+                  <a:t> </a:t>
+                </a:r>
+              </a:p>
+            </p:txBody>
+          </p:sp>
+        </mc:Fallback>
+      </mc:AlternateContent>
+      <p:sp>
+        <p:nvSpPr>
+          <p:cNvPr id="24" name="Date Placeholder 23"/>
+          <p:cNvSpPr>
+            <a:spLocks noGrp="1"/>
+          </p:cNvSpPr>
+          <p:nvPr>
+            <p:ph type="dt" sz="half" idx="10"/>
+          </p:nvPr>
+        </p:nvSpPr>
+        <p:spPr/>
+        <p:txBody>
+          <a:bodyPr/>
+          <a:lstStyle/>
+          <a:p>
+            <a:fld id="{2EFB6F28-65EE-44D6-BFFE-56AB02E1ABA6}" type="datetime1">
+              <a:rPr lang="en-US" smtClean="0"/>
+              <a:t>9/4/2017</a:t>
+            </a:fld>
+            <a:endParaRPr lang="en-US" dirty="0"/>
+          </a:p>
+        </p:txBody>
+      </p:sp>
+      <p:sp>
+        <p:nvSpPr>
+          <p:cNvPr id="26" name="Slide Number Placeholder 25"/>
+          <p:cNvSpPr>
+            <a:spLocks noGrp="1"/>
+          </p:cNvSpPr>
+          <p:nvPr>
+            <p:ph type="sldNum" sz="quarter" idx="12"/>
+          </p:nvPr>
+        </p:nvSpPr>
+        <p:spPr/>
+        <p:txBody>
+          <a:bodyPr/>
+          <a:lstStyle/>
+          <a:p>
+            <a:fld id="{D57F1E4F-1CFF-5643-939E-217C01CDF565}" type="slidenum">
+              <a:rPr lang="en-US" smtClean="0"/>
+              <a:pPr/>
+              <a:t>9</a:t>
+            </a:fld>
+            <a:endParaRPr lang="en-US" dirty="0"/>
+          </a:p>
+        </p:txBody>
+      </p:sp>
+      <p:sp>
+        <p:nvSpPr>
+          <p:cNvPr id="17" name="TextBox 16"/>
+          <p:cNvSpPr txBox="1"/>
+          <p:nvPr/>
+        </p:nvSpPr>
+        <p:spPr>
+          <a:xfrm>
+            <a:off x="2589212" y="6465498"/>
+            <a:ext cx="8915400" cy="272415"/>
+          </a:xfrm>
+          <a:prstGeom prst="roundRect">
+            <a:avLst/>
+          </a:prstGeom>
+          <a:solidFill>
+            <a:srgbClr val="2E5369"/>
+          </a:solidFill>
+        </p:spPr>
+        <p:txBody>
+          <a:bodyPr wrap="square" rtlCol="0">
+            <a:spAutoFit/>
+          </a:bodyPr>
+          <a:lstStyle/>
+          <a:p>
+            <a:pPr algn="ctr"/>
+            <a:r>
+              <a:rPr lang="en-SG" sz="1000" dirty="0">
+                <a:solidFill>
+                  <a:schemeClr val="bg1"/>
+                </a:solidFill>
+              </a:rPr>
+              <a:t>Practical Black-Box Attacks against Machine </a:t>
+            </a:r>
+            <a:r>
+              <a:rPr lang="en-SG" sz="1000" dirty="0" smtClean="0">
+                <a:solidFill>
+                  <a:schemeClr val="bg1"/>
+                </a:solidFill>
+              </a:rPr>
+              <a:t>Learning – </a:t>
+            </a:r>
+            <a:r>
+              <a:rPr lang="en-US" sz="1000" dirty="0" smtClean="0">
+                <a:solidFill>
+                  <a:schemeClr val="bg1"/>
+                </a:solidFill>
+              </a:rPr>
+              <a:t>Papernot et. al., ASIA CCS ‘17</a:t>
+            </a:r>
+            <a:endParaRPr lang="en-US" sz="1000" dirty="0">
+              <a:solidFill>
+                <a:schemeClr val="bg1"/>
+              </a:solidFill>
+            </a:endParaRPr>
+          </a:p>
+        </p:txBody>
+      </p:sp>
+      <p:sp>
+        <p:nvSpPr>
+          <p:cNvPr id="5" name="TextBox 4"/>
+          <p:cNvSpPr txBox="1"/>
+          <p:nvPr/>
+        </p:nvSpPr>
+        <p:spPr>
+          <a:xfrm>
+            <a:off x="232758" y="2530987"/>
+            <a:ext cx="2818013" cy="707886"/>
+          </a:xfrm>
+          <a:prstGeom prst="rect">
+            <a:avLst/>
+          </a:prstGeom>
+          <a:solidFill>
+            <a:schemeClr val="bg1"/>
+          </a:solidFill>
+          <a:ln>
+            <a:solidFill>
+              <a:schemeClr val="tx1"/>
+            </a:solidFill>
+          </a:ln>
+        </p:spPr>
+        <p:txBody>
+          <a:bodyPr wrap="square" rtlCol="0">
+            <a:spAutoFit/>
+          </a:bodyPr>
+          <a:lstStyle/>
+          <a:p>
+            <a:pPr algn="just"/>
+            <a:r>
+              <a:rPr lang="en-SG" sz="1000" dirty="0"/>
+              <a:t>T</a:t>
+            </a:r>
+            <a:r>
+              <a:rPr lang="en-SG" sz="1000" dirty="0" smtClean="0"/>
+              <a:t>his </a:t>
+            </a:r>
+            <a:r>
+              <a:rPr lang="en-SG" sz="1000" dirty="0"/>
+              <a:t>technique is not designed to maximize the </a:t>
+            </a:r>
+            <a:r>
+              <a:rPr lang="en-SG" sz="1000" dirty="0" smtClean="0"/>
+              <a:t>substitute DNN's </a:t>
+            </a:r>
+            <a:r>
+              <a:rPr lang="en-SG" sz="1000" dirty="0"/>
+              <a:t>accuracy but rather ensure that it approximates </a:t>
+            </a:r>
+            <a:r>
+              <a:rPr lang="en-SG" sz="1000" dirty="0" smtClean="0"/>
+              <a:t>the oracle's </a:t>
+            </a:r>
+            <a:r>
+              <a:rPr lang="en-SG" sz="1000" dirty="0"/>
+              <a:t>decision boundaries with few label </a:t>
+            </a:r>
+            <a:r>
+              <a:rPr lang="en-SG" sz="1000" dirty="0" smtClean="0"/>
+              <a:t>queries</a:t>
+            </a:r>
+            <a:endParaRPr lang="en-US" sz="1000" dirty="0"/>
+          </a:p>
+        </p:txBody>
+      </p:sp>
+      <p:cxnSp>
+        <p:nvCxnSpPr>
+          <p:cNvPr id="7" name="Straight Arrow Connector 6"/>
+          <p:cNvCxnSpPr>
+            <a:endCxn id="5" idx="0"/>
+          </p:cNvCxnSpPr>
+          <p:nvPr/>
+        </p:nvCxnSpPr>
+        <p:spPr>
+          <a:xfrm flipH="1">
+            <a:off x="1641765" y="2194560"/>
+            <a:ext cx="1824642" cy="336427"/>
+          </a:xfrm>
+          <a:prstGeom prst="straightConnector1">
+            <a:avLst/>
+          </a:prstGeom>
+          <a:ln>
+            <a:tailEnd type="triangle"/>
+          </a:ln>
+        </p:spPr>
+        <p:style>
+          <a:lnRef idx="1">
+            <a:schemeClr val="accent1"/>
+          </a:lnRef>
+          <a:fillRef idx="0">
+            <a:schemeClr val="accent1"/>
+          </a:fillRef>
+          <a:effectRef idx="0">
+            <a:schemeClr val="accent1"/>
+          </a:effectRef>
+          <a:fontRef idx="minor">
+            <a:schemeClr val="tx1"/>
+          </a:fontRef>
+        </p:style>
+      </p:cxnSp>
+    </p:spTree>
+    <p:extLst>
+      <p:ext uri="{BB962C8B-B14F-4D97-AF65-F5344CB8AC3E}">
+        <p14:creationId xmlns:p14="http://schemas.microsoft.com/office/powerpoint/2010/main" val="209785507"/>
       </p:ext>
     </p:extLst>
   </p:cSld>

--- a/Presentations/starting_work.pptx
+++ b/Presentations/starting_work.pptx
@@ -135,6 +135,9 @@
   <p:extLst>
     <p:ext uri="{EFAFB233-063F-42B5-8137-9DF3F51BA10A}">
       <p15:sldGuideLst xmlns:p15="http://schemas.microsoft.com/office/powerpoint/2012/main"/>
+    </p:ext>
+    <p:ext uri="{2D200454-40CA-4A62-9FC3-DE9A4176ACB9}">
+      <p15:notesGuideLst xmlns:p15="http://schemas.microsoft.com/office/powerpoint/2012/main"/>
     </p:ext>
   </p:extLst>
 </p:presentation>
@@ -9991,8 +9994,8 @@
           </a:p>
         </p:txBody>
       </p:sp>
-      <mc:AlternateContent xmlns:mc="http://schemas.openxmlformats.org/markup-compatibility/2006">
-        <mc:Choice xmlns:a14="http://schemas.microsoft.com/office/drawing/2010/main" Requires="a14">
+      <mc:AlternateContent xmlns:mc="http://schemas.openxmlformats.org/markup-compatibility/2006" xmlns:a14="http://schemas.microsoft.com/office/drawing/2010/main">
+        <mc:Choice Requires="a14">
           <p:sp>
             <p:nvSpPr>
               <p:cNvPr id="3" name="Content Placeholder 2"/>
@@ -10166,7 +10169,7 @@
             </p:txBody>
           </p:sp>
         </mc:Choice>
-        <mc:Fallback>
+        <mc:Fallback xmlns="">
           <p:sp>
             <p:nvSpPr>
               <p:cNvPr id="3" name="Content Placeholder 2"/>
@@ -10305,13 +10308,13 @@
   <p:clrMapOvr>
     <a:masterClrMapping/>
   </p:clrMapOvr>
-  <mc:AlternateContent xmlns:mc="http://schemas.openxmlformats.org/markup-compatibility/2006">
-    <mc:Choice xmlns:p14="http://schemas.microsoft.com/office/powerpoint/2010/main" Requires="p14">
+  <mc:AlternateContent xmlns:mc="http://schemas.openxmlformats.org/markup-compatibility/2006" xmlns:p14="http://schemas.microsoft.com/office/powerpoint/2010/main">
+    <mc:Choice Requires="p14">
       <p:transition p14:dur="250">
         <p:push/>
       </p:transition>
     </mc:Choice>
-    <mc:Fallback>
+    <mc:Fallback xmlns="">
       <p:transition>
         <p:push/>
       </p:transition>
@@ -10364,8 +10367,8 @@
           </a:p>
         </p:txBody>
       </p:sp>
-      <mc:AlternateContent xmlns:mc="http://schemas.openxmlformats.org/markup-compatibility/2006">
-        <mc:Choice xmlns:a14="http://schemas.microsoft.com/office/drawing/2010/main" Requires="a14">
+      <mc:AlternateContent xmlns:mc="http://schemas.openxmlformats.org/markup-compatibility/2006" xmlns:a14="http://schemas.microsoft.com/office/drawing/2010/main">
+        <mc:Choice Requires="a14">
           <p:sp>
             <p:nvSpPr>
               <p:cNvPr id="3" name="Content Placeholder 2"/>
@@ -10872,7 +10875,7 @@
             </p:txBody>
           </p:sp>
         </mc:Choice>
-        <mc:Fallback>
+        <mc:Fallback xmlns="">
           <p:sp>
             <p:nvSpPr>
               <p:cNvPr id="3" name="Content Placeholder 2"/>
@@ -11046,13 +11049,13 @@
   <p:clrMapOvr>
     <a:masterClrMapping/>
   </p:clrMapOvr>
-  <mc:AlternateContent xmlns:mc="http://schemas.openxmlformats.org/markup-compatibility/2006">
-    <mc:Choice xmlns:p14="http://schemas.microsoft.com/office/powerpoint/2010/main" Requires="p14">
+  <mc:AlternateContent xmlns:mc="http://schemas.openxmlformats.org/markup-compatibility/2006" xmlns:p14="http://schemas.microsoft.com/office/powerpoint/2010/main">
+    <mc:Choice Requires="p14">
       <p:transition p14:dur="250">
         <p:push/>
       </p:transition>
     </mc:Choice>
-    <mc:Fallback>
+    <mc:Fallback xmlns="">
       <p:transition>
         <p:push/>
       </p:transition>
@@ -11283,13 +11286,13 @@
   <p:clrMapOvr>
     <a:masterClrMapping/>
   </p:clrMapOvr>
-  <mc:AlternateContent xmlns:mc="http://schemas.openxmlformats.org/markup-compatibility/2006">
-    <mc:Choice xmlns:p14="http://schemas.microsoft.com/office/powerpoint/2010/main" Requires="p14">
+  <mc:AlternateContent xmlns:mc="http://schemas.openxmlformats.org/markup-compatibility/2006" xmlns:p14="http://schemas.microsoft.com/office/powerpoint/2010/main">
+    <mc:Choice Requires="p14">
       <p:transition p14:dur="250">
         <p:push/>
       </p:transition>
     </mc:Choice>
-    <mc:Fallback>
+    <mc:Fallback xmlns="">
       <p:transition>
         <p:push/>
       </p:transition>
@@ -11342,8 +11345,8 @@
           </a:p>
         </p:txBody>
       </p:sp>
-      <mc:AlternateContent xmlns:mc="http://schemas.openxmlformats.org/markup-compatibility/2006">
-        <mc:Choice xmlns:a14="http://schemas.microsoft.com/office/drawing/2010/main" Requires="a14">
+      <mc:AlternateContent xmlns:mc="http://schemas.openxmlformats.org/markup-compatibility/2006" xmlns:a14="http://schemas.microsoft.com/office/drawing/2010/main">
+        <mc:Choice Requires="a14">
           <p:sp>
             <p:nvSpPr>
               <p:cNvPr id="3" name="Content Placeholder 2"/>
@@ -11491,7 +11494,7 @@
             </p:txBody>
           </p:sp>
         </mc:Choice>
-        <mc:Fallback>
+        <mc:Fallback xmlns="">
           <p:sp>
             <p:nvSpPr>
               <p:cNvPr id="3" name="Content Placeholder 2"/>
@@ -11630,13 +11633,13 @@
   <p:clrMapOvr>
     <a:masterClrMapping/>
   </p:clrMapOvr>
-  <mc:AlternateContent xmlns:mc="http://schemas.openxmlformats.org/markup-compatibility/2006">
-    <mc:Choice xmlns:p14="http://schemas.microsoft.com/office/powerpoint/2010/main" Requires="p14">
+  <mc:AlternateContent xmlns:mc="http://schemas.openxmlformats.org/markup-compatibility/2006" xmlns:p14="http://schemas.microsoft.com/office/powerpoint/2010/main">
+    <mc:Choice Requires="p14">
       <p:transition p14:dur="250">
         <p:push/>
       </p:transition>
     </mc:Choice>
-    <mc:Fallback>
+    <mc:Fallback xmlns="">
       <p:transition>
         <p:push/>
       </p:transition>
@@ -11689,8 +11692,8 @@
           </a:p>
         </p:txBody>
       </p:sp>
-      <mc:AlternateContent xmlns:mc="http://schemas.openxmlformats.org/markup-compatibility/2006">
-        <mc:Choice xmlns:a14="http://schemas.microsoft.com/office/drawing/2010/main" Requires="a14">
+      <mc:AlternateContent xmlns:mc="http://schemas.openxmlformats.org/markup-compatibility/2006" xmlns:a14="http://schemas.microsoft.com/office/drawing/2010/main">
+        <mc:Choice Requires="a14">
           <p:sp>
             <p:nvSpPr>
               <p:cNvPr id="3" name="Content Placeholder 2"/>
@@ -12155,14 +12158,7 @@
                           <a:latin typeface="Cambria Math" panose="02040503050406030204" pitchFamily="18" charset="0"/>
                           <a:ea typeface="Cambria Math" panose="02040503050406030204" pitchFamily="18" charset="0"/>
                         </a:rPr>
-                        <m:t>)</m:t>
-                      </m:r>
-                      <m:r>
-                        <a:rPr lang="en-IN" i="1">
-                          <a:latin typeface="Cambria Math" panose="02040503050406030204" pitchFamily="18" charset="0"/>
-                          <a:ea typeface="Cambria Math" panose="02040503050406030204" pitchFamily="18" charset="0"/>
-                        </a:rPr>
-                        <m:t>)</m:t>
+                        <m:t>))</m:t>
                       </m:r>
                     </m:oMath>
                   </m:oMathPara>
@@ -12476,7 +12472,7 @@
             </p:txBody>
           </p:sp>
         </mc:Choice>
-        <mc:Fallback>
+        <mc:Fallback xmlns="">
           <p:sp>
             <p:nvSpPr>
               <p:cNvPr id="3" name="Content Placeholder 2"/>
@@ -12662,13 +12658,13 @@
   <p:clrMapOvr>
     <a:masterClrMapping/>
   </p:clrMapOvr>
-  <mc:AlternateContent xmlns:mc="http://schemas.openxmlformats.org/markup-compatibility/2006">
-    <mc:Choice xmlns:p14="http://schemas.microsoft.com/office/powerpoint/2010/main" Requires="p14">
+  <mc:AlternateContent xmlns:mc="http://schemas.openxmlformats.org/markup-compatibility/2006" xmlns:p14="http://schemas.microsoft.com/office/powerpoint/2010/main">
+    <mc:Choice Requires="p14">
       <p:transition p14:dur="250">
         <p:push/>
       </p:transition>
     </mc:Choice>
-    <mc:Fallback>
+    <mc:Fallback xmlns="">
       <p:transition>
         <p:push/>
       </p:transition>
@@ -12721,8 +12717,8 @@
           </a:p>
         </p:txBody>
       </p:sp>
-      <mc:AlternateContent xmlns:mc="http://schemas.openxmlformats.org/markup-compatibility/2006">
-        <mc:Choice xmlns:a14="http://schemas.microsoft.com/office/drawing/2010/main" Requires="a14">
+      <mc:AlternateContent xmlns:mc="http://schemas.openxmlformats.org/markup-compatibility/2006" xmlns:a14="http://schemas.microsoft.com/office/drawing/2010/main">
+        <mc:Choice Requires="a14">
           <p:sp>
             <p:nvSpPr>
               <p:cNvPr id="3" name="Content Placeholder 2"/>
@@ -14464,7 +14460,7 @@
             </p:txBody>
           </p:sp>
         </mc:Choice>
-        <mc:Fallback>
+        <mc:Fallback xmlns="">
           <p:sp>
             <p:nvSpPr>
               <p:cNvPr id="3" name="Content Placeholder 2"/>
@@ -14658,13 +14654,13 @@
   <p:clrMapOvr>
     <a:masterClrMapping/>
   </p:clrMapOvr>
-  <mc:AlternateContent xmlns:mc="http://schemas.openxmlformats.org/markup-compatibility/2006">
-    <mc:Choice xmlns:p14="http://schemas.microsoft.com/office/powerpoint/2010/main" Requires="p14">
+  <mc:AlternateContent xmlns:mc="http://schemas.openxmlformats.org/markup-compatibility/2006" xmlns:p14="http://schemas.microsoft.com/office/powerpoint/2010/main">
+    <mc:Choice Requires="p14">
       <p:transition p14:dur="250">
         <p:push/>
       </p:transition>
     </mc:Choice>
-    <mc:Fallback>
+    <mc:Fallback xmlns="">
       <p:transition>
         <p:push/>
       </p:transition>
@@ -14905,13 +14901,13 @@
   <p:clrMapOvr>
     <a:masterClrMapping/>
   </p:clrMapOvr>
-  <mc:AlternateContent xmlns:mc="http://schemas.openxmlformats.org/markup-compatibility/2006">
-    <mc:Choice xmlns:p14="http://schemas.microsoft.com/office/powerpoint/2010/main" Requires="p14">
+  <mc:AlternateContent xmlns:mc="http://schemas.openxmlformats.org/markup-compatibility/2006" xmlns:p14="http://schemas.microsoft.com/office/powerpoint/2010/main">
+    <mc:Choice Requires="p14">
       <p:transition p14:dur="250">
         <p:push/>
       </p:transition>
     </mc:Choice>
-    <mc:Fallback>
+    <mc:Fallback xmlns="">
       <p:transition>
         <p:push/>
       </p:transition>
@@ -15024,8 +15020,37 @@
             <a:pPr lvl="1" algn="just"/>
             <a:r>
               <a:rPr lang="en-GB" dirty="0"/>
-              <a:t>The choice of algorithm depends on acceptable perturbations - all features perturbed a little (Papernot) vs. few features perturbed a lot (Goodfellow).</a:t>
-            </a:r>
+              <a:t>The choice of algorithm depends on acceptable perturbations - all features perturbed a little </a:t>
+            </a:r>
+            <a:r>
+              <a:rPr lang="en-GB" dirty="0" smtClean="0"/>
+              <a:t>(</a:t>
+            </a:r>
+            <a:r>
+              <a:rPr lang="en-GB" dirty="0" err="1" smtClean="0"/>
+              <a:t>Goodfellow</a:t>
+            </a:r>
+            <a:r>
+              <a:rPr lang="en-GB" dirty="0" smtClean="0"/>
+              <a:t>) </a:t>
+            </a:r>
+            <a:r>
+              <a:rPr lang="en-GB" dirty="0"/>
+              <a:t>vs. few features perturbed a lot </a:t>
+            </a:r>
+            <a:r>
+              <a:rPr lang="en-GB" dirty="0"/>
+              <a:t>(</a:t>
+            </a:r>
+            <a:r>
+              <a:rPr lang="en-GB" dirty="0" err="1"/>
+              <a:t>Papernot</a:t>
+            </a:r>
+            <a:r>
+              <a:rPr lang="en-GB" dirty="0"/>
+              <a:t>).</a:t>
+            </a:r>
+            <a:endParaRPr lang="en-GB" dirty="0"/>
           </a:p>
         </p:txBody>
       </p:sp>
@@ -15136,13 +15161,13 @@
   <p:clrMapOvr>
     <a:masterClrMapping/>
   </p:clrMapOvr>
-  <mc:AlternateContent xmlns:mc="http://schemas.openxmlformats.org/markup-compatibility/2006">
-    <mc:Choice xmlns:p14="http://schemas.microsoft.com/office/powerpoint/2010/main" Requires="p14">
+  <mc:AlternateContent xmlns:mc="http://schemas.openxmlformats.org/markup-compatibility/2006" xmlns:p14="http://schemas.microsoft.com/office/powerpoint/2010/main">
+    <mc:Choice Requires="p14">
       <p:transition p14:dur="250">
         <p:push/>
       </p:transition>
     </mc:Choice>
-    <mc:Fallback>
+    <mc:Fallback xmlns="">
       <p:transition>
         <p:push/>
       </p:transition>
@@ -15387,13 +15412,13 @@
   <p:clrMapOvr>
     <a:masterClrMapping/>
   </p:clrMapOvr>
-  <mc:AlternateContent xmlns:mc="http://schemas.openxmlformats.org/markup-compatibility/2006">
-    <mc:Choice xmlns:p14="http://schemas.microsoft.com/office/powerpoint/2010/main" Requires="p14">
+  <mc:AlternateContent xmlns:mc="http://schemas.openxmlformats.org/markup-compatibility/2006" xmlns:p14="http://schemas.microsoft.com/office/powerpoint/2010/main">
+    <mc:Choice Requires="p14">
       <p:transition p14:dur="250">
         <p:push/>
       </p:transition>
     </mc:Choice>
-    <mc:Fallback>
+    <mc:Fallback xmlns="">
       <p:transition>
         <p:push/>
       </p:transition>
@@ -15693,13 +15718,13 @@
   <p:clrMapOvr>
     <a:masterClrMapping/>
   </p:clrMapOvr>
-  <mc:AlternateContent xmlns:mc="http://schemas.openxmlformats.org/markup-compatibility/2006">
-    <mc:Choice xmlns:p14="http://schemas.microsoft.com/office/powerpoint/2010/main" Requires="p14">
+  <mc:AlternateContent xmlns:mc="http://schemas.openxmlformats.org/markup-compatibility/2006" xmlns:p14="http://schemas.microsoft.com/office/powerpoint/2010/main">
+    <mc:Choice Requires="p14">
       <p:transition p14:dur="250">
         <p:push/>
       </p:transition>
     </mc:Choice>
-    <mc:Fallback>
+    <mc:Fallback xmlns="">
       <p:transition>
         <p:push/>
       </p:transition>
@@ -16521,13 +16546,13 @@
   <p:clrMapOvr>
     <a:masterClrMapping/>
   </p:clrMapOvr>
-  <mc:AlternateContent xmlns:mc="http://schemas.openxmlformats.org/markup-compatibility/2006">
-    <mc:Choice xmlns:p14="http://schemas.microsoft.com/office/powerpoint/2010/main" Requires="p14">
+  <mc:AlternateContent xmlns:mc="http://schemas.openxmlformats.org/markup-compatibility/2006" xmlns:p14="http://schemas.microsoft.com/office/powerpoint/2010/main">
+    <mc:Choice Requires="p14">
       <p:transition p14:dur="250">
         <p:push/>
       </p:transition>
     </mc:Choice>
-    <mc:Fallback>
+    <mc:Fallback xmlns="">
       <p:transition>
         <p:push/>
       </p:transition>
@@ -16753,6 +16778,11 @@
           <a:prstGeom prst="rect">
             <a:avLst/>
           </a:prstGeom>
+          <a:ln>
+            <a:solidFill>
+              <a:schemeClr val="tx1"/>
+            </a:solidFill>
+          </a:ln>
         </p:spPr>
       </p:pic>
       <p:sp>
@@ -16816,13 +16846,13 @@
   <p:clrMapOvr>
     <a:masterClrMapping/>
   </p:clrMapOvr>
-  <mc:AlternateContent xmlns:mc="http://schemas.openxmlformats.org/markup-compatibility/2006">
-    <mc:Choice xmlns:p14="http://schemas.microsoft.com/office/powerpoint/2010/main" Requires="p14">
+  <mc:AlternateContent xmlns:mc="http://schemas.openxmlformats.org/markup-compatibility/2006" xmlns:p14="http://schemas.microsoft.com/office/powerpoint/2010/main">
+    <mc:Choice Requires="p14">
       <p:transition p14:dur="250">
         <p:push/>
       </p:transition>
     </mc:Choice>
-    <mc:Fallback>
+    <mc:Fallback xmlns="">
       <p:transition>
         <p:push/>
       </p:transition>
@@ -16952,8 +16982,13 @@
             <a:pPr lvl="3" algn="just"/>
             <a:r>
               <a:rPr lang="en-GB" dirty="0"/>
-              <a:t>continuous, differentiable input domains are replaced by discrete, often binary inputs</a:t>
-            </a:r>
+              <a:t>continuous, differentiable input domains are replaced by discrete, often binary </a:t>
+            </a:r>
+            <a:r>
+              <a:rPr lang="en-GB" dirty="0" smtClean="0"/>
+              <a:t>inputs.</a:t>
+            </a:r>
+            <a:endParaRPr lang="en-GB" dirty="0"/>
           </a:p>
           <a:p>
             <a:pPr lvl="3" algn="just"/>
@@ -16966,15 +17001,7 @@
             <a:pPr lvl="2" algn="just"/>
             <a:r>
               <a:rPr lang="en-GB" dirty="0"/>
-              <a:t>Analysed effectiveness on three defence mechanism: Feature Reduction, Distillation and </a:t>
-            </a:r>
-            <a:r>
-              <a:rPr lang="en-GB" dirty="0" err="1"/>
-              <a:t>Adversial</a:t>
-            </a:r>
-            <a:r>
-              <a:rPr lang="en-GB" dirty="0"/>
-              <a:t> Learning.</a:t>
+              <a:t>Analysed effectiveness on three defence mechanism: Feature Reduction, Distillation and Adversial Learning.</a:t>
             </a:r>
           </a:p>
         </p:txBody>
@@ -17036,13 +17063,13 @@
   <p:clrMapOvr>
     <a:masterClrMapping/>
   </p:clrMapOvr>
-  <mc:AlternateContent xmlns:mc="http://schemas.openxmlformats.org/markup-compatibility/2006">
-    <mc:Choice xmlns:p14="http://schemas.microsoft.com/office/powerpoint/2010/main" Requires="p14">
+  <mc:AlternateContent xmlns:mc="http://schemas.openxmlformats.org/markup-compatibility/2006" xmlns:p14="http://schemas.microsoft.com/office/powerpoint/2010/main">
+    <mc:Choice Requires="p14">
       <p:transition p14:dur="250">
         <p:push/>
       </p:transition>
     </mc:Choice>
-    <mc:Fallback>
+    <mc:Fallback xmlns="">
       <p:transition>
         <p:push/>
       </p:transition>
@@ -17241,13 +17268,13 @@
   <p:clrMapOvr>
     <a:masterClrMapping/>
   </p:clrMapOvr>
-  <mc:AlternateContent xmlns:mc="http://schemas.openxmlformats.org/markup-compatibility/2006">
-    <mc:Choice xmlns:p14="http://schemas.microsoft.com/office/powerpoint/2010/main" Requires="p14">
+  <mc:AlternateContent xmlns:mc="http://schemas.openxmlformats.org/markup-compatibility/2006" xmlns:p14="http://schemas.microsoft.com/office/powerpoint/2010/main">
+    <mc:Choice Requires="p14">
       <p:transition p14:dur="250">
         <p:push/>
       </p:transition>
     </mc:Choice>
-    <mc:Fallback>
+    <mc:Fallback xmlns="">
       <p:transition>
         <p:push/>
       </p:transition>
@@ -17289,9 +17316,16 @@
             <p:ph type="ctrTitle"/>
           </p:nvPr>
         </p:nvSpPr>
-        <p:spPr/>
-        <p:txBody>
-          <a:bodyPr/>
+        <p:spPr>
+          <a:xfrm>
+            <a:off x="2592496" y="1953492"/>
+            <a:ext cx="8915399" cy="1626857"/>
+          </a:xfrm>
+        </p:spPr>
+        <p:txBody>
+          <a:bodyPr>
+            <a:normAutofit/>
+          </a:bodyPr>
           <a:lstStyle/>
           <a:p>
             <a:pPr algn="ctr"/>
@@ -17299,31 +17333,6 @@
               <a:rPr lang="en-IN" dirty="0"/>
               <a:t>Thank You</a:t>
             </a:r>
-          </a:p>
-        </p:txBody>
-      </p:sp>
-      <p:sp>
-        <p:nvSpPr>
-          <p:cNvPr id="7" name="Subtitle 6">
-            <a:extLst>
-              <a:ext uri="{FF2B5EF4-FFF2-40B4-BE49-F238E27FC236}">
-                <a16:creationId xmlns:a16="http://schemas.microsoft.com/office/drawing/2014/main" id="{8480C7F8-A37A-45DF-A066-C6B6EFBAE7DD}"/>
-              </a:ext>
-            </a:extLst>
-          </p:cNvPr>
-          <p:cNvSpPr>
-            <a:spLocks noGrp="1"/>
-          </p:cNvSpPr>
-          <p:nvPr>
-            <p:ph type="subTitle" idx="1"/>
-          </p:nvPr>
-        </p:nvSpPr>
-        <p:spPr/>
-        <p:txBody>
-          <a:bodyPr/>
-          <a:lstStyle/>
-          <a:p>
-            <a:endParaRPr lang="en-IN"/>
           </a:p>
         </p:txBody>
       </p:sp>
@@ -17717,8 +17726,8 @@
           </a:fontRef>
         </p:style>
       </p:cxnSp>
-      <mc:AlternateContent xmlns:mc="http://schemas.openxmlformats.org/markup-compatibility/2006">
-        <mc:Choice xmlns:a14="http://schemas.microsoft.com/office/drawing/2010/main" Requires="a14">
+      <mc:AlternateContent xmlns:mc="http://schemas.openxmlformats.org/markup-compatibility/2006" xmlns:a14="http://schemas.microsoft.com/office/drawing/2010/main">
+        <mc:Choice Requires="a14">
           <p:sp>
             <p:nvSpPr>
               <p:cNvPr id="5" name="TextBox 4">
@@ -17801,7 +17810,7 @@
             </p:txBody>
           </p:sp>
         </mc:Choice>
-        <mc:Fallback>
+        <mc:Fallback xmlns="">
           <p:sp>
             <p:nvSpPr>
               <p:cNvPr id="5" name="TextBox 4">
@@ -17905,13 +17914,13 @@
   <p:clrMapOvr>
     <a:masterClrMapping/>
   </p:clrMapOvr>
-  <mc:AlternateContent xmlns:mc="http://schemas.openxmlformats.org/markup-compatibility/2006">
-    <mc:Choice xmlns:p14="http://schemas.microsoft.com/office/powerpoint/2010/main" Requires="p14">
+  <mc:AlternateContent xmlns:mc="http://schemas.openxmlformats.org/markup-compatibility/2006" xmlns:p14="http://schemas.microsoft.com/office/powerpoint/2010/main">
+    <mc:Choice Requires="p14">
       <p:transition p14:dur="250">
         <p:push/>
       </p:transition>
     </mc:Choice>
-    <mc:Fallback>
+    <mc:Fallback xmlns="">
       <p:transition>
         <p:push/>
       </p:transition>
@@ -18176,13 +18185,13 @@
   <p:clrMapOvr>
     <a:masterClrMapping/>
   </p:clrMapOvr>
-  <mc:AlternateContent xmlns:mc="http://schemas.openxmlformats.org/markup-compatibility/2006">
-    <mc:Choice xmlns:p14="http://schemas.microsoft.com/office/powerpoint/2010/main" Requires="p14">
+  <mc:AlternateContent xmlns:mc="http://schemas.openxmlformats.org/markup-compatibility/2006" xmlns:p14="http://schemas.microsoft.com/office/powerpoint/2010/main">
+    <mc:Choice Requires="p14">
       <p:transition p14:dur="250">
         <p:push/>
       </p:transition>
     </mc:Choice>
-    <mc:Fallback>
+    <mc:Fallback xmlns="">
       <p:transition>
         <p:push/>
       </p:transition>
@@ -19083,13 +19092,13 @@
   <p:clrMapOvr>
     <a:masterClrMapping/>
   </p:clrMapOvr>
-  <mc:AlternateContent xmlns:mc="http://schemas.openxmlformats.org/markup-compatibility/2006">
-    <mc:Choice xmlns:p14="http://schemas.microsoft.com/office/powerpoint/2010/main" Requires="p14">
+  <mc:AlternateContent xmlns:mc="http://schemas.openxmlformats.org/markup-compatibility/2006" xmlns:p14="http://schemas.microsoft.com/office/powerpoint/2010/main">
+    <mc:Choice Requires="p14">
       <p:transition p14:dur="250">
         <p:push/>
       </p:transition>
     </mc:Choice>
-    <mc:Fallback>
+    <mc:Fallback xmlns="">
       <p:transition>
         <p:push/>
       </p:transition>
@@ -19142,8 +19151,8 @@
           </a:p>
         </p:txBody>
       </p:sp>
-      <mc:AlternateContent xmlns:mc="http://schemas.openxmlformats.org/markup-compatibility/2006">
-        <mc:Choice xmlns:a14="http://schemas.microsoft.com/office/drawing/2010/main" Requires="a14">
+      <mc:AlternateContent xmlns:mc="http://schemas.openxmlformats.org/markup-compatibility/2006" xmlns:a14="http://schemas.microsoft.com/office/drawing/2010/main">
+        <mc:Choice Requires="a14">
           <p:sp>
             <p:nvSpPr>
               <p:cNvPr id="3" name="Content Placeholder 2"/>
@@ -19630,7 +19639,7 @@
             </p:txBody>
           </p:sp>
         </mc:Choice>
-        <mc:Fallback>
+        <mc:Fallback xmlns="">
           <p:sp>
             <p:nvSpPr>
               <p:cNvPr id="3" name="Content Placeholder 2"/>
@@ -19804,13 +19813,13 @@
   <p:clrMapOvr>
     <a:masterClrMapping/>
   </p:clrMapOvr>
-  <mc:AlternateContent xmlns:mc="http://schemas.openxmlformats.org/markup-compatibility/2006">
-    <mc:Choice xmlns:p14="http://schemas.microsoft.com/office/powerpoint/2010/main" Requires="p14">
+  <mc:AlternateContent xmlns:mc="http://schemas.openxmlformats.org/markup-compatibility/2006" xmlns:p14="http://schemas.microsoft.com/office/powerpoint/2010/main">
+    <mc:Choice Requires="p14">
       <p:transition p14:dur="250">
         <p:push/>
       </p:transition>
     </mc:Choice>
-    <mc:Fallback>
+    <mc:Fallback xmlns="">
       <p:transition>
         <p:push/>
       </p:transition>
@@ -19863,8 +19872,8 @@
           </a:p>
         </p:txBody>
       </p:sp>
-      <mc:AlternateContent xmlns:mc="http://schemas.openxmlformats.org/markup-compatibility/2006">
-        <mc:Choice xmlns:a14="http://schemas.microsoft.com/office/drawing/2010/main" Requires="a14">
+      <mc:AlternateContent xmlns:mc="http://schemas.openxmlformats.org/markup-compatibility/2006" xmlns:a14="http://schemas.microsoft.com/office/drawing/2010/main">
+        <mc:Choice Requires="a14">
           <p:sp>
             <p:nvSpPr>
               <p:cNvPr id="3" name="Content Placeholder 2"/>
@@ -20534,7 +20543,7 @@
             </p:txBody>
           </p:sp>
         </mc:Choice>
-        <mc:Fallback>
+        <mc:Fallback xmlns="">
           <p:sp>
             <p:nvSpPr>
               <p:cNvPr id="3" name="Content Placeholder 2"/>
@@ -20673,13 +20682,13 @@
   <p:clrMapOvr>
     <a:masterClrMapping/>
   </p:clrMapOvr>
-  <mc:AlternateContent xmlns:mc="http://schemas.openxmlformats.org/markup-compatibility/2006">
-    <mc:Choice xmlns:p14="http://schemas.microsoft.com/office/powerpoint/2010/main" Requires="p14">
+  <mc:AlternateContent xmlns:mc="http://schemas.openxmlformats.org/markup-compatibility/2006" xmlns:p14="http://schemas.microsoft.com/office/powerpoint/2010/main">
+    <mc:Choice Requires="p14">
       <p:transition p14:dur="250">
         <p:push/>
       </p:transition>
     </mc:Choice>
-    <mc:Fallback>
+    <mc:Fallback xmlns="">
       <p:transition>
         <p:push/>
       </p:transition>
@@ -20732,8 +20741,8 @@
           </a:p>
         </p:txBody>
       </p:sp>
-      <mc:AlternateContent xmlns:mc="http://schemas.openxmlformats.org/markup-compatibility/2006">
-        <mc:Choice xmlns:a14="http://schemas.microsoft.com/office/drawing/2010/main" Requires="a14">
+      <mc:AlternateContent xmlns:mc="http://schemas.openxmlformats.org/markup-compatibility/2006" xmlns:a14="http://schemas.microsoft.com/office/drawing/2010/main">
+        <mc:Choice Requires="a14">
           <p:sp>
             <p:nvSpPr>
               <p:cNvPr id="3" name="Content Placeholder 2"/>
@@ -21528,7 +21537,7 @@
             </p:txBody>
           </p:sp>
         </mc:Choice>
-        <mc:Fallback>
+        <mc:Fallback xmlns="">
           <p:sp>
             <p:nvSpPr>
               <p:cNvPr id="3" name="Content Placeholder 2"/>
@@ -21707,13 +21716,13 @@
   <p:clrMapOvr>
     <a:masterClrMapping/>
   </p:clrMapOvr>
-  <mc:AlternateContent xmlns:mc="http://schemas.openxmlformats.org/markup-compatibility/2006">
-    <mc:Choice xmlns:p14="http://schemas.microsoft.com/office/powerpoint/2010/main" Requires="p14">
+  <mc:AlternateContent xmlns:mc="http://schemas.openxmlformats.org/markup-compatibility/2006" xmlns:p14="http://schemas.microsoft.com/office/powerpoint/2010/main">
+    <mc:Choice Requires="p14">
       <p:transition p14:dur="250">
         <p:push/>
       </p:transition>
     </mc:Choice>
-    <mc:Fallback>
+    <mc:Fallback xmlns="">
       <p:transition>
         <p:push/>
       </p:transition>
@@ -22100,13 +22109,13 @@
   <p:clrMapOvr>
     <a:masterClrMapping/>
   </p:clrMapOvr>
-  <mc:AlternateContent xmlns:mc="http://schemas.openxmlformats.org/markup-compatibility/2006">
-    <mc:Choice xmlns:p14="http://schemas.microsoft.com/office/powerpoint/2010/main" Requires="p14">
+  <mc:AlternateContent xmlns:mc="http://schemas.openxmlformats.org/markup-compatibility/2006" xmlns:p14="http://schemas.microsoft.com/office/powerpoint/2010/main">
+    <mc:Choice Requires="p14">
       <p:transition p14:dur="250">
         <p:push/>
       </p:transition>
     </mc:Choice>
-    <mc:Fallback>
+    <mc:Fallback xmlns="">
       <p:transition>
         <p:push/>
       </p:transition>
